--- a/Capstone Project Phase A-23-1-D-6.pptx
+++ b/Capstone Project Phase A-23-1-D-6.pptx
@@ -9,23 +9,19 @@
     <p:sldMasterId id="2147483851" r:id="rId5"/>
   </p:sldMasterIdLst>
   <p:notesMasterIdLst>
-    <p:notesMasterId r:id="rId20"/>
+    <p:notesMasterId r:id="rId16"/>
   </p:notesMasterIdLst>
   <p:sldIdLst>
     <p:sldId id="256" r:id="rId6"/>
-    <p:sldId id="257" r:id="rId7"/>
-    <p:sldId id="268" r:id="rId8"/>
-    <p:sldId id="258" r:id="rId9"/>
-    <p:sldId id="259" r:id="rId10"/>
-    <p:sldId id="260" r:id="rId11"/>
-    <p:sldId id="262" r:id="rId12"/>
-    <p:sldId id="261" r:id="rId13"/>
-    <p:sldId id="263" r:id="rId14"/>
-    <p:sldId id="266" r:id="rId15"/>
-    <p:sldId id="269" r:id="rId16"/>
-    <p:sldId id="270" r:id="rId17"/>
-    <p:sldId id="264" r:id="rId18"/>
-    <p:sldId id="265" r:id="rId19"/>
+    <p:sldId id="271" r:id="rId7"/>
+    <p:sldId id="258" r:id="rId8"/>
+    <p:sldId id="272" r:id="rId9"/>
+    <p:sldId id="260" r:id="rId10"/>
+    <p:sldId id="262" r:id="rId11"/>
+    <p:sldId id="269" r:id="rId12"/>
+    <p:sldId id="270" r:id="rId13"/>
+    <p:sldId id="264" r:id="rId14"/>
+    <p:sldId id="265" r:id="rId15"/>
   </p:sldIdLst>
   <p:sldSz cx="12192000" cy="6858000"/>
   <p:notesSz cx="6858000" cy="9144000"/>
@@ -214,7 +210,7 @@
           <a:p>
             <a:fld id="{E847F2A2-7CE7-419C-BF6F-95D99019EF58}" type="datetimeFigureOut">
               <a:rPr lang="en-US" smtClean="0"/>
-              <a:t>1/16/2023</a:t>
+              <a:t>1/22/2023</a:t>
             </a:fld>
             <a:endParaRPr lang="en-US"/>
           </a:p>
@@ -481,6 +477,762 @@
 </p:notesMaster>
 </file>
 
+<file path=ppt/notesSlides/notesSlide1.xml><?xml version="1.0" encoding="utf-8"?>
+<p:notes xmlns:a="http://schemas.openxmlformats.org/drawingml/2006/main" xmlns:r="http://schemas.openxmlformats.org/officeDocument/2006/relationships" xmlns:p="http://schemas.openxmlformats.org/presentationml/2006/main">
+  <p:cSld>
+    <p:spTree>
+      <p:nvGrpSpPr>
+        <p:cNvPr id="1" name=""/>
+        <p:cNvGrpSpPr/>
+        <p:nvPr/>
+      </p:nvGrpSpPr>
+      <p:grpSpPr>
+        <a:xfrm>
+          <a:off x="0" y="0"/>
+          <a:ext cx="0" cy="0"/>
+          <a:chOff x="0" y="0"/>
+          <a:chExt cx="0" cy="0"/>
+        </a:xfrm>
+      </p:grpSpPr>
+      <p:sp>
+        <p:nvSpPr>
+          <p:cNvPr id="2" name="מציין מיקום של תמונת שקופית 1"/>
+          <p:cNvSpPr>
+            <a:spLocks noGrp="1" noRot="1" noChangeAspect="1"/>
+          </p:cNvSpPr>
+          <p:nvPr>
+            <p:ph type="sldImg"/>
+          </p:nvPr>
+        </p:nvSpPr>
+        <p:spPr/>
+      </p:sp>
+      <p:sp>
+        <p:nvSpPr>
+          <p:cNvPr id="3" name="מציין מיקום של הערות 2"/>
+          <p:cNvSpPr>
+            <a:spLocks noGrp="1"/>
+          </p:cNvSpPr>
+          <p:nvPr>
+            <p:ph type="body" idx="1"/>
+          </p:nvPr>
+        </p:nvSpPr>
+        <p:spPr/>
+        <p:txBody>
+          <a:bodyPr/>
+          <a:lstStyle/>
+          <a:p>
+            <a:endParaRPr lang="he-IL" dirty="0"/>
+          </a:p>
+        </p:txBody>
+      </p:sp>
+      <p:sp>
+        <p:nvSpPr>
+          <p:cNvPr id="4" name="מציין מיקום של מספר שקופית 3"/>
+          <p:cNvSpPr>
+            <a:spLocks noGrp="1"/>
+          </p:cNvSpPr>
+          <p:nvPr>
+            <p:ph type="sldNum" sz="quarter" idx="5"/>
+          </p:nvPr>
+        </p:nvSpPr>
+        <p:spPr/>
+        <p:txBody>
+          <a:bodyPr/>
+          <a:lstStyle/>
+          <a:p>
+            <a:fld id="{9D3CFD24-CFA7-4C2F-898F-4524F3A18BE6}" type="slidenum">
+              <a:rPr lang="en-US" smtClean="0"/>
+              <a:t>1</a:t>
+            </a:fld>
+            <a:endParaRPr lang="en-US"/>
+          </a:p>
+        </p:txBody>
+      </p:sp>
+    </p:spTree>
+    <p:extLst>
+      <p:ext uri="{BB962C8B-B14F-4D97-AF65-F5344CB8AC3E}">
+        <p14:creationId xmlns:p14="http://schemas.microsoft.com/office/powerpoint/2010/main" val="855822977"/>
+      </p:ext>
+    </p:extLst>
+  </p:cSld>
+  <p:clrMapOvr>
+    <a:masterClrMapping/>
+  </p:clrMapOvr>
+</p:notes>
+</file>
+
+<file path=ppt/notesSlides/notesSlide2.xml><?xml version="1.0" encoding="utf-8"?>
+<p:notes xmlns:a="http://schemas.openxmlformats.org/drawingml/2006/main" xmlns:r="http://schemas.openxmlformats.org/officeDocument/2006/relationships" xmlns:p="http://schemas.openxmlformats.org/presentationml/2006/main">
+  <p:cSld>
+    <p:spTree>
+      <p:nvGrpSpPr>
+        <p:cNvPr id="1" name=""/>
+        <p:cNvGrpSpPr/>
+        <p:nvPr/>
+      </p:nvGrpSpPr>
+      <p:grpSpPr>
+        <a:xfrm>
+          <a:off x="0" y="0"/>
+          <a:ext cx="0" cy="0"/>
+          <a:chOff x="0" y="0"/>
+          <a:chExt cx="0" cy="0"/>
+        </a:xfrm>
+      </p:grpSpPr>
+      <p:sp>
+        <p:nvSpPr>
+          <p:cNvPr id="2" name="מציין מיקום של תמונת שקופית 1"/>
+          <p:cNvSpPr>
+            <a:spLocks noGrp="1" noRot="1" noChangeAspect="1"/>
+          </p:cNvSpPr>
+          <p:nvPr>
+            <p:ph type="sldImg"/>
+          </p:nvPr>
+        </p:nvSpPr>
+        <p:spPr/>
+      </p:sp>
+      <p:sp>
+        <p:nvSpPr>
+          <p:cNvPr id="3" name="מציין מיקום של הערות 2"/>
+          <p:cNvSpPr>
+            <a:spLocks noGrp="1"/>
+          </p:cNvSpPr>
+          <p:nvPr>
+            <p:ph type="body" idx="1"/>
+          </p:nvPr>
+        </p:nvSpPr>
+        <p:spPr/>
+        <p:txBody>
+          <a:bodyPr/>
+          <a:lstStyle/>
+          <a:p>
+            <a:endParaRPr lang="he-IL" dirty="0"/>
+          </a:p>
+        </p:txBody>
+      </p:sp>
+      <p:sp>
+        <p:nvSpPr>
+          <p:cNvPr id="4" name="מציין מיקום של מספר שקופית 3"/>
+          <p:cNvSpPr>
+            <a:spLocks noGrp="1"/>
+          </p:cNvSpPr>
+          <p:nvPr>
+            <p:ph type="sldNum" sz="quarter" idx="5"/>
+          </p:nvPr>
+        </p:nvSpPr>
+        <p:spPr/>
+        <p:txBody>
+          <a:bodyPr/>
+          <a:lstStyle/>
+          <a:p>
+            <a:fld id="{9D3CFD24-CFA7-4C2F-898F-4524F3A18BE6}" type="slidenum">
+              <a:rPr lang="en-US" smtClean="0"/>
+              <a:t>2</a:t>
+            </a:fld>
+            <a:endParaRPr lang="en-US"/>
+          </a:p>
+        </p:txBody>
+      </p:sp>
+    </p:spTree>
+    <p:extLst>
+      <p:ext uri="{BB962C8B-B14F-4D97-AF65-F5344CB8AC3E}">
+        <p14:creationId xmlns:p14="http://schemas.microsoft.com/office/powerpoint/2010/main" val="1175982257"/>
+      </p:ext>
+    </p:extLst>
+  </p:cSld>
+  <p:clrMapOvr>
+    <a:masterClrMapping/>
+  </p:clrMapOvr>
+</p:notes>
+</file>
+
+<file path=ppt/notesSlides/notesSlide3.xml><?xml version="1.0" encoding="utf-8"?>
+<p:notes xmlns:a="http://schemas.openxmlformats.org/drawingml/2006/main" xmlns:r="http://schemas.openxmlformats.org/officeDocument/2006/relationships" xmlns:p="http://schemas.openxmlformats.org/presentationml/2006/main">
+  <p:cSld>
+    <p:spTree>
+      <p:nvGrpSpPr>
+        <p:cNvPr id="1" name=""/>
+        <p:cNvGrpSpPr/>
+        <p:nvPr/>
+      </p:nvGrpSpPr>
+      <p:grpSpPr>
+        <a:xfrm>
+          <a:off x="0" y="0"/>
+          <a:ext cx="0" cy="0"/>
+          <a:chOff x="0" y="0"/>
+          <a:chExt cx="0" cy="0"/>
+        </a:xfrm>
+      </p:grpSpPr>
+      <p:sp>
+        <p:nvSpPr>
+          <p:cNvPr id="2" name="Slide Image Placeholder 1"/>
+          <p:cNvSpPr>
+            <a:spLocks noGrp="1" noRot="1" noChangeAspect="1"/>
+          </p:cNvSpPr>
+          <p:nvPr>
+            <p:ph type="sldImg"/>
+          </p:nvPr>
+        </p:nvSpPr>
+        <p:spPr/>
+      </p:sp>
+      <p:sp>
+        <p:nvSpPr>
+          <p:cNvPr id="3" name="Notes Placeholder 2"/>
+          <p:cNvSpPr>
+            <a:spLocks noGrp="1"/>
+          </p:cNvSpPr>
+          <p:nvPr>
+            <p:ph type="body" idx="1"/>
+          </p:nvPr>
+        </p:nvSpPr>
+        <p:spPr/>
+        <p:txBody>
+          <a:bodyPr/>
+          <a:lstStyle/>
+          <a:p>
+            <a:endParaRPr lang="en-US" dirty="0"/>
+          </a:p>
+        </p:txBody>
+      </p:sp>
+      <p:sp>
+        <p:nvSpPr>
+          <p:cNvPr id="4" name="Slide Number Placeholder 3"/>
+          <p:cNvSpPr>
+            <a:spLocks noGrp="1"/>
+          </p:cNvSpPr>
+          <p:nvPr>
+            <p:ph type="sldNum" sz="quarter" idx="5"/>
+          </p:nvPr>
+        </p:nvSpPr>
+        <p:spPr/>
+        <p:txBody>
+          <a:bodyPr/>
+          <a:lstStyle/>
+          <a:p>
+            <a:fld id="{9D3CFD24-CFA7-4C2F-898F-4524F3A18BE6}" type="slidenum">
+              <a:rPr lang="en-US" smtClean="0"/>
+              <a:t>3</a:t>
+            </a:fld>
+            <a:endParaRPr lang="en-US"/>
+          </a:p>
+        </p:txBody>
+      </p:sp>
+    </p:spTree>
+    <p:extLst>
+      <p:ext uri="{BB962C8B-B14F-4D97-AF65-F5344CB8AC3E}">
+        <p14:creationId xmlns:p14="http://schemas.microsoft.com/office/powerpoint/2010/main" val="494724772"/>
+      </p:ext>
+    </p:extLst>
+  </p:cSld>
+  <p:clrMapOvr>
+    <a:masterClrMapping/>
+  </p:clrMapOvr>
+</p:notes>
+</file>
+
+<file path=ppt/notesSlides/notesSlide4.xml><?xml version="1.0" encoding="utf-8"?>
+<p:notes xmlns:a="http://schemas.openxmlformats.org/drawingml/2006/main" xmlns:r="http://schemas.openxmlformats.org/officeDocument/2006/relationships" xmlns:p="http://schemas.openxmlformats.org/presentationml/2006/main">
+  <p:cSld>
+    <p:spTree>
+      <p:nvGrpSpPr>
+        <p:cNvPr id="1" name=""/>
+        <p:cNvGrpSpPr/>
+        <p:nvPr/>
+      </p:nvGrpSpPr>
+      <p:grpSpPr>
+        <a:xfrm>
+          <a:off x="0" y="0"/>
+          <a:ext cx="0" cy="0"/>
+          <a:chOff x="0" y="0"/>
+          <a:chExt cx="0" cy="0"/>
+        </a:xfrm>
+      </p:grpSpPr>
+      <p:sp>
+        <p:nvSpPr>
+          <p:cNvPr id="2" name="מציין מיקום של תמונת שקופית 1"/>
+          <p:cNvSpPr>
+            <a:spLocks noGrp="1" noRot="1" noChangeAspect="1"/>
+          </p:cNvSpPr>
+          <p:nvPr>
+            <p:ph type="sldImg"/>
+          </p:nvPr>
+        </p:nvSpPr>
+        <p:spPr/>
+      </p:sp>
+      <p:sp>
+        <p:nvSpPr>
+          <p:cNvPr id="3" name="מציין מיקום של הערות 2"/>
+          <p:cNvSpPr>
+            <a:spLocks noGrp="1"/>
+          </p:cNvSpPr>
+          <p:nvPr>
+            <p:ph type="body" idx="1"/>
+          </p:nvPr>
+        </p:nvSpPr>
+        <p:spPr/>
+        <p:txBody>
+          <a:bodyPr/>
+          <a:lstStyle/>
+          <a:p>
+            <a:endParaRPr lang="en-US" dirty="0"/>
+          </a:p>
+        </p:txBody>
+      </p:sp>
+      <p:sp>
+        <p:nvSpPr>
+          <p:cNvPr id="4" name="מציין מיקום של מספר שקופית 3"/>
+          <p:cNvSpPr>
+            <a:spLocks noGrp="1"/>
+          </p:cNvSpPr>
+          <p:nvPr>
+            <p:ph type="sldNum" sz="quarter" idx="5"/>
+          </p:nvPr>
+        </p:nvSpPr>
+        <p:spPr/>
+        <p:txBody>
+          <a:bodyPr/>
+          <a:lstStyle/>
+          <a:p>
+            <a:fld id="{9D3CFD24-CFA7-4C2F-898F-4524F3A18BE6}" type="slidenum">
+              <a:rPr lang="en-US" smtClean="0"/>
+              <a:t>4</a:t>
+            </a:fld>
+            <a:endParaRPr lang="en-US"/>
+          </a:p>
+        </p:txBody>
+      </p:sp>
+    </p:spTree>
+    <p:extLst>
+      <p:ext uri="{BB962C8B-B14F-4D97-AF65-F5344CB8AC3E}">
+        <p14:creationId xmlns:p14="http://schemas.microsoft.com/office/powerpoint/2010/main" val="886152084"/>
+      </p:ext>
+    </p:extLst>
+  </p:cSld>
+  <p:clrMapOvr>
+    <a:masterClrMapping/>
+  </p:clrMapOvr>
+</p:notes>
+</file>
+
+<file path=ppt/notesSlides/notesSlide5.xml><?xml version="1.0" encoding="utf-8"?>
+<p:notes xmlns:a="http://schemas.openxmlformats.org/drawingml/2006/main" xmlns:r="http://schemas.openxmlformats.org/officeDocument/2006/relationships" xmlns:p="http://schemas.openxmlformats.org/presentationml/2006/main">
+  <p:cSld>
+    <p:spTree>
+      <p:nvGrpSpPr>
+        <p:cNvPr id="1" name=""/>
+        <p:cNvGrpSpPr/>
+        <p:nvPr/>
+      </p:nvGrpSpPr>
+      <p:grpSpPr>
+        <a:xfrm>
+          <a:off x="0" y="0"/>
+          <a:ext cx="0" cy="0"/>
+          <a:chOff x="0" y="0"/>
+          <a:chExt cx="0" cy="0"/>
+        </a:xfrm>
+      </p:grpSpPr>
+      <p:sp>
+        <p:nvSpPr>
+          <p:cNvPr id="2" name="מציין מיקום של תמונת שקופית 1"/>
+          <p:cNvSpPr>
+            <a:spLocks noGrp="1" noRot="1" noChangeAspect="1"/>
+          </p:cNvSpPr>
+          <p:nvPr>
+            <p:ph type="sldImg"/>
+          </p:nvPr>
+        </p:nvSpPr>
+        <p:spPr/>
+      </p:sp>
+      <p:sp>
+        <p:nvSpPr>
+          <p:cNvPr id="3" name="מציין מיקום של הערות 2"/>
+          <p:cNvSpPr>
+            <a:spLocks noGrp="1"/>
+          </p:cNvSpPr>
+          <p:nvPr>
+            <p:ph type="body" idx="1"/>
+          </p:nvPr>
+        </p:nvSpPr>
+        <p:spPr/>
+        <p:txBody>
+          <a:bodyPr/>
+          <a:lstStyle/>
+          <a:p>
+            <a:endParaRPr lang="he-IL" dirty="0"/>
+          </a:p>
+        </p:txBody>
+      </p:sp>
+      <p:sp>
+        <p:nvSpPr>
+          <p:cNvPr id="4" name="מציין מיקום של מספר שקופית 3"/>
+          <p:cNvSpPr>
+            <a:spLocks noGrp="1"/>
+          </p:cNvSpPr>
+          <p:nvPr>
+            <p:ph type="sldNum" sz="quarter" idx="5"/>
+          </p:nvPr>
+        </p:nvSpPr>
+        <p:spPr/>
+        <p:txBody>
+          <a:bodyPr/>
+          <a:lstStyle/>
+          <a:p>
+            <a:fld id="{9D3CFD24-CFA7-4C2F-898F-4524F3A18BE6}" type="slidenum">
+              <a:rPr lang="en-US" smtClean="0"/>
+              <a:t>5</a:t>
+            </a:fld>
+            <a:endParaRPr lang="en-US"/>
+          </a:p>
+        </p:txBody>
+      </p:sp>
+    </p:spTree>
+    <p:extLst>
+      <p:ext uri="{BB962C8B-B14F-4D97-AF65-F5344CB8AC3E}">
+        <p14:creationId xmlns:p14="http://schemas.microsoft.com/office/powerpoint/2010/main" val="3946057258"/>
+      </p:ext>
+    </p:extLst>
+  </p:cSld>
+  <p:clrMapOvr>
+    <a:masterClrMapping/>
+  </p:clrMapOvr>
+</p:notes>
+</file>
+
+<file path=ppt/notesSlides/notesSlide6.xml><?xml version="1.0" encoding="utf-8"?>
+<p:notes xmlns:a="http://schemas.openxmlformats.org/drawingml/2006/main" xmlns:r="http://schemas.openxmlformats.org/officeDocument/2006/relationships" xmlns:p="http://schemas.openxmlformats.org/presentationml/2006/main">
+  <p:cSld>
+    <p:spTree>
+      <p:nvGrpSpPr>
+        <p:cNvPr id="1" name=""/>
+        <p:cNvGrpSpPr/>
+        <p:nvPr/>
+      </p:nvGrpSpPr>
+      <p:grpSpPr>
+        <a:xfrm>
+          <a:off x="0" y="0"/>
+          <a:ext cx="0" cy="0"/>
+          <a:chOff x="0" y="0"/>
+          <a:chExt cx="0" cy="0"/>
+        </a:xfrm>
+      </p:grpSpPr>
+      <p:sp>
+        <p:nvSpPr>
+          <p:cNvPr id="2" name="מציין מיקום של תמונת שקופית 1"/>
+          <p:cNvSpPr>
+            <a:spLocks noGrp="1" noRot="1" noChangeAspect="1"/>
+          </p:cNvSpPr>
+          <p:nvPr>
+            <p:ph type="sldImg"/>
+          </p:nvPr>
+        </p:nvSpPr>
+        <p:spPr/>
+      </p:sp>
+      <p:sp>
+        <p:nvSpPr>
+          <p:cNvPr id="3" name="מציין מיקום של הערות 2"/>
+          <p:cNvSpPr>
+            <a:spLocks noGrp="1"/>
+          </p:cNvSpPr>
+          <p:nvPr>
+            <p:ph type="body" idx="1"/>
+          </p:nvPr>
+        </p:nvSpPr>
+        <p:spPr/>
+        <p:txBody>
+          <a:bodyPr/>
+          <a:lstStyle/>
+          <a:p>
+            <a:endParaRPr lang="he-IL" dirty="0"/>
+          </a:p>
+        </p:txBody>
+      </p:sp>
+      <p:sp>
+        <p:nvSpPr>
+          <p:cNvPr id="4" name="מציין מיקום של מספר שקופית 3"/>
+          <p:cNvSpPr>
+            <a:spLocks noGrp="1"/>
+          </p:cNvSpPr>
+          <p:nvPr>
+            <p:ph type="sldNum" sz="quarter" idx="5"/>
+          </p:nvPr>
+        </p:nvSpPr>
+        <p:spPr/>
+        <p:txBody>
+          <a:bodyPr/>
+          <a:lstStyle/>
+          <a:p>
+            <a:fld id="{9D3CFD24-CFA7-4C2F-898F-4524F3A18BE6}" type="slidenum">
+              <a:rPr lang="en-US" smtClean="0"/>
+              <a:t>6</a:t>
+            </a:fld>
+            <a:endParaRPr lang="en-US"/>
+          </a:p>
+        </p:txBody>
+      </p:sp>
+    </p:spTree>
+    <p:extLst>
+      <p:ext uri="{BB962C8B-B14F-4D97-AF65-F5344CB8AC3E}">
+        <p14:creationId xmlns:p14="http://schemas.microsoft.com/office/powerpoint/2010/main" val="2916965534"/>
+      </p:ext>
+    </p:extLst>
+  </p:cSld>
+  <p:clrMapOvr>
+    <a:masterClrMapping/>
+  </p:clrMapOvr>
+</p:notes>
+</file>
+
+<file path=ppt/notesSlides/notesSlide7.xml><?xml version="1.0" encoding="utf-8"?>
+<p:notes xmlns:a="http://schemas.openxmlformats.org/drawingml/2006/main" xmlns:r="http://schemas.openxmlformats.org/officeDocument/2006/relationships" xmlns:p="http://schemas.openxmlformats.org/presentationml/2006/main">
+  <p:cSld>
+    <p:spTree>
+      <p:nvGrpSpPr>
+        <p:cNvPr id="1" name=""/>
+        <p:cNvGrpSpPr/>
+        <p:nvPr/>
+      </p:nvGrpSpPr>
+      <p:grpSpPr>
+        <a:xfrm>
+          <a:off x="0" y="0"/>
+          <a:ext cx="0" cy="0"/>
+          <a:chOff x="0" y="0"/>
+          <a:chExt cx="0" cy="0"/>
+        </a:xfrm>
+      </p:grpSpPr>
+      <p:sp>
+        <p:nvSpPr>
+          <p:cNvPr id="2" name="מציין מיקום של תמונת שקופית 1"/>
+          <p:cNvSpPr>
+            <a:spLocks noGrp="1" noRot="1" noChangeAspect="1"/>
+          </p:cNvSpPr>
+          <p:nvPr>
+            <p:ph type="sldImg"/>
+          </p:nvPr>
+        </p:nvSpPr>
+        <p:spPr/>
+      </p:sp>
+      <p:sp>
+        <p:nvSpPr>
+          <p:cNvPr id="3" name="מציין מיקום של הערות 2"/>
+          <p:cNvSpPr>
+            <a:spLocks noGrp="1"/>
+          </p:cNvSpPr>
+          <p:nvPr>
+            <p:ph type="body" idx="1"/>
+          </p:nvPr>
+        </p:nvSpPr>
+        <p:spPr/>
+        <p:txBody>
+          <a:bodyPr/>
+          <a:lstStyle/>
+          <a:p>
+            <a:endParaRPr lang="he-IL" dirty="0"/>
+          </a:p>
+        </p:txBody>
+      </p:sp>
+      <p:sp>
+        <p:nvSpPr>
+          <p:cNvPr id="4" name="מציין מיקום של מספר שקופית 3"/>
+          <p:cNvSpPr>
+            <a:spLocks noGrp="1"/>
+          </p:cNvSpPr>
+          <p:nvPr>
+            <p:ph type="sldNum" sz="quarter" idx="5"/>
+          </p:nvPr>
+        </p:nvSpPr>
+        <p:spPr/>
+        <p:txBody>
+          <a:bodyPr/>
+          <a:lstStyle/>
+          <a:p>
+            <a:fld id="{9D3CFD24-CFA7-4C2F-898F-4524F3A18BE6}" type="slidenum">
+              <a:rPr lang="en-US" smtClean="0"/>
+              <a:t>7</a:t>
+            </a:fld>
+            <a:endParaRPr lang="en-US"/>
+          </a:p>
+        </p:txBody>
+      </p:sp>
+    </p:spTree>
+    <p:extLst>
+      <p:ext uri="{BB962C8B-B14F-4D97-AF65-F5344CB8AC3E}">
+        <p14:creationId xmlns:p14="http://schemas.microsoft.com/office/powerpoint/2010/main" val="2012887101"/>
+      </p:ext>
+    </p:extLst>
+  </p:cSld>
+  <p:clrMapOvr>
+    <a:masterClrMapping/>
+  </p:clrMapOvr>
+</p:notes>
+</file>
+
+<file path=ppt/notesSlides/notesSlide8.xml><?xml version="1.0" encoding="utf-8"?>
+<p:notes xmlns:a="http://schemas.openxmlformats.org/drawingml/2006/main" xmlns:r="http://schemas.openxmlformats.org/officeDocument/2006/relationships" xmlns:p="http://schemas.openxmlformats.org/presentationml/2006/main">
+  <p:cSld>
+    <p:spTree>
+      <p:nvGrpSpPr>
+        <p:cNvPr id="1" name=""/>
+        <p:cNvGrpSpPr/>
+        <p:nvPr/>
+      </p:nvGrpSpPr>
+      <p:grpSpPr>
+        <a:xfrm>
+          <a:off x="0" y="0"/>
+          <a:ext cx="0" cy="0"/>
+          <a:chOff x="0" y="0"/>
+          <a:chExt cx="0" cy="0"/>
+        </a:xfrm>
+      </p:grpSpPr>
+      <p:sp>
+        <p:nvSpPr>
+          <p:cNvPr id="2" name="מציין מיקום של תמונת שקופית 1"/>
+          <p:cNvSpPr>
+            <a:spLocks noGrp="1" noRot="1" noChangeAspect="1"/>
+          </p:cNvSpPr>
+          <p:nvPr>
+            <p:ph type="sldImg"/>
+          </p:nvPr>
+        </p:nvSpPr>
+        <p:spPr/>
+      </p:sp>
+      <p:sp>
+        <p:nvSpPr>
+          <p:cNvPr id="3" name="מציין מיקום של הערות 2"/>
+          <p:cNvSpPr>
+            <a:spLocks noGrp="1"/>
+          </p:cNvSpPr>
+          <p:nvPr>
+            <p:ph type="body" idx="1"/>
+          </p:nvPr>
+        </p:nvSpPr>
+        <p:spPr/>
+        <p:txBody>
+          <a:bodyPr/>
+          <a:lstStyle/>
+          <a:p>
+            <a:endParaRPr lang="he-IL" dirty="0"/>
+          </a:p>
+        </p:txBody>
+      </p:sp>
+      <p:sp>
+        <p:nvSpPr>
+          <p:cNvPr id="4" name="מציין מיקום של מספר שקופית 3"/>
+          <p:cNvSpPr>
+            <a:spLocks noGrp="1"/>
+          </p:cNvSpPr>
+          <p:nvPr>
+            <p:ph type="sldNum" sz="quarter" idx="5"/>
+          </p:nvPr>
+        </p:nvSpPr>
+        <p:spPr/>
+        <p:txBody>
+          <a:bodyPr/>
+          <a:lstStyle/>
+          <a:p>
+            <a:fld id="{9D3CFD24-CFA7-4C2F-898F-4524F3A18BE6}" type="slidenum">
+              <a:rPr lang="en-US" smtClean="0"/>
+              <a:t>8</a:t>
+            </a:fld>
+            <a:endParaRPr lang="en-US"/>
+          </a:p>
+        </p:txBody>
+      </p:sp>
+    </p:spTree>
+    <p:extLst>
+      <p:ext uri="{BB962C8B-B14F-4D97-AF65-F5344CB8AC3E}">
+        <p14:creationId xmlns:p14="http://schemas.microsoft.com/office/powerpoint/2010/main" val="2061433417"/>
+      </p:ext>
+    </p:extLst>
+  </p:cSld>
+  <p:clrMapOvr>
+    <a:masterClrMapping/>
+  </p:clrMapOvr>
+</p:notes>
+</file>
+
+<file path=ppt/notesSlides/notesSlide9.xml><?xml version="1.0" encoding="utf-8"?>
+<p:notes xmlns:a="http://schemas.openxmlformats.org/drawingml/2006/main" xmlns:r="http://schemas.openxmlformats.org/officeDocument/2006/relationships" xmlns:p="http://schemas.openxmlformats.org/presentationml/2006/main">
+  <p:cSld>
+    <p:spTree>
+      <p:nvGrpSpPr>
+        <p:cNvPr id="1" name=""/>
+        <p:cNvGrpSpPr/>
+        <p:nvPr/>
+      </p:nvGrpSpPr>
+      <p:grpSpPr>
+        <a:xfrm>
+          <a:off x="0" y="0"/>
+          <a:ext cx="0" cy="0"/>
+          <a:chOff x="0" y="0"/>
+          <a:chExt cx="0" cy="0"/>
+        </a:xfrm>
+      </p:grpSpPr>
+      <p:sp>
+        <p:nvSpPr>
+          <p:cNvPr id="2" name="מציין מיקום של תמונת שקופית 1"/>
+          <p:cNvSpPr>
+            <a:spLocks noGrp="1" noRot="1" noChangeAspect="1"/>
+          </p:cNvSpPr>
+          <p:nvPr>
+            <p:ph type="sldImg"/>
+          </p:nvPr>
+        </p:nvSpPr>
+        <p:spPr/>
+      </p:sp>
+      <p:sp>
+        <p:nvSpPr>
+          <p:cNvPr id="3" name="מציין מיקום של הערות 2"/>
+          <p:cNvSpPr>
+            <a:spLocks noGrp="1"/>
+          </p:cNvSpPr>
+          <p:nvPr>
+            <p:ph type="body" idx="1"/>
+          </p:nvPr>
+        </p:nvSpPr>
+        <p:spPr/>
+        <p:txBody>
+          <a:bodyPr/>
+          <a:lstStyle/>
+          <a:p>
+            <a:endParaRPr lang="he-IL" dirty="0"/>
+          </a:p>
+        </p:txBody>
+      </p:sp>
+      <p:sp>
+        <p:nvSpPr>
+          <p:cNvPr id="4" name="מציין מיקום של מספר שקופית 3"/>
+          <p:cNvSpPr>
+            <a:spLocks noGrp="1"/>
+          </p:cNvSpPr>
+          <p:nvPr>
+            <p:ph type="sldNum" sz="quarter" idx="5"/>
+          </p:nvPr>
+        </p:nvSpPr>
+        <p:spPr/>
+        <p:txBody>
+          <a:bodyPr/>
+          <a:lstStyle/>
+          <a:p>
+            <a:fld id="{9D3CFD24-CFA7-4C2F-898F-4524F3A18BE6}" type="slidenum">
+              <a:rPr lang="en-US" smtClean="0"/>
+              <a:t>9</a:t>
+            </a:fld>
+            <a:endParaRPr lang="en-US"/>
+          </a:p>
+        </p:txBody>
+      </p:sp>
+    </p:spTree>
+    <p:extLst>
+      <p:ext uri="{BB962C8B-B14F-4D97-AF65-F5344CB8AC3E}">
+        <p14:creationId xmlns:p14="http://schemas.microsoft.com/office/powerpoint/2010/main" val="3199949726"/>
+      </p:ext>
+    </p:extLst>
+  </p:cSld>
+  <p:clrMapOvr>
+    <a:masterClrMapping/>
+  </p:clrMapOvr>
+</p:notes>
+</file>
+
 <file path=ppt/slideLayouts/slideLayout1.xml><?xml version="1.0" encoding="utf-8"?>
 <p:sldLayout xmlns:a="http://schemas.openxmlformats.org/drawingml/2006/main" xmlns:r="http://schemas.openxmlformats.org/officeDocument/2006/relationships" xmlns:p="http://schemas.openxmlformats.org/presentationml/2006/main" type="title" preserve="1">
   <p:cSld name="Title Slide">
@@ -755,7 +1507,7 @@
           <a:p>
             <a:fld id="{2D7F4EDB-1BD7-4CF4-AF3E-2BB929B405AE}" type="datetime1">
               <a:rPr lang="en-US" smtClean="0"/>
-              <a:t>1/16/2023</a:t>
+              <a:t>1/22/2023</a:t>
             </a:fld>
             <a:endParaRPr lang="en-US"/>
           </a:p>
@@ -1181,7 +1933,7 @@
           <a:p>
             <a:fld id="{9EA2C755-6153-439F-92FE-4D0C5312F9CE}" type="datetime1">
               <a:rPr lang="en-US" smtClean="0"/>
-              <a:t>1/16/2023</a:t>
+              <a:t>1/22/2023</a:t>
             </a:fld>
             <a:endParaRPr lang="en-US"/>
           </a:p>
@@ -1530,7 +2282,7 @@
           <a:p>
             <a:fld id="{9EA2C755-6153-439F-92FE-4D0C5312F9CE}" type="datetime1">
               <a:rPr lang="en-US" smtClean="0"/>
-              <a:t>1/16/2023</a:t>
+              <a:t>1/22/2023</a:t>
             </a:fld>
             <a:endParaRPr lang="en-US"/>
           </a:p>
@@ -1948,7 +2700,7 @@
           <a:p>
             <a:fld id="{9EA2C755-6153-439F-92FE-4D0C5312F9CE}" type="datetime1">
               <a:rPr lang="en-US" smtClean="0"/>
-              <a:t>1/16/2023</a:t>
+              <a:t>1/22/2023</a:t>
             </a:fld>
             <a:endParaRPr lang="en-US"/>
           </a:p>
@@ -2529,7 +3281,7 @@
           <a:p>
             <a:fld id="{9EA2C755-6153-439F-92FE-4D0C5312F9CE}" type="datetime1">
               <a:rPr lang="en-US" smtClean="0"/>
-              <a:t>1/16/2023</a:t>
+              <a:t>1/22/2023</a:t>
             </a:fld>
             <a:endParaRPr lang="en-US"/>
           </a:p>
@@ -3223,7 +3975,7 @@
           <a:p>
             <a:fld id="{9EA2C755-6153-439F-92FE-4D0C5312F9CE}" type="datetime1">
               <a:rPr lang="en-US" smtClean="0"/>
-              <a:t>1/16/2023</a:t>
+              <a:t>1/22/2023</a:t>
             </a:fld>
             <a:endParaRPr lang="en-US"/>
           </a:p>
@@ -4149,7 +4901,7 @@
           <a:p>
             <a:fld id="{9EA2C755-6153-439F-92FE-4D0C5312F9CE}" type="datetime1">
               <a:rPr lang="en-US" smtClean="0"/>
-              <a:t>1/16/2023</a:t>
+              <a:t>1/22/2023</a:t>
             </a:fld>
             <a:endParaRPr lang="en-US"/>
           </a:p>
@@ -4475,7 +5227,7 @@
           <a:p>
             <a:fld id="{D8FE9636-AB7E-4F00-A24A-3BA4352B4E84}" type="datetime1">
               <a:rPr lang="en-US" smtClean="0"/>
-              <a:t>1/16/2023</a:t>
+              <a:t>1/22/2023</a:t>
             </a:fld>
             <a:endParaRPr lang="en-US"/>
           </a:p>
@@ -4751,7 +5503,7 @@
           <a:p>
             <a:fld id="{14C8C8C1-4197-461F-B842-95F5A9677C45}" type="datetime1">
               <a:rPr lang="en-US" smtClean="0"/>
-              <a:t>1/16/2023</a:t>
+              <a:t>1/22/2023</a:t>
             </a:fld>
             <a:endParaRPr lang="en-US"/>
           </a:p>
@@ -5112,7 +5864,7 @@
           <a:p>
             <a:fld id="{78ABE3C1-DBE1-495D-B57B-2849774B866A}" type="datetimeFigureOut">
               <a:rPr lang="en-US" dirty="0"/>
-              <a:t>1/16/2023</a:t>
+              <a:t>1/22/2023</a:t>
             </a:fld>
             <a:endParaRPr lang="en-US" dirty="0"/>
           </a:p>
@@ -5438,7 +6190,7 @@
           <a:p>
             <a:fld id="{12DE42F4-6EEF-4EF7-8ED4-2208F0F89A08}" type="datetimeFigureOut">
               <a:rPr lang="en-US" dirty="0"/>
-              <a:t>1/16/2023</a:t>
+              <a:t>1/22/2023</a:t>
             </a:fld>
             <a:endParaRPr lang="en-US" dirty="0"/>
           </a:p>
@@ -5777,7 +6529,7 @@
           <a:p>
             <a:fld id="{2281937C-6156-4165-80EA-9AF749AF8C81}" type="datetime1">
               <a:rPr lang="en-US" smtClean="0"/>
-              <a:t>1/16/2023</a:t>
+              <a:t>1/22/2023</a:t>
             </a:fld>
             <a:endParaRPr lang="en-US"/>
           </a:p>
@@ -6178,7 +6930,7 @@
           <a:p>
             <a:fld id="{30578ACC-22D6-47C1-A373-4FD133E34F3C}" type="datetimeFigureOut">
               <a:rPr lang="en-US" dirty="0"/>
-              <a:t>1/16/2023</a:t>
+              <a:t>1/22/2023</a:t>
             </a:fld>
             <a:endParaRPr lang="en-US" dirty="0"/>
           </a:p>
@@ -6566,7 +7318,7 @@
           <a:p>
             <a:fld id="{4E5A6C69-6797-4E8A-BF37-F2C3751466E9}" type="datetimeFigureOut">
               <a:rPr lang="en-US" dirty="0"/>
-              <a:t>1/16/2023</a:t>
+              <a:t>1/22/2023</a:t>
             </a:fld>
             <a:endParaRPr lang="en-US" dirty="0"/>
           </a:p>
@@ -7084,7 +7836,7 @@
           <a:p>
             <a:fld id="{D82014A1-A632-4878-A0D3-F52BA7563730}" type="datetimeFigureOut">
               <a:rPr lang="en-US" dirty="0"/>
-              <a:t>1/16/2023</a:t>
+              <a:t>1/22/2023</a:t>
             </a:fld>
             <a:endParaRPr lang="en-US" dirty="0"/>
           </a:p>
@@ -7353,7 +8105,7 @@
           <a:p>
             <a:fld id="{CE99F462-093F-4566-844B-4C71F2739DA5}" type="datetimeFigureOut">
               <a:rPr lang="en-US" dirty="0"/>
-              <a:t>1/16/2023</a:t>
+              <a:t>1/22/2023</a:t>
             </a:fld>
             <a:endParaRPr lang="en-US" dirty="0"/>
           </a:p>
@@ -7528,7 +8280,7 @@
           <a:p>
             <a:fld id="{3D24A7AC-904D-4781-85BA-7D10C17ED021}" type="datetimeFigureOut">
               <a:rPr lang="en-US" dirty="0"/>
-              <a:t>1/16/2023</a:t>
+              <a:t>1/22/2023</a:t>
             </a:fld>
             <a:endParaRPr lang="en-US" dirty="0"/>
           </a:p>
@@ -7930,7 +8682,7 @@
           <a:p>
             <a:fld id="{E331444B-B92B-4E27-8C94-BB93EAF5CB18}" type="datetimeFigureOut">
               <a:rPr lang="en-US" dirty="0"/>
-              <a:t>1/16/2023</a:t>
+              <a:t>1/22/2023</a:t>
             </a:fld>
             <a:endParaRPr lang="en-US" dirty="0"/>
           </a:p>
@@ -8351,7 +9103,7 @@
           <a:p>
             <a:fld id="{363EFA5E-FA76-400D-B3DC-F0BA90E6D107}" type="datetimeFigureOut">
               <a:rPr lang="en-US" dirty="0"/>
-              <a:t>1/16/2023</a:t>
+              <a:t>1/22/2023</a:t>
             </a:fld>
             <a:endParaRPr lang="en-US" dirty="0"/>
           </a:p>
@@ -8772,7 +9524,7 @@
           <a:p>
             <a:fld id="{446C117F-5CCF-4837-BE5F-2B92066CAFAF}" type="datetimeFigureOut">
               <a:rPr lang="en-US" dirty="0"/>
-              <a:t>1/16/2023</a:t>
+              <a:t>1/22/2023</a:t>
             </a:fld>
             <a:endParaRPr lang="en-US" dirty="0"/>
           </a:p>
@@ -9120,7 +9872,7 @@
           <a:p>
             <a:fld id="{84EB90BD-B6CE-46B7-997F-7313B992CCDC}" type="datetimeFigureOut">
               <a:rPr lang="en-US" dirty="0"/>
-              <a:t>1/16/2023</a:t>
+              <a:t>1/22/2023</a:t>
             </a:fld>
             <a:endParaRPr lang="en-US" dirty="0"/>
           </a:p>
@@ -9537,7 +10289,7 @@
           <a:p>
             <a:fld id="{CDB9D11F-B188-461D-B23F-39381795C052}" type="datetimeFigureOut">
               <a:rPr lang="en-US" dirty="0"/>
-              <a:t>1/16/2023</a:t>
+              <a:t>1/22/2023</a:t>
             </a:fld>
             <a:endParaRPr lang="en-US" dirty="0"/>
           </a:p>
@@ -10175,7 +10927,7 @@
           <a:p>
             <a:fld id="{BD1E4BF1-159F-425F-97B6-A68E139F3DBC}" type="datetime1">
               <a:rPr lang="en-US" smtClean="0"/>
-              <a:t>1/16/2023</a:t>
+              <a:t>1/22/2023</a:t>
             </a:fld>
             <a:endParaRPr lang="en-US"/>
           </a:p>
@@ -10523,7 +11275,7 @@
           <a:p>
             <a:fld id="{52E6D8D9-55A2-4063-B0F3-121F44549695}" type="datetimeFigureOut">
               <a:rPr lang="en-US" dirty="0"/>
-              <a:t>1/16/2023</a:t>
+              <a:t>1/22/2023</a:t>
             </a:fld>
             <a:endParaRPr lang="en-US" dirty="0"/>
           </a:p>
@@ -11216,7 +11968,7 @@
           <a:p>
             <a:fld id="{D4B24536-994D-4021-A283-9F449C0DB509}" type="datetimeFigureOut">
               <a:rPr lang="en-US" dirty="0"/>
-              <a:t>1/16/2023</a:t>
+              <a:t>1/22/2023</a:t>
             </a:fld>
             <a:endParaRPr lang="en-US" dirty="0"/>
           </a:p>
@@ -12141,7 +12893,7 @@
           <a:p>
             <a:fld id="{3CBBBB78-C96F-47B7-AB17-D852CA960AC9}" type="datetimeFigureOut">
               <a:rPr lang="en-US" dirty="0"/>
-              <a:t>1/16/2023</a:t>
+              <a:t>1/22/2023</a:t>
             </a:fld>
             <a:endParaRPr lang="en-US" dirty="0"/>
           </a:p>
@@ -12466,7 +13218,7 @@
           <a:p>
             <a:fld id="{1FA3F48C-C7C6-4055-9F49-3777875E72AE}" type="datetimeFigureOut">
               <a:rPr lang="en-US" dirty="0"/>
-              <a:t>1/16/2023</a:t>
+              <a:t>1/22/2023</a:t>
             </a:fld>
             <a:endParaRPr lang="en-US" dirty="0"/>
           </a:p>
@@ -12742,7 +13494,7 @@
           <a:p>
             <a:fld id="{6178E61D-D431-422C-9764-11DAFE33AB63}" type="datetimeFigureOut">
               <a:rPr lang="en-US" dirty="0"/>
-              <a:t>1/16/2023</a:t>
+              <a:t>1/22/2023</a:t>
             </a:fld>
             <a:endParaRPr lang="en-US" dirty="0"/>
           </a:p>
@@ -13104,7 +13856,7 @@
           <a:p>
             <a:fld id="{78ABE3C1-DBE1-495D-B57B-2849774B866A}" type="datetimeFigureOut">
               <a:rPr lang="en-US" smtClean="0"/>
-              <a:t>1/16/2023</a:t>
+              <a:t>1/22/2023</a:t>
             </a:fld>
             <a:endParaRPr lang="en-US" dirty="0"/>
           </a:p>
@@ -13430,7 +14182,7 @@
           <a:p>
             <a:fld id="{12DE42F4-6EEF-4EF7-8ED4-2208F0F89A08}" type="datetimeFigureOut">
               <a:rPr lang="en-US" smtClean="0"/>
-              <a:t>1/16/2023</a:t>
+              <a:t>1/22/2023</a:t>
             </a:fld>
             <a:endParaRPr lang="en-US" dirty="0"/>
           </a:p>
@@ -13831,7 +14583,7 @@
           <a:p>
             <a:fld id="{30578ACC-22D6-47C1-A373-4FD133E34F3C}" type="datetimeFigureOut">
               <a:rPr lang="en-US" smtClean="0"/>
-              <a:t>1/16/2023</a:t>
+              <a:t>1/22/2023</a:t>
             </a:fld>
             <a:endParaRPr lang="en-US" dirty="0"/>
           </a:p>
@@ -14219,7 +14971,7 @@
           <a:p>
             <a:fld id="{4E5A6C69-6797-4E8A-BF37-F2C3751466E9}" type="datetimeFigureOut">
               <a:rPr lang="en-US" smtClean="0"/>
-              <a:t>1/16/2023</a:t>
+              <a:t>1/22/2023</a:t>
             </a:fld>
             <a:endParaRPr lang="en-US" dirty="0"/>
           </a:p>
@@ -14737,7 +15489,7 @@
           <a:p>
             <a:fld id="{D82014A1-A632-4878-A0D3-F52BA7563730}" type="datetimeFigureOut">
               <a:rPr lang="en-US" smtClean="0"/>
-              <a:t>1/16/2023</a:t>
+              <a:t>1/22/2023</a:t>
             </a:fld>
             <a:endParaRPr lang="en-US" dirty="0"/>
           </a:p>
@@ -15120,7 +15872,7 @@
           <a:p>
             <a:fld id="{93F3C043-1598-40A9-9E30-6B4023AEB72A}" type="datetime1">
               <a:rPr lang="en-US" smtClean="0"/>
-              <a:t>1/16/2023</a:t>
+              <a:t>1/22/2023</a:t>
             </a:fld>
             <a:endParaRPr lang="en-US"/>
           </a:p>
@@ -15389,7 +16141,7 @@
           <a:p>
             <a:fld id="{CE99F462-093F-4566-844B-4C71F2739DA5}" type="datetimeFigureOut">
               <a:rPr lang="en-US" smtClean="0"/>
-              <a:t>1/16/2023</a:t>
+              <a:t>1/22/2023</a:t>
             </a:fld>
             <a:endParaRPr lang="en-US" dirty="0"/>
           </a:p>
@@ -15564,7 +16316,7 @@
           <a:p>
             <a:fld id="{3D24A7AC-904D-4781-85BA-7D10C17ED021}" type="datetimeFigureOut">
               <a:rPr lang="en-US" smtClean="0"/>
-              <a:t>1/16/2023</a:t>
+              <a:t>1/22/2023</a:t>
             </a:fld>
             <a:endParaRPr lang="en-US" dirty="0"/>
           </a:p>
@@ -15966,7 +16718,7 @@
           <a:p>
             <a:fld id="{E331444B-B92B-4E27-8C94-BB93EAF5CB18}" type="datetimeFigureOut">
               <a:rPr lang="en-US" smtClean="0"/>
-              <a:t>1/16/2023</a:t>
+              <a:t>1/22/2023</a:t>
             </a:fld>
             <a:endParaRPr lang="en-US" dirty="0"/>
           </a:p>
@@ -16387,7 +17139,7 @@
           <a:p>
             <a:fld id="{363EFA5E-FA76-400D-B3DC-F0BA90E6D107}" type="datetimeFigureOut">
               <a:rPr lang="en-US" smtClean="0"/>
-              <a:t>1/16/2023</a:t>
+              <a:t>1/22/2023</a:t>
             </a:fld>
             <a:endParaRPr lang="en-US" dirty="0"/>
           </a:p>
@@ -16808,7 +17560,7 @@
           <a:p>
             <a:fld id="{446C117F-5CCF-4837-BE5F-2B92066CAFAF}" type="datetimeFigureOut">
               <a:rPr lang="en-US" smtClean="0"/>
-              <a:t>1/16/2023</a:t>
+              <a:t>1/22/2023</a:t>
             </a:fld>
             <a:endParaRPr lang="en-US" dirty="0"/>
           </a:p>
@@ -17156,7 +17908,7 @@
           <a:p>
             <a:fld id="{84EB90BD-B6CE-46B7-997F-7313B992CCDC}" type="datetimeFigureOut">
               <a:rPr lang="en-US" smtClean="0"/>
-              <a:t>1/16/2023</a:t>
+              <a:t>1/22/2023</a:t>
             </a:fld>
             <a:endParaRPr lang="en-US" dirty="0"/>
           </a:p>
@@ -17573,7 +18325,7 @@
           <a:p>
             <a:fld id="{CDB9D11F-B188-461D-B23F-39381795C052}" type="datetimeFigureOut">
               <a:rPr lang="en-US" smtClean="0"/>
-              <a:t>1/16/2023</a:t>
+              <a:t>1/22/2023</a:t>
             </a:fld>
             <a:endParaRPr lang="en-US" dirty="0"/>
           </a:p>
@@ -18153,7 +18905,7 @@
           <a:p>
             <a:fld id="{52E6D8D9-55A2-4063-B0F3-121F44549695}" type="datetimeFigureOut">
               <a:rPr lang="en-US" smtClean="0"/>
-              <a:t>1/16/2023</a:t>
+              <a:t>1/22/2023</a:t>
             </a:fld>
             <a:endParaRPr lang="en-US" dirty="0"/>
           </a:p>
@@ -18846,7 +19598,7 @@
           <a:p>
             <a:fld id="{D4B24536-994D-4021-A283-9F449C0DB509}" type="datetimeFigureOut">
               <a:rPr lang="en-US" smtClean="0"/>
-              <a:t>1/16/2023</a:t>
+              <a:t>1/22/2023</a:t>
             </a:fld>
             <a:endParaRPr lang="en-US" dirty="0"/>
           </a:p>
@@ -19771,7 +20523,7 @@
           <a:p>
             <a:fld id="{3CBBBB78-C96F-47B7-AB17-D852CA960AC9}" type="datetimeFigureOut">
               <a:rPr lang="en-US" smtClean="0"/>
-              <a:t>1/16/2023</a:t>
+              <a:t>1/22/2023</a:t>
             </a:fld>
             <a:endParaRPr lang="en-US" dirty="0"/>
           </a:p>
@@ -20289,7 +21041,7 @@
           <a:p>
             <a:fld id="{2F3F64E0-4F65-46C7-9784-6C30E11B0A43}" type="datetime1">
               <a:rPr lang="en-US" smtClean="0"/>
-              <a:t>1/16/2023</a:t>
+              <a:t>1/22/2023</a:t>
             </a:fld>
             <a:endParaRPr lang="en-US"/>
           </a:p>
@@ -20614,7 +21366,7 @@
           <a:p>
             <a:fld id="{1FA3F48C-C7C6-4055-9F49-3777875E72AE}" type="datetimeFigureOut">
               <a:rPr lang="en-US" smtClean="0"/>
-              <a:t>1/16/2023</a:t>
+              <a:t>1/22/2023</a:t>
             </a:fld>
             <a:endParaRPr lang="en-US" dirty="0"/>
           </a:p>
@@ -20890,7 +21642,7 @@
           <a:p>
             <a:fld id="{6178E61D-D431-422C-9764-11DAFE33AB63}" type="datetimeFigureOut">
               <a:rPr lang="en-US" smtClean="0"/>
-              <a:t>1/16/2023</a:t>
+              <a:t>1/22/2023</a:t>
             </a:fld>
             <a:endParaRPr lang="en-US" dirty="0"/>
           </a:p>
@@ -21252,7 +22004,7 @@
           <a:p>
             <a:fld id="{78ABE3C1-DBE1-495D-B57B-2849774B866A}" type="datetimeFigureOut">
               <a:rPr lang="en-US" smtClean="0"/>
-              <a:t>1/16/2023</a:t>
+              <a:t>1/22/2023</a:t>
             </a:fld>
             <a:endParaRPr lang="en-US" dirty="0"/>
           </a:p>
@@ -21578,7 +22330,7 @@
           <a:p>
             <a:fld id="{12DE42F4-6EEF-4EF7-8ED4-2208F0F89A08}" type="datetimeFigureOut">
               <a:rPr lang="en-US" smtClean="0"/>
-              <a:t>1/16/2023</a:t>
+              <a:t>1/22/2023</a:t>
             </a:fld>
             <a:endParaRPr lang="en-US" dirty="0"/>
           </a:p>
@@ -21979,7 +22731,7 @@
           <a:p>
             <a:fld id="{30578ACC-22D6-47C1-A373-4FD133E34F3C}" type="datetimeFigureOut">
               <a:rPr lang="en-US" smtClean="0"/>
-              <a:t>1/16/2023</a:t>
+              <a:t>1/22/2023</a:t>
             </a:fld>
             <a:endParaRPr lang="en-US" dirty="0"/>
           </a:p>
@@ -22367,7 +23119,7 @@
           <a:p>
             <a:fld id="{4E5A6C69-6797-4E8A-BF37-F2C3751466E9}" type="datetimeFigureOut">
               <a:rPr lang="en-US" smtClean="0"/>
-              <a:t>1/16/2023</a:t>
+              <a:t>1/22/2023</a:t>
             </a:fld>
             <a:endParaRPr lang="en-US" dirty="0"/>
           </a:p>
@@ -22885,7 +23637,7 @@
           <a:p>
             <a:fld id="{D82014A1-A632-4878-A0D3-F52BA7563730}" type="datetimeFigureOut">
               <a:rPr lang="en-US" smtClean="0"/>
-              <a:t>1/16/2023</a:t>
+              <a:t>1/22/2023</a:t>
             </a:fld>
             <a:endParaRPr lang="en-US" dirty="0"/>
           </a:p>
@@ -23154,7 +23906,7 @@
           <a:p>
             <a:fld id="{CE99F462-093F-4566-844B-4C71F2739DA5}" type="datetimeFigureOut">
               <a:rPr lang="en-US" smtClean="0"/>
-              <a:t>1/16/2023</a:t>
+              <a:t>1/22/2023</a:t>
             </a:fld>
             <a:endParaRPr lang="en-US" dirty="0"/>
           </a:p>
@@ -23329,7 +24081,7 @@
           <a:p>
             <a:fld id="{3D24A7AC-904D-4781-85BA-7D10C17ED021}" type="datetimeFigureOut">
               <a:rPr lang="en-US" smtClean="0"/>
-              <a:t>1/16/2023</a:t>
+              <a:t>1/22/2023</a:t>
             </a:fld>
             <a:endParaRPr lang="en-US" dirty="0"/>
           </a:p>
@@ -23731,7 +24483,7 @@
           <a:p>
             <a:fld id="{E331444B-B92B-4E27-8C94-BB93EAF5CB18}" type="datetimeFigureOut">
               <a:rPr lang="en-US" smtClean="0"/>
-              <a:t>1/16/2023</a:t>
+              <a:t>1/22/2023</a:t>
             </a:fld>
             <a:endParaRPr lang="en-US" dirty="0"/>
           </a:p>
@@ -24000,7 +24752,7 @@
           <a:p>
             <a:fld id="{5AD1C699-AA64-4BA4-82B8-46CD3C5D6068}" type="datetime1">
               <a:rPr lang="en-US" smtClean="0"/>
-              <a:t>1/16/2023</a:t>
+              <a:t>1/22/2023</a:t>
             </a:fld>
             <a:endParaRPr lang="en-US"/>
           </a:p>
@@ -24421,7 +25173,7 @@
           <a:p>
             <a:fld id="{363EFA5E-FA76-400D-B3DC-F0BA90E6D107}" type="datetimeFigureOut">
               <a:rPr lang="en-US" smtClean="0"/>
-              <a:t>1/16/2023</a:t>
+              <a:t>1/22/2023</a:t>
             </a:fld>
             <a:endParaRPr lang="en-US" dirty="0"/>
           </a:p>
@@ -24842,7 +25594,7 @@
           <a:p>
             <a:fld id="{446C117F-5CCF-4837-BE5F-2B92066CAFAF}" type="datetimeFigureOut">
               <a:rPr lang="en-US" smtClean="0"/>
-              <a:t>1/16/2023</a:t>
+              <a:t>1/22/2023</a:t>
             </a:fld>
             <a:endParaRPr lang="en-US" dirty="0"/>
           </a:p>
@@ -25190,7 +25942,7 @@
           <a:p>
             <a:fld id="{84EB90BD-B6CE-46B7-997F-7313B992CCDC}" type="datetimeFigureOut">
               <a:rPr lang="en-US" smtClean="0"/>
-              <a:t>1/16/2023</a:t>
+              <a:t>1/22/2023</a:t>
             </a:fld>
             <a:endParaRPr lang="en-US" dirty="0"/>
           </a:p>
@@ -25607,7 +26359,7 @@
           <a:p>
             <a:fld id="{CDB9D11F-B188-461D-B23F-39381795C052}" type="datetimeFigureOut">
               <a:rPr lang="en-US" smtClean="0"/>
-              <a:t>1/16/2023</a:t>
+              <a:t>1/22/2023</a:t>
             </a:fld>
             <a:endParaRPr lang="en-US" dirty="0"/>
           </a:p>
@@ -26187,7 +26939,7 @@
           <a:p>
             <a:fld id="{52E6D8D9-55A2-4063-B0F3-121F44549695}" type="datetimeFigureOut">
               <a:rPr lang="en-US" smtClean="0"/>
-              <a:t>1/16/2023</a:t>
+              <a:t>1/22/2023</a:t>
             </a:fld>
             <a:endParaRPr lang="en-US" dirty="0"/>
           </a:p>
@@ -26880,7 +27632,7 @@
           <a:p>
             <a:fld id="{D4B24536-994D-4021-A283-9F449C0DB509}" type="datetimeFigureOut">
               <a:rPr lang="en-US" smtClean="0"/>
-              <a:t>1/16/2023</a:t>
+              <a:t>1/22/2023</a:t>
             </a:fld>
             <a:endParaRPr lang="en-US" dirty="0"/>
           </a:p>
@@ -27805,7 +28557,7 @@
           <a:p>
             <a:fld id="{3CBBBB78-C96F-47B7-AB17-D852CA960AC9}" type="datetimeFigureOut">
               <a:rPr lang="en-US" smtClean="0"/>
-              <a:t>1/16/2023</a:t>
+              <a:t>1/22/2023</a:t>
             </a:fld>
             <a:endParaRPr lang="en-US" dirty="0"/>
           </a:p>
@@ -28130,7 +28882,7 @@
           <a:p>
             <a:fld id="{1FA3F48C-C7C6-4055-9F49-3777875E72AE}" type="datetimeFigureOut">
               <a:rPr lang="en-US" smtClean="0"/>
-              <a:t>1/16/2023</a:t>
+              <a:t>1/22/2023</a:t>
             </a:fld>
             <a:endParaRPr lang="en-US" dirty="0"/>
           </a:p>
@@ -28406,7 +29158,7 @@
           <a:p>
             <a:fld id="{6178E61D-D431-422C-9764-11DAFE33AB63}" type="datetimeFigureOut">
               <a:rPr lang="en-US" smtClean="0"/>
-              <a:t>1/16/2023</a:t>
+              <a:t>1/22/2023</a:t>
             </a:fld>
             <a:endParaRPr lang="en-US" dirty="0"/>
           </a:p>
@@ -28713,7 +29465,7 @@
           <a:p>
             <a:fld id="{78ABE3C1-DBE1-495D-B57B-2849774B866A}" type="datetimeFigureOut">
               <a:rPr lang="en-US" smtClean="0"/>
-              <a:t>1/16/2023</a:t>
+              <a:t>1/22/2023</a:t>
             </a:fld>
             <a:endParaRPr lang="en-US" dirty="0"/>
           </a:p>
@@ -28888,7 +29640,7 @@
           <a:p>
             <a:fld id="{9C0B7BEE-014D-4F4A-A8E0-233FED87051A}" type="datetime1">
               <a:rPr lang="en-US" smtClean="0"/>
-              <a:t>1/16/2023</a:t>
+              <a:t>1/22/2023</a:t>
             </a:fld>
             <a:endParaRPr lang="en-US"/>
           </a:p>
@@ -29143,7 +29895,7 @@
           <a:p>
             <a:fld id="{12DE42F4-6EEF-4EF7-8ED4-2208F0F89A08}" type="datetimeFigureOut">
               <a:rPr lang="en-US" smtClean="0"/>
-              <a:t>1/16/2023</a:t>
+              <a:t>1/22/2023</a:t>
             </a:fld>
             <a:endParaRPr lang="en-US" dirty="0"/>
           </a:p>
@@ -29402,7 +30154,7 @@
           <a:p>
             <a:fld id="{9D6E9DEC-419B-4CC5-A080-3B06BD5A8291}" type="datetimeFigureOut">
               <a:rPr lang="en-US" smtClean="0"/>
-              <a:t>1/16/2023</a:t>
+              <a:t>1/22/2023</a:t>
             </a:fld>
             <a:endParaRPr lang="en-US" dirty="0"/>
           </a:p>
@@ -29649,7 +30401,7 @@
           <a:p>
             <a:fld id="{30578ACC-22D6-47C1-A373-4FD133E34F3C}" type="datetimeFigureOut">
               <a:rPr lang="en-US" smtClean="0"/>
-              <a:t>1/16/2023</a:t>
+              <a:t>1/22/2023</a:t>
             </a:fld>
             <a:endParaRPr lang="en-US" dirty="0"/>
           </a:p>
@@ -29946,7 +30698,7 @@
           <a:p>
             <a:fld id="{4E5A6C69-6797-4E8A-BF37-F2C3751466E9}" type="datetimeFigureOut">
               <a:rPr lang="en-US" smtClean="0"/>
-              <a:t>1/16/2023</a:t>
+              <a:t>1/22/2023</a:t>
             </a:fld>
             <a:endParaRPr lang="en-US" dirty="0"/>
           </a:p>
@@ -30470,7 +31222,7 @@
           <a:p>
             <a:fld id="{D82014A1-A632-4878-A0D3-F52BA7563730}" type="datetimeFigureOut">
               <a:rPr lang="en-US" smtClean="0"/>
-              <a:t>1/16/2023</a:t>
+              <a:t>1/22/2023</a:t>
             </a:fld>
             <a:endParaRPr lang="en-US" dirty="0"/>
           </a:p>
@@ -30599,7 +31351,7 @@
           <a:p>
             <a:fld id="{CE99F462-093F-4566-844B-4C71F2739DA5}" type="datetimeFigureOut">
               <a:rPr lang="en-US" smtClean="0"/>
-              <a:t>1/16/2023</a:t>
+              <a:t>1/22/2023</a:t>
             </a:fld>
             <a:endParaRPr lang="en-US" dirty="0"/>
           </a:p>
@@ -30706,7 +31458,7 @@
           <a:p>
             <a:fld id="{3D24A7AC-904D-4781-85BA-7D10C17ED021}" type="datetimeFigureOut">
               <a:rPr lang="en-US" smtClean="0"/>
-              <a:t>1/16/2023</a:t>
+              <a:t>1/22/2023</a:t>
             </a:fld>
             <a:endParaRPr lang="en-US" dirty="0"/>
           </a:p>
@@ -30993,7 +31745,7 @@
           <a:p>
             <a:fld id="{E331444B-B92B-4E27-8C94-BB93EAF5CB18}" type="datetimeFigureOut">
               <a:rPr lang="en-US" smtClean="0"/>
-              <a:t>1/16/2023</a:t>
+              <a:t>1/22/2023</a:t>
             </a:fld>
             <a:endParaRPr lang="en-US" dirty="0"/>
           </a:p>
@@ -31260,7 +32012,7 @@
           <a:p>
             <a:fld id="{363EFA5E-FA76-400D-B3DC-F0BA90E6D107}" type="datetimeFigureOut">
               <a:rPr lang="en-US" smtClean="0"/>
-              <a:t>1/16/2023</a:t>
+              <a:t>1/22/2023</a:t>
             </a:fld>
             <a:endParaRPr lang="en-US" dirty="0"/>
           </a:p>
@@ -31440,7 +32192,7 @@
           <a:p>
             <a:fld id="{1FA3F48C-C7C6-4055-9F49-3777875E72AE}" type="datetimeFigureOut">
               <a:rPr lang="en-US" smtClean="0"/>
-              <a:t>1/16/2023</a:t>
+              <a:t>1/22/2023</a:t>
             </a:fld>
             <a:endParaRPr lang="en-US" dirty="0"/>
           </a:p>
@@ -31842,7 +32594,7 @@
           <a:p>
             <a:fld id="{66FA656A-BCCE-4CE5-88CE-9E262E733C3F}" type="datetime1">
               <a:rPr lang="en-US" smtClean="0"/>
-              <a:t>1/16/2023</a:t>
+              <a:t>1/22/2023</a:t>
             </a:fld>
             <a:endParaRPr lang="en-US"/>
           </a:p>
@@ -32032,7 +32784,7 @@
           <a:p>
             <a:fld id="{6178E61D-D431-422C-9764-11DAFE33AB63}" type="datetimeFigureOut">
               <a:rPr lang="en-US" smtClean="0"/>
-              <a:t>1/16/2023</a:t>
+              <a:t>1/22/2023</a:t>
             </a:fld>
             <a:endParaRPr lang="en-US" dirty="0"/>
           </a:p>
@@ -32503,7 +33255,7 @@
           <a:p>
             <a:fld id="{A560CD89-3B49-44C5-8D65-1DE9D7EAF8DC}" type="datetime1">
               <a:rPr lang="en-US" smtClean="0"/>
-              <a:t>1/16/2023</a:t>
+              <a:t>1/22/2023</a:t>
             </a:fld>
             <a:endParaRPr lang="en-US"/>
           </a:p>
@@ -32759,7 +33511,7 @@
           <a:p>
             <a:fld id="{9EA2C755-6153-439F-92FE-4D0C5312F9CE}" type="datetime1">
               <a:rPr lang="en-US" smtClean="0"/>
-              <a:t>1/16/2023</a:t>
+              <a:t>1/22/2023</a:t>
             </a:fld>
             <a:endParaRPr lang="en-US"/>
           </a:p>
@@ -33384,7 +34136,7 @@
           <a:p>
             <a:fld id="{9D6E9DEC-419B-4CC5-A080-3B06BD5A8291}" type="datetimeFigureOut">
               <a:rPr lang="en-US" dirty="0"/>
-              <a:t>1/16/2023</a:t>
+              <a:t>1/22/2023</a:t>
             </a:fld>
             <a:endParaRPr lang="en-US" dirty="0"/>
           </a:p>
@@ -33975,7 +34727,7 @@
           <a:p>
             <a:fld id="{9D6E9DEC-419B-4CC5-A080-3B06BD5A8291}" type="datetimeFigureOut">
               <a:rPr lang="en-US" smtClean="0"/>
-              <a:t>1/16/2023</a:t>
+              <a:t>1/22/2023</a:t>
             </a:fld>
             <a:endParaRPr lang="en-US" dirty="0"/>
           </a:p>
@@ -34566,7 +35318,7 @@
           <a:p>
             <a:fld id="{9D6E9DEC-419B-4CC5-A080-3B06BD5A8291}" type="datetimeFigureOut">
               <a:rPr lang="en-US" smtClean="0"/>
-              <a:t>1/16/2023</a:t>
+              <a:t>1/22/2023</a:t>
             </a:fld>
             <a:endParaRPr lang="en-US" dirty="0"/>
           </a:p>
@@ -35133,7 +35885,7 @@
           <a:p>
             <a:fld id="{9EA2C755-6153-439F-92FE-4D0C5312F9CE}" type="datetime1">
               <a:rPr lang="en-US" smtClean="0"/>
-              <a:t>1/16/2023</a:t>
+              <a:t>1/22/2023</a:t>
             </a:fld>
             <a:endParaRPr lang="en-US"/>
           </a:p>
@@ -35657,7 +36409,7 @@
           <p:nvPr/>
         </p:nvPicPr>
         <p:blipFill rotWithShape="1">
-          <a:blip r:embed="rId2">
+          <a:blip r:embed="rId3">
             <a:alphaModFix/>
           </a:blip>
           <a:srcRect/>
@@ -35956,7 +36708,7 @@
           <p:nvPr/>
         </p:nvPicPr>
         <p:blipFill>
-          <a:blip r:embed="rId3"/>
+          <a:blip r:embed="rId4"/>
           <a:stretch>
             <a:fillRect/>
           </a:stretch>
@@ -36049,10 +36801,10 @@
       </p:grpSpPr>
       <p:sp>
         <p:nvSpPr>
-          <p:cNvPr id="2" name="Title 1">
+          <p:cNvPr id="3" name="Content Placeholder 2">
             <a:extLst>
               <a:ext uri="{FF2B5EF4-FFF2-40B4-BE49-F238E27FC236}">
-                <a16:creationId xmlns:a16="http://schemas.microsoft.com/office/drawing/2014/main" id="{4F8F9903-A1BD-0E73-F9E7-2D99DDCB6BFA}"/>
+                <a16:creationId xmlns:a16="http://schemas.microsoft.com/office/drawing/2014/main" id="{061932AB-19AB-81A7-C497-2D53F287BBE2}"/>
               </a:ext>
             </a:extLst>
           </p:cNvPr>
@@ -36060,1112 +36812,50 @@
             <a:spLocks noGrp="1"/>
           </p:cNvSpPr>
           <p:nvPr>
-            <p:ph type="title"/>
-          </p:nvPr>
-        </p:nvSpPr>
-        <p:spPr/>
-        <p:txBody>
-          <a:bodyPr/>
+            <p:ph type="ctrTitle"/>
+          </p:nvPr>
+        </p:nvSpPr>
+        <p:spPr>
+          <a:xfrm>
+            <a:off x="112912" y="3159162"/>
+            <a:ext cx="5412398" cy="1662953"/>
+          </a:xfrm>
+        </p:spPr>
+        <p:txBody>
+          <a:bodyPr anchor="ctr">
+            <a:noAutofit/>
+          </a:bodyPr>
           <a:lstStyle/>
           <a:p>
+            <a:pPr>
+              <a:lnSpc>
+                <a:spcPct val="90000"/>
+              </a:lnSpc>
+            </a:pPr>
             <a:r>
               <a:rPr lang="en-US" dirty="0"/>
-              <a:t>Documenting the failed commands</a:t>
-            </a:r>
-          </a:p>
-        </p:txBody>
-      </p:sp>
-      <p:sp>
-        <p:nvSpPr>
-          <p:cNvPr id="3" name="Content Placeholder 2">
+              <a:t>Thanks for listening,</a:t>
+            </a:r>
+          </a:p>
+          <a:p>
+            <a:pPr>
+              <a:lnSpc>
+                <a:spcPct val="90000"/>
+              </a:lnSpc>
+            </a:pPr>
+            <a:r>
+              <a:rPr lang="en-US" dirty="0"/>
+              <a:t>    Any questions ? </a:t>
+            </a:r>
+          </a:p>
+        </p:txBody>
+      </p:sp>
+      <p:sp>
+        <p:nvSpPr>
+          <p:cNvPr id="4" name="Slide Number Placeholder 3">
             <a:extLst>
               <a:ext uri="{FF2B5EF4-FFF2-40B4-BE49-F238E27FC236}">
-                <a16:creationId xmlns:a16="http://schemas.microsoft.com/office/drawing/2014/main" id="{17BD5525-C889-D17B-E8F6-940B40781EB9}"/>
-              </a:ext>
-            </a:extLst>
-          </p:cNvPr>
-          <p:cNvSpPr>
-            <a:spLocks noGrp="1"/>
-          </p:cNvSpPr>
-          <p:nvPr>
-            <p:ph idx="1"/>
-          </p:nvPr>
-        </p:nvSpPr>
-        <p:spPr>
-          <a:xfrm>
-            <a:off x="533577" y="1800147"/>
-            <a:ext cx="11462953" cy="4500388"/>
-          </a:xfrm>
-        </p:spPr>
-        <p:txBody>
-          <a:bodyPr/>
-          <a:lstStyle/>
-          <a:p>
-            <a:r>
-              <a:rPr lang="en-US" sz="2400" dirty="0"/>
-              <a:t>In order to improve our system from time to time, we will </a:t>
-            </a:r>
-            <a:r>
-              <a:rPr lang="en-US" sz="2400" b="1" dirty="0"/>
-              <a:t>record</a:t>
-            </a:r>
-            <a:r>
-              <a:rPr lang="en-US" sz="2400" dirty="0"/>
-              <a:t> all commands that didn’t pass the threshold, so that the customer site can </a:t>
-            </a:r>
-            <a:r>
-              <a:rPr lang="en-US" sz="2400" b="1" dirty="0"/>
-              <a:t>add</a:t>
-            </a:r>
-            <a:r>
-              <a:rPr lang="en-US" sz="2400" dirty="0"/>
-              <a:t> relevant commands if necessary.</a:t>
-            </a:r>
-          </a:p>
-          <a:p>
-            <a:endParaRPr lang="en-US" dirty="0"/>
-          </a:p>
-          <a:p>
-            <a:pPr marL="0" indent="0">
-              <a:buNone/>
-            </a:pPr>
-            <a:r>
-              <a:rPr lang="en-US" sz="2400" dirty="0"/>
-              <a:t>e.g: </a:t>
-            </a:r>
-          </a:p>
-          <a:p>
-            <a:pPr marL="0" indent="0">
-              <a:buNone/>
-            </a:pPr>
-            <a:r>
-              <a:rPr lang="en-US" sz="1800" dirty="0"/>
-              <a:t>* (threshold is 70%)</a:t>
-            </a:r>
-          </a:p>
-          <a:p>
-            <a:endParaRPr lang="en-US" dirty="0"/>
-          </a:p>
-        </p:txBody>
-      </p:sp>
-      <p:sp>
-        <p:nvSpPr>
-          <p:cNvPr id="8" name="Slide Number Placeholder 7">
-            <a:extLst>
-              <a:ext uri="{FF2B5EF4-FFF2-40B4-BE49-F238E27FC236}">
-                <a16:creationId xmlns:a16="http://schemas.microsoft.com/office/drawing/2014/main" id="{F0C2E4EF-4359-C607-4327-3EA1A9CC9951}"/>
-              </a:ext>
-            </a:extLst>
-          </p:cNvPr>
-          <p:cNvSpPr>
-            <a:spLocks noGrp="1"/>
-          </p:cNvSpPr>
-          <p:nvPr>
-            <p:ph type="sldNum" sz="quarter" idx="12"/>
-          </p:nvPr>
-        </p:nvSpPr>
-        <p:spPr/>
-        <p:txBody>
-          <a:bodyPr/>
-          <a:lstStyle/>
-          <a:p>
-            <a:fld id="{9441F5BE-6670-48B1-A994-D8FDFBF156C8}" type="slidenum">
-              <a:rPr lang="en-US" smtClean="0"/>
-              <a:t>10</a:t>
-            </a:fld>
-            <a:endParaRPr lang="en-US"/>
-          </a:p>
-        </p:txBody>
-      </p:sp>
-      <p:pic>
-        <p:nvPicPr>
-          <p:cNvPr id="5" name="Picture 4">
-            <a:extLst>
-              <a:ext uri="{FF2B5EF4-FFF2-40B4-BE49-F238E27FC236}">
-                <a16:creationId xmlns:a16="http://schemas.microsoft.com/office/drawing/2014/main" id="{176D2C31-DBD3-62B5-5BA7-D85DC9F8173D}"/>
-              </a:ext>
-            </a:extLst>
-          </p:cNvPr>
-          <p:cNvPicPr>
-            <a:picLocks noChangeAspect="1"/>
-          </p:cNvPicPr>
-          <p:nvPr/>
-        </p:nvPicPr>
-        <p:blipFill>
-          <a:blip r:embed="rId2"/>
-          <a:stretch>
-            <a:fillRect/>
-          </a:stretch>
-        </p:blipFill>
-        <p:spPr>
-          <a:xfrm>
-            <a:off x="10101798" y="4481884"/>
-            <a:ext cx="1362265" cy="1676634"/>
-          </a:xfrm>
-          <a:prstGeom prst="rect">
-            <a:avLst/>
-          </a:prstGeom>
-        </p:spPr>
-      </p:pic>
-      <p:graphicFrame>
-        <p:nvGraphicFramePr>
-          <p:cNvPr id="7" name="Table 7">
-            <a:extLst>
-              <a:ext uri="{FF2B5EF4-FFF2-40B4-BE49-F238E27FC236}">
-                <a16:creationId xmlns:a16="http://schemas.microsoft.com/office/drawing/2014/main" id="{F248CF3A-2DAC-C396-57FA-2EAFA8244707}"/>
-              </a:ext>
-            </a:extLst>
-          </p:cNvPr>
-          <p:cNvGraphicFramePr>
-            <a:graphicFrameLocks noGrp="1"/>
-          </p:cNvGraphicFramePr>
-          <p:nvPr>
-            <p:extLst>
-              <p:ext uri="{D42A27DB-BD31-4B8C-83A1-F6EECF244321}">
-                <p14:modId xmlns:p14="http://schemas.microsoft.com/office/powerpoint/2010/main" val="3431147241"/>
-              </p:ext>
-            </p:extLst>
-          </p:nvPr>
-        </p:nvGraphicFramePr>
-        <p:xfrm>
-          <a:off x="615990" y="4553419"/>
-          <a:ext cx="9111670" cy="1605099"/>
-        </p:xfrm>
-        <a:graphic>
-          <a:graphicData uri="http://schemas.openxmlformats.org/drawingml/2006/table">
-            <a:tbl>
-              <a:tblPr firstRow="1" bandRow="1">
-                <a:tableStyleId>{5C22544A-7EE6-4342-B048-85BDC9FD1C3A}</a:tableStyleId>
-              </a:tblPr>
-              <a:tblGrid>
-                <a:gridCol w="4555835">
-                  <a:extLst>
-                    <a:ext uri="{9D8B030D-6E8A-4147-A177-3AD203B41FA5}">
-                      <a16:colId xmlns:a16="http://schemas.microsoft.com/office/drawing/2014/main" val="3656058913"/>
-                    </a:ext>
-                  </a:extLst>
-                </a:gridCol>
-                <a:gridCol w="4555835">
-                  <a:extLst>
-                    <a:ext uri="{9D8B030D-6E8A-4147-A177-3AD203B41FA5}">
-                      <a16:colId xmlns:a16="http://schemas.microsoft.com/office/drawing/2014/main" val="1238213844"/>
-                    </a:ext>
-                  </a:extLst>
-                </a:gridCol>
-              </a:tblGrid>
-              <a:tr h="383722">
-                <a:tc>
-                  <a:txBody>
-                    <a:bodyPr/>
-                    <a:lstStyle/>
-                    <a:p>
-                      <a:r>
-                        <a:rPr lang="en-US" dirty="0"/>
-                        <a:t>Failed command</a:t>
-                      </a:r>
-                    </a:p>
-                  </a:txBody>
-                  <a:tcPr/>
-                </a:tc>
-                <a:tc>
-                  <a:txBody>
-                    <a:bodyPr/>
-                    <a:lstStyle/>
-                    <a:p>
-                      <a:r>
-                        <a:rPr lang="en-US" dirty="0"/>
-                        <a:t>Similarity percentage (%)</a:t>
-                      </a:r>
-                    </a:p>
-                  </a:txBody>
-                  <a:tcPr/>
-                </a:tc>
-                <a:extLst>
-                  <a:ext uri="{0D108BD9-81ED-4DB2-BD59-A6C34878D82A}">
-                    <a16:rowId xmlns:a16="http://schemas.microsoft.com/office/drawing/2014/main" val="3864270200"/>
-                  </a:ext>
-                </a:extLst>
-              </a:tr>
-              <a:tr h="690699">
-                <a:tc>
-                  <a:txBody>
-                    <a:bodyPr/>
-                    <a:lstStyle/>
-                    <a:p>
-                      <a:r>
-                        <a:rPr lang="en-US" dirty="0"/>
-                        <a:t>Show me all action movies in Haifa</a:t>
-                      </a:r>
-                    </a:p>
-                  </a:txBody>
-                  <a:tcPr/>
-                </a:tc>
-                <a:tc>
-                  <a:txBody>
-                    <a:bodyPr/>
-                    <a:lstStyle/>
-                    <a:p>
-                      <a:r>
-                        <a:rPr lang="en-US" dirty="0"/>
-                        <a:t>65</a:t>
-                      </a:r>
-                    </a:p>
-                  </a:txBody>
-                  <a:tcPr/>
-                </a:tc>
-                <a:extLst>
-                  <a:ext uri="{0D108BD9-81ED-4DB2-BD59-A6C34878D82A}">
-                    <a16:rowId xmlns:a16="http://schemas.microsoft.com/office/drawing/2014/main" val="2772270388"/>
-                  </a:ext>
-                </a:extLst>
-              </a:tr>
-              <a:tr h="383722">
-                <a:tc>
-                  <a:txBody>
-                    <a:bodyPr/>
-                    <a:lstStyle/>
-                    <a:p>
-                      <a:r>
-                        <a:rPr lang="en-US" dirty="0"/>
-                        <a:t>Project very interesting</a:t>
-                      </a:r>
-                    </a:p>
-                  </a:txBody>
-                  <a:tcPr/>
-                </a:tc>
-                <a:tc>
-                  <a:txBody>
-                    <a:bodyPr/>
-                    <a:lstStyle/>
-                    <a:p>
-                      <a:r>
-                        <a:rPr lang="en-US" dirty="0"/>
-                        <a:t>22</a:t>
-                      </a:r>
-                    </a:p>
-                  </a:txBody>
-                  <a:tcPr/>
-                </a:tc>
-                <a:extLst>
-                  <a:ext uri="{0D108BD9-81ED-4DB2-BD59-A6C34878D82A}">
-                    <a16:rowId xmlns:a16="http://schemas.microsoft.com/office/drawing/2014/main" val="2443165373"/>
-                  </a:ext>
-                </a:extLst>
-              </a:tr>
-            </a:tbl>
-          </a:graphicData>
-        </a:graphic>
-      </p:graphicFrame>
-    </p:spTree>
-    <p:extLst>
-      <p:ext uri="{BB962C8B-B14F-4D97-AF65-F5344CB8AC3E}">
-        <p14:creationId xmlns:p14="http://schemas.microsoft.com/office/powerpoint/2010/main" val="1771850492"/>
-      </p:ext>
-    </p:extLst>
-  </p:cSld>
-  <p:clrMapOvr>
-    <a:masterClrMapping/>
-  </p:clrMapOvr>
-  <mc:AlternateContent xmlns:mc="http://schemas.openxmlformats.org/markup-compatibility/2006" xmlns:p14="http://schemas.microsoft.com/office/powerpoint/2010/main">
-    <mc:Choice Requires="p14">
-      <p:transition spd="med" p14:dur="700">
-        <p:fade/>
-      </p:transition>
-    </mc:Choice>
-    <mc:Fallback xmlns="">
-      <p:transition spd="med">
-        <p:fade/>
-      </p:transition>
-    </mc:Fallback>
-  </mc:AlternateContent>
-</p:sld>
-</file>
-
-<file path=ppt/slides/slide11.xml><?xml version="1.0" encoding="utf-8"?>
-<p:sld xmlns:a="http://schemas.openxmlformats.org/drawingml/2006/main" xmlns:r="http://schemas.openxmlformats.org/officeDocument/2006/relationships" xmlns:p="http://schemas.openxmlformats.org/presentationml/2006/main">
-  <p:cSld>
-    <p:spTree>
-      <p:nvGrpSpPr>
-        <p:cNvPr id="1" name=""/>
-        <p:cNvGrpSpPr/>
-        <p:nvPr/>
-      </p:nvGrpSpPr>
-      <p:grpSpPr>
-        <a:xfrm>
-          <a:off x="0" y="0"/>
-          <a:ext cx="0" cy="0"/>
-          <a:chOff x="0" y="0"/>
-          <a:chExt cx="0" cy="0"/>
-        </a:xfrm>
-      </p:grpSpPr>
-      <p:pic>
-        <p:nvPicPr>
-          <p:cNvPr id="9" name="Picture 8">
-            <a:extLst>
-              <a:ext uri="{FF2B5EF4-FFF2-40B4-BE49-F238E27FC236}">
-                <a16:creationId xmlns:a16="http://schemas.microsoft.com/office/drawing/2014/main" id="{770CA7CE-DA47-2415-E474-0B06E0DE9413}"/>
-              </a:ext>
-            </a:extLst>
-          </p:cNvPr>
-          <p:cNvPicPr>
-            <a:picLocks noChangeAspect="1"/>
-          </p:cNvPicPr>
-          <p:nvPr/>
-        </p:nvPicPr>
-        <p:blipFill>
-          <a:blip r:embed="rId2"/>
-          <a:stretch>
-            <a:fillRect/>
-          </a:stretch>
-        </p:blipFill>
-        <p:spPr>
-          <a:xfrm>
-            <a:off x="8865464" y="1738302"/>
-            <a:ext cx="3199284" cy="4604097"/>
-          </a:xfrm>
-          <a:prstGeom prst="rect">
-            <a:avLst/>
-          </a:prstGeom>
-        </p:spPr>
-      </p:pic>
-      <p:pic>
-        <p:nvPicPr>
-          <p:cNvPr id="11" name="Picture 10">
-            <a:extLst>
-              <a:ext uri="{FF2B5EF4-FFF2-40B4-BE49-F238E27FC236}">
-                <a16:creationId xmlns:a16="http://schemas.microsoft.com/office/drawing/2014/main" id="{0A2D2648-74D1-F85E-BDF7-00144E512745}"/>
-              </a:ext>
-            </a:extLst>
-          </p:cNvPr>
-          <p:cNvPicPr>
-            <a:picLocks noChangeAspect="1"/>
-          </p:cNvPicPr>
-          <p:nvPr/>
-        </p:nvPicPr>
-        <p:blipFill>
-          <a:blip r:embed="rId3"/>
-          <a:stretch>
-            <a:fillRect/>
-          </a:stretch>
-        </p:blipFill>
-        <p:spPr>
-          <a:xfrm>
-            <a:off x="3348376" y="1752254"/>
-            <a:ext cx="3180644" cy="4704122"/>
-          </a:xfrm>
-          <a:prstGeom prst="rect">
-            <a:avLst/>
-          </a:prstGeom>
-        </p:spPr>
-      </p:pic>
-      <p:sp>
-        <p:nvSpPr>
-          <p:cNvPr id="12" name="TextBox 11">
-            <a:extLst>
-              <a:ext uri="{FF2B5EF4-FFF2-40B4-BE49-F238E27FC236}">
-                <a16:creationId xmlns:a16="http://schemas.microsoft.com/office/drawing/2014/main" id="{76A46910-0C71-144D-DE4B-2D0C37160E68}"/>
-              </a:ext>
-            </a:extLst>
-          </p:cNvPr>
-          <p:cNvSpPr txBox="1"/>
-          <p:nvPr/>
-        </p:nvSpPr>
-        <p:spPr>
-          <a:xfrm>
-            <a:off x="656706" y="243671"/>
-            <a:ext cx="1122423" cy="830997"/>
-          </a:xfrm>
-          <a:prstGeom prst="rect">
-            <a:avLst/>
-          </a:prstGeom>
-          <a:noFill/>
-        </p:spPr>
-        <p:txBody>
-          <a:bodyPr wrap="none" rtlCol="0">
-            <a:spAutoFit/>
-          </a:bodyPr>
-          <a:lstStyle/>
-          <a:p>
-            <a:r>
-              <a:rPr lang="en-US" sz="4800" dirty="0">
-                <a:solidFill>
-                  <a:schemeClr val="bg1"/>
-                </a:solidFill>
-                <a:effectLst>
-                  <a:outerShdw blurRad="38100" dist="38100" dir="2700000" algn="tl">
-                    <a:srgbClr val="000000">
-                      <a:alpha val="43137"/>
-                    </a:srgbClr>
-                  </a:outerShdw>
-                </a:effectLst>
-              </a:rPr>
-              <a:t>GUI</a:t>
-            </a:r>
-          </a:p>
-        </p:txBody>
-      </p:sp>
-      <p:sp>
-        <p:nvSpPr>
-          <p:cNvPr id="15" name="TextBox 14">
-            <a:extLst>
-              <a:ext uri="{FF2B5EF4-FFF2-40B4-BE49-F238E27FC236}">
-                <a16:creationId xmlns:a16="http://schemas.microsoft.com/office/drawing/2014/main" id="{1D6E7958-08AE-254A-00CB-E15ACE6167B5}"/>
-              </a:ext>
-            </a:extLst>
-          </p:cNvPr>
-          <p:cNvSpPr txBox="1"/>
-          <p:nvPr/>
-        </p:nvSpPr>
-        <p:spPr>
-          <a:xfrm>
-            <a:off x="6586937" y="3907503"/>
-            <a:ext cx="2534321" cy="707886"/>
-          </a:xfrm>
-          <a:prstGeom prst="rect">
-            <a:avLst/>
-          </a:prstGeom>
-          <a:noFill/>
-        </p:spPr>
-        <p:txBody>
-          <a:bodyPr wrap="square" rtlCol="0">
-            <a:spAutoFit/>
-          </a:bodyPr>
-          <a:lstStyle/>
-          <a:p>
-            <a:r>
-              <a:rPr lang="en-US" sz="2000" dirty="0"/>
-              <a:t>“Show me all action  movies in Haifa” </a:t>
-            </a:r>
-          </a:p>
-        </p:txBody>
-      </p:sp>
-      <p:sp>
-        <p:nvSpPr>
-          <p:cNvPr id="16" name="Slide Number Placeholder 15">
-            <a:extLst>
-              <a:ext uri="{FF2B5EF4-FFF2-40B4-BE49-F238E27FC236}">
-                <a16:creationId xmlns:a16="http://schemas.microsoft.com/office/drawing/2014/main" id="{EBEDD817-5E97-F3C5-5DF1-EECA612272BF}"/>
-              </a:ext>
-            </a:extLst>
-          </p:cNvPr>
-          <p:cNvSpPr>
-            <a:spLocks noGrp="1"/>
-          </p:cNvSpPr>
-          <p:nvPr>
-            <p:ph type="sldNum" sz="quarter" idx="12"/>
-          </p:nvPr>
-        </p:nvSpPr>
-        <p:spPr/>
-        <p:txBody>
-          <a:bodyPr/>
-          <a:lstStyle/>
-          <a:p>
-            <a:fld id="{9441F5BE-6670-48B1-A994-D8FDFBF156C8}" type="slidenum">
-              <a:rPr lang="en-US" smtClean="0"/>
-              <a:t>11</a:t>
-            </a:fld>
-            <a:endParaRPr lang="en-US"/>
-          </a:p>
-        </p:txBody>
-      </p:sp>
-      <p:sp>
-        <p:nvSpPr>
-          <p:cNvPr id="2" name="Arrow: Right 1">
-            <a:extLst>
-              <a:ext uri="{FF2B5EF4-FFF2-40B4-BE49-F238E27FC236}">
-                <a16:creationId xmlns:a16="http://schemas.microsoft.com/office/drawing/2014/main" id="{B1D1CC35-8DB0-85DC-E97B-851FD3C08E0C}"/>
-              </a:ext>
-            </a:extLst>
-          </p:cNvPr>
-          <p:cNvSpPr/>
-          <p:nvPr/>
-        </p:nvSpPr>
-        <p:spPr>
-          <a:xfrm>
-            <a:off x="2778369" y="6631477"/>
-            <a:ext cx="1002324" cy="74491"/>
-          </a:xfrm>
-          <a:prstGeom prst="rightArrow">
-            <a:avLst/>
-          </a:prstGeom>
-        </p:spPr>
-        <p:style>
-          <a:lnRef idx="2">
-            <a:schemeClr val="accent1">
-              <a:shade val="50000"/>
-            </a:schemeClr>
-          </a:lnRef>
-          <a:fillRef idx="1">
-            <a:schemeClr val="accent1"/>
-          </a:fillRef>
-          <a:effectRef idx="0">
-            <a:schemeClr val="accent1"/>
-          </a:effectRef>
-          <a:fontRef idx="minor">
-            <a:schemeClr val="lt1"/>
-          </a:fontRef>
-        </p:style>
-        <p:txBody>
-          <a:bodyPr rtlCol="0" anchor="ctr"/>
-          <a:lstStyle/>
-          <a:p>
-            <a:pPr algn="ctr"/>
-            <a:endParaRPr lang="en-US"/>
-          </a:p>
-        </p:txBody>
-      </p:sp>
-      <p:sp>
-        <p:nvSpPr>
-          <p:cNvPr id="3" name="Arrow: Right 2">
-            <a:extLst>
-              <a:ext uri="{FF2B5EF4-FFF2-40B4-BE49-F238E27FC236}">
-                <a16:creationId xmlns:a16="http://schemas.microsoft.com/office/drawing/2014/main" id="{ED711458-4878-6F7E-C9BA-6698D606563A}"/>
-              </a:ext>
-            </a:extLst>
-          </p:cNvPr>
-          <p:cNvSpPr/>
-          <p:nvPr/>
-        </p:nvSpPr>
-        <p:spPr>
-          <a:xfrm>
-            <a:off x="7299398" y="6594231"/>
-            <a:ext cx="1002324" cy="74491"/>
-          </a:xfrm>
-          <a:prstGeom prst="rightArrow">
-            <a:avLst/>
-          </a:prstGeom>
-        </p:spPr>
-        <p:style>
-          <a:lnRef idx="2">
-            <a:schemeClr val="accent1">
-              <a:shade val="50000"/>
-            </a:schemeClr>
-          </a:lnRef>
-          <a:fillRef idx="1">
-            <a:schemeClr val="accent1"/>
-          </a:fillRef>
-          <a:effectRef idx="0">
-            <a:schemeClr val="accent1"/>
-          </a:effectRef>
-          <a:fontRef idx="minor">
-            <a:schemeClr val="lt1"/>
-          </a:fontRef>
-        </p:style>
-        <p:txBody>
-          <a:bodyPr rtlCol="0" anchor="ctr"/>
-          <a:lstStyle/>
-          <a:p>
-            <a:pPr algn="ctr"/>
-            <a:endParaRPr lang="en-US"/>
-          </a:p>
-        </p:txBody>
-      </p:sp>
-      <p:pic>
-        <p:nvPicPr>
-          <p:cNvPr id="6" name="Graphic 5" descr="Voice with solid fill">
-            <a:extLst>
-              <a:ext uri="{FF2B5EF4-FFF2-40B4-BE49-F238E27FC236}">
-                <a16:creationId xmlns:a16="http://schemas.microsoft.com/office/drawing/2014/main" id="{FB12C3A1-F942-6E38-15E6-E628EF819F5F}"/>
-              </a:ext>
-            </a:extLst>
-          </p:cNvPr>
-          <p:cNvPicPr>
-            <a:picLocks noChangeAspect="1"/>
-          </p:cNvPicPr>
-          <p:nvPr/>
-        </p:nvPicPr>
-        <p:blipFill>
-          <a:blip r:embed="rId4">
-            <a:extLst>
-              <a:ext uri="{28A0092B-C50C-407E-A947-70E740481C1C}">
-                <a14:useLocalDpi xmlns:a14="http://schemas.microsoft.com/office/drawing/2010/main" val="0"/>
-              </a:ext>
-              <a:ext uri="{96DAC541-7B7A-43D3-8B79-37D633B846F1}">
-                <asvg:svgBlip xmlns:asvg="http://schemas.microsoft.com/office/drawing/2016/SVG/main" r:embed="rId5"/>
-              </a:ext>
-            </a:extLst>
-          </a:blip>
-          <a:stretch>
-            <a:fillRect/>
-          </a:stretch>
-        </p:blipFill>
-        <p:spPr>
-          <a:xfrm>
-            <a:off x="7176110" y="3125950"/>
-            <a:ext cx="914400" cy="914400"/>
-          </a:xfrm>
-          <a:prstGeom prst="rect">
-            <a:avLst/>
-          </a:prstGeom>
-        </p:spPr>
-      </p:pic>
-      <p:pic>
-        <p:nvPicPr>
-          <p:cNvPr id="7" name="Picture 6">
-            <a:extLst>
-              <a:ext uri="{FF2B5EF4-FFF2-40B4-BE49-F238E27FC236}">
-                <a16:creationId xmlns:a16="http://schemas.microsoft.com/office/drawing/2014/main" id="{1630A062-AECA-A15D-F528-36972F03EC07}"/>
-              </a:ext>
-            </a:extLst>
-          </p:cNvPr>
-          <p:cNvPicPr>
-            <a:picLocks noChangeAspect="1"/>
-          </p:cNvPicPr>
-          <p:nvPr/>
-        </p:nvPicPr>
-        <p:blipFill>
-          <a:blip r:embed="rId6">
-            <a:extLst>
-              <a:ext uri="{28A0092B-C50C-407E-A947-70E740481C1C}">
-                <a14:useLocalDpi xmlns:a14="http://schemas.microsoft.com/office/drawing/2010/main" val="0"/>
-              </a:ext>
-            </a:extLst>
-          </a:blip>
-          <a:srcRect/>
-          <a:stretch>
-            <a:fillRect/>
-          </a:stretch>
-        </p:blipFill>
-        <p:spPr bwMode="auto">
-          <a:xfrm>
-            <a:off x="79977" y="1733246"/>
-            <a:ext cx="3164840" cy="4723130"/>
-          </a:xfrm>
-          <a:prstGeom prst="rect">
-            <a:avLst/>
-          </a:prstGeom>
-          <a:noFill/>
-          <a:ln>
-            <a:noFill/>
-          </a:ln>
-        </p:spPr>
-      </p:pic>
-    </p:spTree>
-    <p:extLst>
-      <p:ext uri="{BB962C8B-B14F-4D97-AF65-F5344CB8AC3E}">
-        <p14:creationId xmlns:p14="http://schemas.microsoft.com/office/powerpoint/2010/main" val="1784499121"/>
-      </p:ext>
-    </p:extLst>
-  </p:cSld>
-  <p:clrMapOvr>
-    <a:masterClrMapping/>
-  </p:clrMapOvr>
-  <mc:AlternateContent xmlns:mc="http://schemas.openxmlformats.org/markup-compatibility/2006" xmlns:p14="http://schemas.microsoft.com/office/powerpoint/2010/main">
-    <mc:Choice Requires="p14">
-      <p:transition spd="med" p14:dur="700">
-        <p:fade/>
-      </p:transition>
-    </mc:Choice>
-    <mc:Fallback xmlns="">
-      <p:transition spd="med">
-        <p:fade/>
-      </p:transition>
-    </mc:Fallback>
-  </mc:AlternateContent>
-</p:sld>
-</file>
-
-<file path=ppt/slides/slide12.xml><?xml version="1.0" encoding="utf-8"?>
-<p:sld xmlns:a="http://schemas.openxmlformats.org/drawingml/2006/main" xmlns:r="http://schemas.openxmlformats.org/officeDocument/2006/relationships" xmlns:p="http://schemas.openxmlformats.org/presentationml/2006/main">
-  <p:cSld>
-    <p:spTree>
-      <p:nvGrpSpPr>
-        <p:cNvPr id="1" name=""/>
-        <p:cNvGrpSpPr/>
-        <p:nvPr/>
-      </p:nvGrpSpPr>
-      <p:grpSpPr>
-        <a:xfrm>
-          <a:off x="0" y="0"/>
-          <a:ext cx="0" cy="0"/>
-          <a:chOff x="0" y="0"/>
-          <a:chExt cx="0" cy="0"/>
-        </a:xfrm>
-      </p:grpSpPr>
-      <p:pic>
-        <p:nvPicPr>
-          <p:cNvPr id="5" name="Picture 4">
-            <a:extLst>
-              <a:ext uri="{FF2B5EF4-FFF2-40B4-BE49-F238E27FC236}">
-                <a16:creationId xmlns:a16="http://schemas.microsoft.com/office/drawing/2014/main" id="{2D0A3963-5FEA-56AB-6F4C-4AB2E8BBBB6A}"/>
-              </a:ext>
-            </a:extLst>
-          </p:cNvPr>
-          <p:cNvPicPr>
-            <a:picLocks noChangeAspect="1"/>
-          </p:cNvPicPr>
-          <p:nvPr/>
-        </p:nvPicPr>
-        <p:blipFill>
-          <a:blip r:embed="rId2"/>
-          <a:stretch>
-            <a:fillRect/>
-          </a:stretch>
-        </p:blipFill>
-        <p:spPr>
-          <a:xfrm>
-            <a:off x="326235" y="1431124"/>
-            <a:ext cx="2962688" cy="4315427"/>
-          </a:xfrm>
-          <a:prstGeom prst="rect">
-            <a:avLst/>
-          </a:prstGeom>
-        </p:spPr>
-      </p:pic>
-      <p:pic>
-        <p:nvPicPr>
-          <p:cNvPr id="11" name="Picture 10">
-            <a:extLst>
-              <a:ext uri="{FF2B5EF4-FFF2-40B4-BE49-F238E27FC236}">
-                <a16:creationId xmlns:a16="http://schemas.microsoft.com/office/drawing/2014/main" id="{E8B9C32C-5C5C-4A1D-46CB-4694B5D781D0}"/>
-              </a:ext>
-            </a:extLst>
-          </p:cNvPr>
-          <p:cNvPicPr>
-            <a:picLocks noChangeAspect="1"/>
-          </p:cNvPicPr>
-          <p:nvPr/>
-        </p:nvPicPr>
-        <p:blipFill>
-          <a:blip r:embed="rId3"/>
-          <a:stretch>
-            <a:fillRect/>
-          </a:stretch>
-        </p:blipFill>
-        <p:spPr>
-          <a:xfrm>
-            <a:off x="8057652" y="1431124"/>
-            <a:ext cx="2962688" cy="4353533"/>
-          </a:xfrm>
-          <a:prstGeom prst="rect">
-            <a:avLst/>
-          </a:prstGeom>
-        </p:spPr>
-      </p:pic>
-      <p:pic>
-        <p:nvPicPr>
-          <p:cNvPr id="13" name="Picture 12">
-            <a:extLst>
-              <a:ext uri="{FF2B5EF4-FFF2-40B4-BE49-F238E27FC236}">
-                <a16:creationId xmlns:a16="http://schemas.microsoft.com/office/drawing/2014/main" id="{FA769248-A97F-AA0B-72AE-C435D2EDDECB}"/>
-              </a:ext>
-            </a:extLst>
-          </p:cNvPr>
-          <p:cNvPicPr>
-            <a:picLocks noChangeAspect="1"/>
-          </p:cNvPicPr>
-          <p:nvPr/>
-        </p:nvPicPr>
-        <p:blipFill>
-          <a:blip r:embed="rId4"/>
-          <a:stretch>
-            <a:fillRect/>
-          </a:stretch>
-        </p:blipFill>
-        <p:spPr>
-          <a:xfrm>
-            <a:off x="4177654" y="1421597"/>
-            <a:ext cx="2991267" cy="4324954"/>
-          </a:xfrm>
-          <a:prstGeom prst="rect">
-            <a:avLst/>
-          </a:prstGeom>
-        </p:spPr>
-      </p:pic>
-      <p:sp>
-        <p:nvSpPr>
-          <p:cNvPr id="14" name="TextBox 13">
-            <a:extLst>
-              <a:ext uri="{FF2B5EF4-FFF2-40B4-BE49-F238E27FC236}">
-                <a16:creationId xmlns:a16="http://schemas.microsoft.com/office/drawing/2014/main" id="{698977E8-F914-A950-2542-04BEAED966AD}"/>
-              </a:ext>
-            </a:extLst>
-          </p:cNvPr>
-          <p:cNvSpPr txBox="1"/>
-          <p:nvPr/>
-        </p:nvSpPr>
-        <p:spPr>
-          <a:xfrm>
-            <a:off x="446085" y="181744"/>
-            <a:ext cx="4268413" cy="830997"/>
-          </a:xfrm>
-          <a:prstGeom prst="rect">
-            <a:avLst/>
-          </a:prstGeom>
-          <a:noFill/>
-        </p:spPr>
-        <p:txBody>
-          <a:bodyPr wrap="none" rtlCol="0">
-            <a:spAutoFit/>
-          </a:bodyPr>
-          <a:lstStyle/>
-          <a:p>
-            <a:r>
-              <a:rPr lang="en-US" sz="4800" dirty="0">
-                <a:solidFill>
-                  <a:schemeClr val="bg1"/>
-                </a:solidFill>
-                <a:effectLst>
-                  <a:outerShdw blurRad="38100" dist="38100" dir="2700000" algn="tl">
-                    <a:srgbClr val="000000">
-                      <a:alpha val="43137"/>
-                    </a:srgbClr>
-                  </a:outerShdw>
-                </a:effectLst>
-              </a:rPr>
-              <a:t>Optional Results</a:t>
-            </a:r>
-          </a:p>
-        </p:txBody>
-      </p:sp>
-      <p:sp>
-        <p:nvSpPr>
-          <p:cNvPr id="15" name="TextBox 14">
-            <a:extLst>
-              <a:ext uri="{FF2B5EF4-FFF2-40B4-BE49-F238E27FC236}">
-                <a16:creationId xmlns:a16="http://schemas.microsoft.com/office/drawing/2014/main" id="{A8E28098-7323-40B7-6882-0898657A952C}"/>
-              </a:ext>
-            </a:extLst>
-          </p:cNvPr>
-          <p:cNvSpPr txBox="1"/>
-          <p:nvPr/>
-        </p:nvSpPr>
-        <p:spPr>
-          <a:xfrm>
-            <a:off x="1586204" y="5971592"/>
-            <a:ext cx="442750" cy="369332"/>
-          </a:xfrm>
-          <a:prstGeom prst="rect">
-            <a:avLst/>
-          </a:prstGeom>
-          <a:noFill/>
-        </p:spPr>
-        <p:txBody>
-          <a:bodyPr wrap="none" rtlCol="0">
-            <a:spAutoFit/>
-          </a:bodyPr>
-          <a:lstStyle/>
-          <a:p>
-            <a:r>
-              <a:rPr lang="en-US" dirty="0"/>
-              <a:t>(1)</a:t>
-            </a:r>
-          </a:p>
-        </p:txBody>
-      </p:sp>
-      <p:sp>
-        <p:nvSpPr>
-          <p:cNvPr id="16" name="TextBox 15">
-            <a:extLst>
-              <a:ext uri="{FF2B5EF4-FFF2-40B4-BE49-F238E27FC236}">
-                <a16:creationId xmlns:a16="http://schemas.microsoft.com/office/drawing/2014/main" id="{2B040D9F-6D82-CD9A-8FF5-4657345859E9}"/>
-              </a:ext>
-            </a:extLst>
-          </p:cNvPr>
-          <p:cNvSpPr txBox="1"/>
-          <p:nvPr/>
-        </p:nvSpPr>
-        <p:spPr>
-          <a:xfrm>
-            <a:off x="5295947" y="5971592"/>
-            <a:ext cx="442750" cy="369332"/>
-          </a:xfrm>
-          <a:prstGeom prst="rect">
-            <a:avLst/>
-          </a:prstGeom>
-          <a:noFill/>
-        </p:spPr>
-        <p:txBody>
-          <a:bodyPr wrap="none" rtlCol="0">
-            <a:spAutoFit/>
-          </a:bodyPr>
-          <a:lstStyle/>
-          <a:p>
-            <a:r>
-              <a:rPr lang="en-US" dirty="0"/>
-              <a:t>(2)</a:t>
-            </a:r>
-          </a:p>
-        </p:txBody>
-      </p:sp>
-      <p:sp>
-        <p:nvSpPr>
-          <p:cNvPr id="17" name="TextBox 16">
-            <a:extLst>
-              <a:ext uri="{FF2B5EF4-FFF2-40B4-BE49-F238E27FC236}">
-                <a16:creationId xmlns:a16="http://schemas.microsoft.com/office/drawing/2014/main" id="{E8A1AA17-80BB-2D26-7CF7-19004145DB41}"/>
-              </a:ext>
-            </a:extLst>
-          </p:cNvPr>
-          <p:cNvSpPr txBox="1"/>
-          <p:nvPr/>
-        </p:nvSpPr>
-        <p:spPr>
-          <a:xfrm>
-            <a:off x="9317621" y="5971592"/>
-            <a:ext cx="442750" cy="369332"/>
-          </a:xfrm>
-          <a:prstGeom prst="rect">
-            <a:avLst/>
-          </a:prstGeom>
-          <a:noFill/>
-        </p:spPr>
-        <p:txBody>
-          <a:bodyPr wrap="none" rtlCol="0">
-            <a:spAutoFit/>
-          </a:bodyPr>
-          <a:lstStyle/>
-          <a:p>
-            <a:r>
-              <a:rPr lang="en-US" dirty="0"/>
-              <a:t>(3)</a:t>
-            </a:r>
-          </a:p>
-        </p:txBody>
-      </p:sp>
-      <p:sp>
-        <p:nvSpPr>
-          <p:cNvPr id="18" name="Slide Number Placeholder 17">
-            <a:extLst>
-              <a:ext uri="{FF2B5EF4-FFF2-40B4-BE49-F238E27FC236}">
-                <a16:creationId xmlns:a16="http://schemas.microsoft.com/office/drawing/2014/main" id="{0F6FBB57-1B13-4AD5-D633-6E7F26930670}"/>
-              </a:ext>
-            </a:extLst>
-          </p:cNvPr>
-          <p:cNvSpPr>
-            <a:spLocks noGrp="1"/>
-          </p:cNvSpPr>
-          <p:nvPr>
-            <p:ph type="sldNum" sz="quarter" idx="12"/>
-          </p:nvPr>
-        </p:nvSpPr>
-        <p:spPr/>
-        <p:txBody>
-          <a:bodyPr/>
-          <a:lstStyle/>
-          <a:p>
-            <a:fld id="{9441F5BE-6670-48B1-A994-D8FDFBF156C8}" type="slidenum">
-              <a:rPr lang="en-US" smtClean="0"/>
-              <a:t>12</a:t>
-            </a:fld>
-            <a:endParaRPr lang="en-US"/>
-          </a:p>
-        </p:txBody>
-      </p:sp>
-    </p:spTree>
-    <p:extLst>
-      <p:ext uri="{BB962C8B-B14F-4D97-AF65-F5344CB8AC3E}">
-        <p14:creationId xmlns:p14="http://schemas.microsoft.com/office/powerpoint/2010/main" val="298645896"/>
-      </p:ext>
-    </p:extLst>
-  </p:cSld>
-  <p:clrMapOvr>
-    <a:masterClrMapping/>
-  </p:clrMapOvr>
-  <mc:AlternateContent xmlns:mc="http://schemas.openxmlformats.org/markup-compatibility/2006" xmlns:p14="http://schemas.microsoft.com/office/powerpoint/2010/main">
-    <mc:Choice Requires="p14">
-      <p:transition spd="med" p14:dur="700">
-        <p:fade/>
-      </p:transition>
-    </mc:Choice>
-    <mc:Fallback xmlns="">
-      <p:transition spd="med">
-        <p:fade/>
-      </p:transition>
-    </mc:Fallback>
-  </mc:AlternateContent>
-</p:sld>
-</file>
-
-<file path=ppt/slides/slide13.xml><?xml version="1.0" encoding="utf-8"?>
-<p:sld xmlns:a="http://schemas.openxmlformats.org/drawingml/2006/main" xmlns:r="http://schemas.openxmlformats.org/officeDocument/2006/relationships" xmlns:p="http://schemas.openxmlformats.org/presentationml/2006/main">
-  <p:cSld>
-    <p:spTree>
-      <p:nvGrpSpPr>
-        <p:cNvPr id="1" name=""/>
-        <p:cNvGrpSpPr/>
-        <p:nvPr/>
-      </p:nvGrpSpPr>
-      <p:grpSpPr>
-        <a:xfrm>
-          <a:off x="0" y="0"/>
-          <a:ext cx="0" cy="0"/>
-          <a:chOff x="0" y="0"/>
-          <a:chExt cx="0" cy="0"/>
-        </a:xfrm>
-      </p:grpSpPr>
-      <p:sp>
-        <p:nvSpPr>
-          <p:cNvPr id="2" name="Title 1">
-            <a:extLst>
-              <a:ext uri="{FF2B5EF4-FFF2-40B4-BE49-F238E27FC236}">
-                <a16:creationId xmlns:a16="http://schemas.microsoft.com/office/drawing/2014/main" id="{20E7A99B-38B4-BE22-F5F2-F3148A895735}"/>
-              </a:ext>
-            </a:extLst>
-          </p:cNvPr>
-          <p:cNvSpPr>
-            <a:spLocks noGrp="1"/>
-          </p:cNvSpPr>
-          <p:nvPr>
-            <p:ph type="title"/>
-          </p:nvPr>
-        </p:nvSpPr>
-        <p:spPr>
-          <a:xfrm>
-            <a:off x="526262" y="136524"/>
-            <a:ext cx="11139473" cy="1018032"/>
-          </a:xfrm>
-        </p:spPr>
-        <p:txBody>
-          <a:bodyPr anchor="ctr">
-            <a:normAutofit/>
-          </a:bodyPr>
-          <a:lstStyle/>
-          <a:p>
-            <a:r>
-              <a:rPr lang="en-US" dirty="0"/>
-              <a:t>Verification Plan</a:t>
-            </a:r>
-          </a:p>
-        </p:txBody>
-      </p:sp>
-      <p:pic>
-        <p:nvPicPr>
-          <p:cNvPr id="11" name="Picture 10">
-            <a:extLst>
-              <a:ext uri="{FF2B5EF4-FFF2-40B4-BE49-F238E27FC236}">
-                <a16:creationId xmlns:a16="http://schemas.microsoft.com/office/drawing/2014/main" id="{18FCCE76-BA9B-985C-1962-424B5D11F1AF}"/>
-              </a:ext>
-            </a:extLst>
-          </p:cNvPr>
-          <p:cNvPicPr>
-            <a:picLocks noChangeAspect="1"/>
-          </p:cNvPicPr>
-          <p:nvPr/>
-        </p:nvPicPr>
-        <p:blipFill>
-          <a:blip r:embed="rId2"/>
-          <a:stretch>
-            <a:fillRect/>
-          </a:stretch>
-        </p:blipFill>
-        <p:spPr>
-          <a:xfrm>
-            <a:off x="2500009" y="1354306"/>
-            <a:ext cx="6009096" cy="5435600"/>
-          </a:xfrm>
-          <a:prstGeom prst="rect">
-            <a:avLst/>
-          </a:prstGeom>
-          <a:noFill/>
-        </p:spPr>
-      </p:pic>
-      <p:sp>
-        <p:nvSpPr>
-          <p:cNvPr id="8" name="Slide Number Placeholder 7">
-            <a:extLst>
-              <a:ext uri="{FF2B5EF4-FFF2-40B4-BE49-F238E27FC236}">
-                <a16:creationId xmlns:a16="http://schemas.microsoft.com/office/drawing/2014/main" id="{DB41E79F-7CE0-58CD-837F-4F41DDFCA51C}"/>
+                <a16:creationId xmlns:a16="http://schemas.microsoft.com/office/drawing/2014/main" id="{9EA18E0F-25B1-E89F-4BEC-33AAC607B3E3}"/>
               </a:ext>
             </a:extLst>
           </p:cNvPr>
@@ -37200,146 +36890,7 @@
                   <a:spcPts val="600"/>
                 </a:spcAft>
               </a:pPr>
-              <a:t>13</a:t>
-            </a:fld>
-            <a:endParaRPr lang="en-US"/>
-          </a:p>
-        </p:txBody>
-      </p:sp>
-    </p:spTree>
-    <p:extLst>
-      <p:ext uri="{BB962C8B-B14F-4D97-AF65-F5344CB8AC3E}">
-        <p14:creationId xmlns:p14="http://schemas.microsoft.com/office/powerpoint/2010/main" val="2108535052"/>
-      </p:ext>
-    </p:extLst>
-  </p:cSld>
-  <p:clrMapOvr>
-    <a:masterClrMapping/>
-  </p:clrMapOvr>
-  <mc:AlternateContent xmlns:mc="http://schemas.openxmlformats.org/markup-compatibility/2006" xmlns:p14="http://schemas.microsoft.com/office/powerpoint/2010/main">
-    <mc:Choice Requires="p14">
-      <p:transition spd="med" p14:dur="700">
-        <p:fade/>
-      </p:transition>
-    </mc:Choice>
-    <mc:Fallback xmlns="">
-      <p:transition spd="med">
-        <p:fade/>
-      </p:transition>
-    </mc:Fallback>
-  </mc:AlternateContent>
-</p:sld>
-</file>
-
-<file path=ppt/slides/slide14.xml><?xml version="1.0" encoding="utf-8"?>
-<p:sld xmlns:a="http://schemas.openxmlformats.org/drawingml/2006/main" xmlns:r="http://schemas.openxmlformats.org/officeDocument/2006/relationships" xmlns:p="http://schemas.openxmlformats.org/presentationml/2006/main">
-  <p:cSld>
-    <p:spTree>
-      <p:nvGrpSpPr>
-        <p:cNvPr id="1" name=""/>
-        <p:cNvGrpSpPr/>
-        <p:nvPr/>
-      </p:nvGrpSpPr>
-      <p:grpSpPr>
-        <a:xfrm>
-          <a:off x="0" y="0"/>
-          <a:ext cx="0" cy="0"/>
-          <a:chOff x="0" y="0"/>
-          <a:chExt cx="0" cy="0"/>
-        </a:xfrm>
-      </p:grpSpPr>
-      <p:sp>
-        <p:nvSpPr>
-          <p:cNvPr id="3" name="Content Placeholder 2">
-            <a:extLst>
-              <a:ext uri="{FF2B5EF4-FFF2-40B4-BE49-F238E27FC236}">
-                <a16:creationId xmlns:a16="http://schemas.microsoft.com/office/drawing/2014/main" id="{061932AB-19AB-81A7-C497-2D53F287BBE2}"/>
-              </a:ext>
-            </a:extLst>
-          </p:cNvPr>
-          <p:cNvSpPr>
-            <a:spLocks noGrp="1"/>
-          </p:cNvSpPr>
-          <p:nvPr>
-            <p:ph type="ctrTitle"/>
-          </p:nvPr>
-        </p:nvSpPr>
-        <p:spPr>
-          <a:xfrm>
-            <a:off x="112912" y="3159162"/>
-            <a:ext cx="5412398" cy="1662953"/>
-          </a:xfrm>
-        </p:spPr>
-        <p:txBody>
-          <a:bodyPr anchor="ctr">
-            <a:noAutofit/>
-          </a:bodyPr>
-          <a:lstStyle/>
-          <a:p>
-            <a:pPr>
-              <a:lnSpc>
-                <a:spcPct val="90000"/>
-              </a:lnSpc>
-            </a:pPr>
-            <a:r>
-              <a:rPr lang="en-US" dirty="0"/>
-              <a:t>Thanks for listening!</a:t>
-            </a:r>
-          </a:p>
-          <a:p>
-            <a:pPr>
-              <a:lnSpc>
-                <a:spcPct val="90000"/>
-              </a:lnSpc>
-            </a:pPr>
-            <a:r>
-              <a:rPr lang="en-US" dirty="0"/>
-              <a:t>    Any questions ? </a:t>
-            </a:r>
-          </a:p>
-        </p:txBody>
-      </p:sp>
-      <p:sp>
-        <p:nvSpPr>
-          <p:cNvPr id="4" name="Slide Number Placeholder 3">
-            <a:extLst>
-              <a:ext uri="{FF2B5EF4-FFF2-40B4-BE49-F238E27FC236}">
-                <a16:creationId xmlns:a16="http://schemas.microsoft.com/office/drawing/2014/main" id="{9EA18E0F-25B1-E89F-4BEC-33AAC607B3E3}"/>
-              </a:ext>
-            </a:extLst>
-          </p:cNvPr>
-          <p:cNvSpPr>
-            <a:spLocks noGrp="1"/>
-          </p:cNvSpPr>
-          <p:nvPr>
-            <p:ph type="sldNum" sz="quarter" idx="12"/>
-          </p:nvPr>
-        </p:nvSpPr>
-        <p:spPr>
-          <a:xfrm>
-            <a:off x="8737600" y="6356351"/>
-            <a:ext cx="2844800" cy="365125"/>
-          </a:xfrm>
-        </p:spPr>
-        <p:txBody>
-          <a:bodyPr anchor="ctr">
-            <a:normAutofit/>
-          </a:bodyPr>
-          <a:lstStyle/>
-          <a:p>
-            <a:pPr>
-              <a:spcAft>
-                <a:spcPts val="600"/>
-              </a:spcAft>
-            </a:pPr>
-            <a:fld id="{9441F5BE-6670-48B1-A994-D8FDFBF156C8}" type="slidenum">
-              <a:rPr lang="en-US" smtClean="0"/>
-              <a:pPr>
-                <a:spcAft>
-                  <a:spcPts val="600"/>
-                </a:spcAft>
-              </a:pPr>
-              <a:t>14</a:t>
+              <a:t>10</a:t>
             </a:fld>
             <a:endParaRPr lang="en-US"/>
           </a:p>
@@ -37389,10 +36940,10 @@
       </p:grpSpPr>
       <p:sp>
         <p:nvSpPr>
-          <p:cNvPr id="2" name="Title 1">
+          <p:cNvPr id="2" name="כותרת 1">
             <a:extLst>
               <a:ext uri="{FF2B5EF4-FFF2-40B4-BE49-F238E27FC236}">
-                <a16:creationId xmlns:a16="http://schemas.microsoft.com/office/drawing/2014/main" id="{80FFC49A-3737-635E-0E00-0F73E36B1C01}"/>
+                <a16:creationId xmlns:a16="http://schemas.microsoft.com/office/drawing/2014/main" id="{7E33A64D-C307-57D3-2513-9EA817A28E3D}"/>
               </a:ext>
             </a:extLst>
           </p:cNvPr>
@@ -37403,29 +36954,25 @@
             <p:ph type="title"/>
           </p:nvPr>
         </p:nvSpPr>
-        <p:spPr>
-          <a:xfrm>
-            <a:off x="646420" y="0"/>
-            <a:ext cx="10515600" cy="1325563"/>
-          </a:xfrm>
-        </p:spPr>
+        <p:spPr/>
         <p:txBody>
           <a:bodyPr/>
           <a:lstStyle/>
           <a:p>
             <a:r>
               <a:rPr lang="en-US" dirty="0"/>
-              <a:t>Introduction – STT </a:t>
-            </a:r>
-          </a:p>
-        </p:txBody>
-      </p:sp>
-      <p:sp>
-        <p:nvSpPr>
-          <p:cNvPr id="3" name="Content Placeholder 2">
+              <a:t>Background</a:t>
+            </a:r>
+            <a:endParaRPr lang="he-IL" dirty="0"/>
+          </a:p>
+        </p:txBody>
+      </p:sp>
+      <p:sp>
+        <p:nvSpPr>
+          <p:cNvPr id="3" name="מציין מיקום תוכן 2">
             <a:extLst>
               <a:ext uri="{FF2B5EF4-FFF2-40B4-BE49-F238E27FC236}">
-                <a16:creationId xmlns:a16="http://schemas.microsoft.com/office/drawing/2014/main" id="{D9702319-0C48-C773-263B-516EB6E44B7C}"/>
+                <a16:creationId xmlns:a16="http://schemas.microsoft.com/office/drawing/2014/main" id="{3A7853C2-664B-BB7C-ABC3-E1D698C24919}"/>
               </a:ext>
             </a:extLst>
           </p:cNvPr>
@@ -37438,137 +36985,39 @@
         </p:nvSpPr>
         <p:spPr>
           <a:xfrm>
-            <a:off x="494324" y="1587700"/>
-            <a:ext cx="11616612" cy="4686639"/>
+            <a:off x="533577" y="1800147"/>
+            <a:ext cx="11124847" cy="966882"/>
           </a:xfrm>
         </p:spPr>
         <p:txBody>
           <a:bodyPr>
-            <a:normAutofit fontScale="25000" lnSpcReduction="20000"/>
+            <a:normAutofit lnSpcReduction="10000"/>
           </a:bodyPr>
           <a:lstStyle/>
           <a:p>
-            <a:pPr marL="0" indent="0">
-              <a:buNone/>
-            </a:pPr>
-            <a:endParaRPr lang="en-US" sz="9600" dirty="0"/>
-          </a:p>
-          <a:p>
-            <a:r>
-              <a:rPr lang="en-US" sz="9600" dirty="0">
+            <a:r>
+              <a:rPr lang="en-US" sz="3000" dirty="0">
                 <a:effectLst/>
                 <a:ea typeface="Calibri" panose="020F0502020204030204" pitchFamily="34" charset="0"/>
                 <a:cs typeface="Arial" panose="020B0604020202020204" pitchFamily="34" charset="0"/>
               </a:rPr>
-              <a:t>Speech recognition to text (STT) is the ability of machine to identify words and phrases in spoken language and convert them into text.</a:t>
+              <a:t>Speech to text (STT) is the ability of machine to identify words and phrases in spoken language and convert them into text.</a:t>
             </a:r>
           </a:p>
           <a:p>
             <a:pPr marL="0" indent="0">
               <a:buNone/>
             </a:pPr>
-            <a:endParaRPr lang="en-US" sz="9600" dirty="0">
-              <a:effectLst/>
-              <a:ea typeface="Calibri" panose="020F0502020204030204" pitchFamily="34" charset="0"/>
-              <a:cs typeface="Arial" panose="020B0604020202020204" pitchFamily="34" charset="0"/>
-            </a:endParaRPr>
-          </a:p>
-          <a:p>
-            <a:r>
-              <a:rPr lang="en-US" sz="9600" dirty="0">
-                <a:ea typeface="Calibri" panose="020F0502020204030204" pitchFamily="34" charset="0"/>
-                <a:cs typeface="Arial" panose="020B0604020202020204" pitchFamily="34" charset="0"/>
-              </a:rPr>
-              <a:t>First, the model takes in an audio as input (could be live speech).</a:t>
-            </a:r>
-          </a:p>
-          <a:p>
-            <a:pPr marL="0" indent="0">
-              <a:buNone/>
-            </a:pPr>
-            <a:endParaRPr lang="en-US" sz="9600" dirty="0">
-              <a:ea typeface="Calibri" panose="020F0502020204030204" pitchFamily="34" charset="0"/>
-              <a:cs typeface="Arial" panose="020B0604020202020204" pitchFamily="34" charset="0"/>
-            </a:endParaRPr>
-          </a:p>
-          <a:p>
-            <a:r>
-              <a:rPr lang="en-US" sz="9600" dirty="0">
-                <a:effectLst/>
-                <a:ea typeface="Calibri" panose="020F0502020204030204" pitchFamily="34" charset="0"/>
-                <a:cs typeface="Arial" panose="020B0604020202020204" pitchFamily="34" charset="0"/>
-              </a:rPr>
-              <a:t>The model pre-processes the audio to extract relevant features that can be used for transcription.</a:t>
-            </a:r>
-          </a:p>
-          <a:p>
-            <a:pPr marL="0" indent="0">
-              <a:buNone/>
-            </a:pPr>
-            <a:endParaRPr lang="en-US" sz="9600" dirty="0">
-              <a:effectLst/>
-              <a:ea typeface="Calibri" panose="020F0502020204030204" pitchFamily="34" charset="0"/>
-              <a:cs typeface="Arial" panose="020B0604020202020204" pitchFamily="34" charset="0"/>
-            </a:endParaRPr>
-          </a:p>
-          <a:p>
-            <a:r>
-              <a:rPr lang="en-US" sz="9600" dirty="0">
-                <a:ea typeface="Calibri" panose="020F0502020204030204" pitchFamily="34" charset="0"/>
-                <a:cs typeface="Arial" panose="020B0604020202020204" pitchFamily="34" charset="0"/>
-              </a:rPr>
-              <a:t>The extracted features are fed into a ML model.</a:t>
-            </a:r>
-          </a:p>
-          <a:p>
-            <a:pPr marL="0" indent="0">
-              <a:buNone/>
-            </a:pPr>
-            <a:endParaRPr lang="en-US" sz="9600" dirty="0">
-              <a:ea typeface="Calibri" panose="020F0502020204030204" pitchFamily="34" charset="0"/>
-              <a:cs typeface="Arial" panose="020B0604020202020204" pitchFamily="34" charset="0"/>
-            </a:endParaRPr>
-          </a:p>
-          <a:p>
-            <a:r>
-              <a:rPr lang="en-US" sz="9600" dirty="0">
-                <a:effectLst/>
-                <a:ea typeface="Calibri" panose="020F0502020204030204" pitchFamily="34" charset="0"/>
-                <a:cs typeface="Arial" panose="020B0604020202020204" pitchFamily="34" charset="0"/>
-              </a:rPr>
-              <a:t>The output </a:t>
-            </a:r>
-            <a:r>
-              <a:rPr lang="en-US" sz="9600" dirty="0">
-                <a:ea typeface="Calibri" panose="020F0502020204030204" pitchFamily="34" charset="0"/>
-                <a:cs typeface="Arial" panose="020B0604020202020204" pitchFamily="34" charset="0"/>
-              </a:rPr>
-              <a:t>of the ML model processed to generate a written transcript of the spoken words.</a:t>
-            </a:r>
-            <a:endParaRPr lang="en-US" sz="9600" dirty="0">
-              <a:effectLst/>
-              <a:ea typeface="Calibri" panose="020F0502020204030204" pitchFamily="34" charset="0"/>
-              <a:cs typeface="Arial" panose="020B0604020202020204" pitchFamily="34" charset="0"/>
-            </a:endParaRPr>
-          </a:p>
-          <a:p>
-            <a:endParaRPr lang="en-US" sz="1800" dirty="0">
-              <a:effectLst/>
-              <a:ea typeface="Calibri" panose="020F0502020204030204" pitchFamily="34" charset="0"/>
-              <a:cs typeface="Arial" panose="020B0604020202020204" pitchFamily="34" charset="0"/>
-            </a:endParaRPr>
-          </a:p>
-          <a:p>
-            <a:endParaRPr lang="en-US" dirty="0"/>
-          </a:p>
-        </p:txBody>
-      </p:sp>
-      <p:sp>
-        <p:nvSpPr>
-          <p:cNvPr id="7" name="Slide Number Placeholder 6">
+            <a:endParaRPr lang="he-IL" sz="3000" dirty="0"/>
+          </a:p>
+        </p:txBody>
+      </p:sp>
+      <p:sp>
+        <p:nvSpPr>
+          <p:cNvPr id="4" name="מציין מיקום של מספר שקופית 3">
             <a:extLst>
               <a:ext uri="{FF2B5EF4-FFF2-40B4-BE49-F238E27FC236}">
-                <a16:creationId xmlns:a16="http://schemas.microsoft.com/office/drawing/2014/main" id="{829F3DA0-8B46-82B1-F75E-9872357454D0}"/>
+                <a16:creationId xmlns:a16="http://schemas.microsoft.com/office/drawing/2014/main" id="{A082EB59-E161-2530-4220-C4470B5E3A6E}"/>
               </a:ext>
             </a:extLst>
           </p:cNvPr>
@@ -37584,18 +37033,48 @@
           <a:bodyPr/>
           <a:lstStyle/>
           <a:p>
-            <a:fld id="{9441F5BE-6670-48B1-A994-D8FDFBF156C8}" type="slidenum">
+            <a:fld id="{6D22F896-40B5-4ADD-8801-0D06FADFA095}" type="slidenum">
               <a:rPr lang="en-US" smtClean="0"/>
               <a:t>2</a:t>
             </a:fld>
-            <a:endParaRPr lang="en-US"/>
-          </a:p>
-        </p:txBody>
-      </p:sp>
+            <a:endParaRPr lang="en-US" dirty="0"/>
+          </a:p>
+        </p:txBody>
+      </p:sp>
+      <p:pic>
+        <p:nvPicPr>
+          <p:cNvPr id="6" name="Picture 5">
+            <a:extLst>
+              <a:ext uri="{FF2B5EF4-FFF2-40B4-BE49-F238E27FC236}">
+                <a16:creationId xmlns:a16="http://schemas.microsoft.com/office/drawing/2014/main" id="{229DB5F4-52EE-F972-5C14-A8E567F27FFA}"/>
+              </a:ext>
+            </a:extLst>
+          </p:cNvPr>
+          <p:cNvPicPr>
+            <a:picLocks noChangeAspect="1"/>
+          </p:cNvPicPr>
+          <p:nvPr/>
+        </p:nvPicPr>
+        <p:blipFill>
+          <a:blip r:embed="rId3"/>
+          <a:stretch>
+            <a:fillRect/>
+          </a:stretch>
+        </p:blipFill>
+        <p:spPr>
+          <a:xfrm>
+            <a:off x="1520190" y="2903553"/>
+            <a:ext cx="8961120" cy="3642213"/>
+          </a:xfrm>
+          <a:prstGeom prst="rect">
+            <a:avLst/>
+          </a:prstGeom>
+        </p:spPr>
+      </p:pic>
     </p:spTree>
     <p:extLst>
       <p:ext uri="{BB962C8B-B14F-4D97-AF65-F5344CB8AC3E}">
-        <p14:creationId xmlns:p14="http://schemas.microsoft.com/office/powerpoint/2010/main" val="1040164159"/>
+        <p14:creationId xmlns:p14="http://schemas.microsoft.com/office/powerpoint/2010/main" val="1428754275"/>
       </p:ext>
     </p:extLst>
   </p:cSld>
@@ -37636,1046 +37115,92 @@
       </p:grpSpPr>
       <p:sp>
         <p:nvSpPr>
-          <p:cNvPr id="4" name="Hexagon 3">
+          <p:cNvPr id="2" name="Title 1">
             <a:extLst>
               <a:ext uri="{FF2B5EF4-FFF2-40B4-BE49-F238E27FC236}">
-                <a16:creationId xmlns:a16="http://schemas.microsoft.com/office/drawing/2014/main" id="{82980868-7247-DB79-B69F-92EF05D4657A}"/>
+                <a16:creationId xmlns:a16="http://schemas.microsoft.com/office/drawing/2014/main" id="{74E7C890-08D4-D69A-A72A-AEF8AFB82EEA}"/>
               </a:ext>
             </a:extLst>
           </p:cNvPr>
-          <p:cNvSpPr/>
-          <p:nvPr/>
-        </p:nvSpPr>
-        <p:spPr>
-          <a:xfrm>
-            <a:off x="4223241" y="3150895"/>
-            <a:ext cx="1556238" cy="1450729"/>
-          </a:xfrm>
-          <a:prstGeom prst="hexagon">
-            <a:avLst/>
-          </a:prstGeom>
-          <a:solidFill>
-            <a:srgbClr val="92D050"/>
-          </a:solidFill>
-        </p:spPr>
-        <p:style>
-          <a:lnRef idx="2">
-            <a:schemeClr val="accent1">
-              <a:shade val="50000"/>
-            </a:schemeClr>
-          </a:lnRef>
-          <a:fillRef idx="1">
-            <a:schemeClr val="accent1"/>
-          </a:fillRef>
-          <a:effectRef idx="0">
-            <a:schemeClr val="accent1"/>
-          </a:effectRef>
-          <a:fontRef idx="minor">
-            <a:schemeClr val="lt1"/>
-          </a:fontRef>
-        </p:style>
-        <p:txBody>
-          <a:bodyPr rtlCol="0" anchor="ctr"/>
+          <p:cNvSpPr>
+            <a:spLocks noGrp="1"/>
+          </p:cNvSpPr>
+          <p:nvPr>
+            <p:ph type="title"/>
+          </p:nvPr>
+        </p:nvSpPr>
+        <p:spPr/>
+        <p:txBody>
+          <a:bodyPr/>
           <a:lstStyle/>
           <a:p>
-            <a:pPr algn="ctr"/>
             <a:r>
               <a:rPr lang="en-US" dirty="0"/>
-              <a:t>PROS</a:t>
-            </a:r>
-          </a:p>
-        </p:txBody>
-      </p:sp>
-      <p:sp>
-        <p:nvSpPr>
-          <p:cNvPr id="5" name="Hexagon 4">
+              <a:t>Motivation</a:t>
+            </a:r>
+          </a:p>
+        </p:txBody>
+      </p:sp>
+      <p:sp>
+        <p:nvSpPr>
+          <p:cNvPr id="3" name="Content Placeholder 2">
             <a:extLst>
               <a:ext uri="{FF2B5EF4-FFF2-40B4-BE49-F238E27FC236}">
-                <a16:creationId xmlns:a16="http://schemas.microsoft.com/office/drawing/2014/main" id="{E44B8AC9-0A87-2E7A-82FD-338B1EADDF90}"/>
+                <a16:creationId xmlns:a16="http://schemas.microsoft.com/office/drawing/2014/main" id="{A9521730-AFE5-B2CE-3868-FFA60AB1032D}"/>
               </a:ext>
             </a:extLst>
           </p:cNvPr>
-          <p:cNvSpPr/>
-          <p:nvPr/>
-        </p:nvSpPr>
-        <p:spPr>
-          <a:xfrm>
-            <a:off x="6008080" y="3150895"/>
-            <a:ext cx="1556238" cy="1450729"/>
-          </a:xfrm>
-          <a:prstGeom prst="hexagon">
-            <a:avLst/>
-          </a:prstGeom>
-          <a:solidFill>
-            <a:srgbClr val="FF0000"/>
-          </a:solidFill>
-        </p:spPr>
-        <p:style>
-          <a:lnRef idx="2">
-            <a:schemeClr val="accent1">
-              <a:shade val="50000"/>
-            </a:schemeClr>
-          </a:lnRef>
-          <a:fillRef idx="1">
-            <a:schemeClr val="accent1"/>
-          </a:fillRef>
-          <a:effectRef idx="0">
-            <a:schemeClr val="accent1"/>
-          </a:effectRef>
-          <a:fontRef idx="minor">
-            <a:schemeClr val="lt1"/>
-          </a:fontRef>
-        </p:style>
-        <p:txBody>
-          <a:bodyPr rtlCol="0" anchor="ctr"/>
+          <p:cNvSpPr>
+            <a:spLocks noGrp="1"/>
+          </p:cNvSpPr>
+          <p:nvPr>
+            <p:ph idx="1"/>
+          </p:nvPr>
+        </p:nvSpPr>
+        <p:spPr>
+          <a:xfrm>
+            <a:off x="526262" y="1389517"/>
+            <a:ext cx="10354408" cy="2234629"/>
+          </a:xfrm>
+        </p:spPr>
+        <p:txBody>
+          <a:bodyPr>
+            <a:noAutofit/>
+          </a:bodyPr>
           <a:lstStyle/>
           <a:p>
-            <a:pPr algn="ctr"/>
-            <a:r>
-              <a:rPr lang="en-US" dirty="0"/>
-              <a:t>CONS</a:t>
-            </a:r>
-          </a:p>
-        </p:txBody>
-      </p:sp>
-      <p:sp>
-        <p:nvSpPr>
-          <p:cNvPr id="6" name="Rectangle 5">
+            <a:r>
+              <a:rPr lang="en-US" sz="3000" dirty="0"/>
+              <a:t>AI technology is rapidly advancing</a:t>
+            </a:r>
+          </a:p>
+          <a:p>
+            <a:r>
+              <a:rPr lang="en-US" sz="3000" dirty="0"/>
+              <a:t>Voice search is preferred over typing</a:t>
+            </a:r>
+            <a:endParaRPr lang="he-IL" sz="3000" dirty="0"/>
+          </a:p>
+          <a:p>
+            <a:r>
+              <a:rPr lang="en-US" sz="3000" dirty="0"/>
+              <a:t>Helpful for people with disabilities, such as the deaf</a:t>
+            </a:r>
+          </a:p>
+          <a:p>
+            <a:r>
+              <a:rPr lang="en-US" sz="3000" dirty="0"/>
+              <a:t>The market is huge – more and more people asking for it</a:t>
+            </a:r>
+          </a:p>
+        </p:txBody>
+      </p:sp>
+      <p:sp>
+        <p:nvSpPr>
+          <p:cNvPr id="4" name="Slide Number Placeholder 3">
             <a:extLst>
               <a:ext uri="{FF2B5EF4-FFF2-40B4-BE49-F238E27FC236}">
-                <a16:creationId xmlns:a16="http://schemas.microsoft.com/office/drawing/2014/main" id="{C832EB5D-7E78-5A1C-542B-E6C46522C4F4}"/>
-              </a:ext>
-            </a:extLst>
-          </p:cNvPr>
-          <p:cNvSpPr/>
-          <p:nvPr/>
-        </p:nvSpPr>
-        <p:spPr>
-          <a:xfrm>
-            <a:off x="609602" y="1432000"/>
-            <a:ext cx="2769578" cy="580292"/>
-          </a:xfrm>
-          <a:prstGeom prst="rect">
-            <a:avLst/>
-          </a:prstGeom>
-        </p:spPr>
-        <p:style>
-          <a:lnRef idx="2">
-            <a:schemeClr val="accent1">
-              <a:shade val="50000"/>
-            </a:schemeClr>
-          </a:lnRef>
-          <a:fillRef idx="1">
-            <a:schemeClr val="accent1"/>
-          </a:fillRef>
-          <a:effectRef idx="0">
-            <a:schemeClr val="accent1"/>
-          </a:effectRef>
-          <a:fontRef idx="minor">
-            <a:schemeClr val="lt1"/>
-          </a:fontRef>
-        </p:style>
-        <p:txBody>
-          <a:bodyPr rtlCol="0" anchor="ctr"/>
-          <a:lstStyle/>
-          <a:p>
-            <a:pPr algn="ctr"/>
-            <a:r>
-              <a:rPr lang="en-US" sz="1800" dirty="0"/>
-              <a:t>Improved client care</a:t>
-            </a:r>
-          </a:p>
-        </p:txBody>
-      </p:sp>
-      <p:sp>
-        <p:nvSpPr>
-          <p:cNvPr id="9" name="Rectangle 8">
-            <a:extLst>
-              <a:ext uri="{FF2B5EF4-FFF2-40B4-BE49-F238E27FC236}">
-                <a16:creationId xmlns:a16="http://schemas.microsoft.com/office/drawing/2014/main" id="{B481AA70-9DBC-E75B-FE2D-3F5FAC0D8475}"/>
-              </a:ext>
-            </a:extLst>
-          </p:cNvPr>
-          <p:cNvSpPr/>
-          <p:nvPr/>
-        </p:nvSpPr>
-        <p:spPr>
-          <a:xfrm>
-            <a:off x="609602" y="2371311"/>
-            <a:ext cx="2831124" cy="641838"/>
-          </a:xfrm>
-          <a:prstGeom prst="rect">
-            <a:avLst/>
-          </a:prstGeom>
-        </p:spPr>
-        <p:style>
-          <a:lnRef idx="2">
-            <a:schemeClr val="accent1">
-              <a:shade val="50000"/>
-            </a:schemeClr>
-          </a:lnRef>
-          <a:fillRef idx="1">
-            <a:schemeClr val="accent1"/>
-          </a:fillRef>
-          <a:effectRef idx="0">
-            <a:schemeClr val="accent1"/>
-          </a:effectRef>
-          <a:fontRef idx="minor">
-            <a:schemeClr val="lt1"/>
-          </a:fontRef>
-        </p:style>
-        <p:txBody>
-          <a:bodyPr rtlCol="0" anchor="ctr"/>
-          <a:lstStyle/>
-          <a:p>
-            <a:pPr algn="ctr"/>
-            <a:r>
-              <a:rPr lang="en-US" sz="1800" dirty="0"/>
-              <a:t>Increases productivity</a:t>
-            </a:r>
-          </a:p>
-        </p:txBody>
-      </p:sp>
-      <p:sp>
-        <p:nvSpPr>
-          <p:cNvPr id="10" name="Rectangle 9">
-            <a:extLst>
-              <a:ext uri="{FF2B5EF4-FFF2-40B4-BE49-F238E27FC236}">
-                <a16:creationId xmlns:a16="http://schemas.microsoft.com/office/drawing/2014/main" id="{E8CA82BD-A872-AAA9-8EB8-B1C9344E5538}"/>
-              </a:ext>
-            </a:extLst>
-          </p:cNvPr>
-          <p:cNvSpPr/>
-          <p:nvPr/>
-        </p:nvSpPr>
-        <p:spPr>
-          <a:xfrm>
-            <a:off x="609601" y="3372168"/>
-            <a:ext cx="2831123" cy="770791"/>
-          </a:xfrm>
-          <a:prstGeom prst="rect">
-            <a:avLst/>
-          </a:prstGeom>
-        </p:spPr>
-        <p:style>
-          <a:lnRef idx="2">
-            <a:schemeClr val="accent1">
-              <a:shade val="50000"/>
-            </a:schemeClr>
-          </a:lnRef>
-          <a:fillRef idx="1">
-            <a:schemeClr val="accent1"/>
-          </a:fillRef>
-          <a:effectRef idx="0">
-            <a:schemeClr val="accent1"/>
-          </a:effectRef>
-          <a:fontRef idx="minor">
-            <a:schemeClr val="lt1"/>
-          </a:fontRef>
-        </p:style>
-        <p:txBody>
-          <a:bodyPr rtlCol="0" anchor="ctr"/>
-          <a:lstStyle/>
-          <a:p>
-            <a:pPr algn="ctr"/>
-            <a:r>
-              <a:rPr lang="en-US" sz="1800" dirty="0"/>
-              <a:t>Saves time and efforts</a:t>
-            </a:r>
-          </a:p>
-        </p:txBody>
-      </p:sp>
-      <p:sp>
-        <p:nvSpPr>
-          <p:cNvPr id="11" name="Rectangle 10">
-            <a:extLst>
-              <a:ext uri="{FF2B5EF4-FFF2-40B4-BE49-F238E27FC236}">
-                <a16:creationId xmlns:a16="http://schemas.microsoft.com/office/drawing/2014/main" id="{07DA34A7-5416-16E2-94AE-897334E0F886}"/>
-              </a:ext>
-            </a:extLst>
-          </p:cNvPr>
-          <p:cNvSpPr/>
-          <p:nvPr/>
-        </p:nvSpPr>
-        <p:spPr>
-          <a:xfrm>
-            <a:off x="609601" y="4601624"/>
-            <a:ext cx="2831122" cy="770791"/>
-          </a:xfrm>
-          <a:prstGeom prst="rect">
-            <a:avLst/>
-          </a:prstGeom>
-        </p:spPr>
-        <p:style>
-          <a:lnRef idx="2">
-            <a:schemeClr val="accent1">
-              <a:shade val="50000"/>
-            </a:schemeClr>
-          </a:lnRef>
-          <a:fillRef idx="1">
-            <a:schemeClr val="accent1"/>
-          </a:fillRef>
-          <a:effectRef idx="0">
-            <a:schemeClr val="accent1"/>
-          </a:effectRef>
-          <a:fontRef idx="minor">
-            <a:schemeClr val="lt1"/>
-          </a:fontRef>
-        </p:style>
-        <p:txBody>
-          <a:bodyPr rtlCol="0" anchor="t"/>
-          <a:lstStyle/>
-          <a:p>
-            <a:pPr algn="ctr"/>
-            <a:r>
-              <a:rPr lang="en-US" sz="1800" dirty="0"/>
-              <a:t>Useful for people who cannot use a keyboard</a:t>
-            </a:r>
-          </a:p>
-          <a:p>
-            <a:pPr algn="ctr"/>
-            <a:endParaRPr lang="en-US" dirty="0"/>
-          </a:p>
-        </p:txBody>
-      </p:sp>
-      <p:sp>
-        <p:nvSpPr>
-          <p:cNvPr id="12" name="Rectangle 11">
-            <a:extLst>
-              <a:ext uri="{FF2B5EF4-FFF2-40B4-BE49-F238E27FC236}">
-                <a16:creationId xmlns:a16="http://schemas.microsoft.com/office/drawing/2014/main" id="{9D46D376-D2F8-FA8B-FDD0-47B589C219D7}"/>
-              </a:ext>
-            </a:extLst>
-          </p:cNvPr>
-          <p:cNvSpPr/>
-          <p:nvPr/>
-        </p:nvSpPr>
-        <p:spPr>
-          <a:xfrm>
-            <a:off x="609600" y="5831080"/>
-            <a:ext cx="2831123" cy="770791"/>
-          </a:xfrm>
-          <a:prstGeom prst="rect">
-            <a:avLst/>
-          </a:prstGeom>
-        </p:spPr>
-        <p:style>
-          <a:lnRef idx="2">
-            <a:schemeClr val="accent1">
-              <a:shade val="50000"/>
-            </a:schemeClr>
-          </a:lnRef>
-          <a:fillRef idx="1">
-            <a:schemeClr val="accent1"/>
-          </a:fillRef>
-          <a:effectRef idx="0">
-            <a:schemeClr val="accent1"/>
-          </a:effectRef>
-          <a:fontRef idx="minor">
-            <a:schemeClr val="lt1"/>
-          </a:fontRef>
-        </p:style>
-        <p:txBody>
-          <a:bodyPr rtlCol="0" anchor="ctr"/>
-          <a:lstStyle/>
-          <a:p>
-            <a:pPr algn="ctr"/>
-            <a:r>
-              <a:rPr lang="en-US" sz="1800" dirty="0"/>
-              <a:t>Useful when the user’s hands are occupied</a:t>
-            </a:r>
-          </a:p>
-        </p:txBody>
-      </p:sp>
-      <p:sp>
-        <p:nvSpPr>
-          <p:cNvPr id="13" name="Rectangle 12">
-            <a:extLst>
-              <a:ext uri="{FF2B5EF4-FFF2-40B4-BE49-F238E27FC236}">
-                <a16:creationId xmlns:a16="http://schemas.microsoft.com/office/drawing/2014/main" id="{BB3DC0D1-0A40-E1FA-BC30-ADCD07591E8D}"/>
-              </a:ext>
-            </a:extLst>
-          </p:cNvPr>
-          <p:cNvSpPr/>
-          <p:nvPr/>
-        </p:nvSpPr>
-        <p:spPr>
-          <a:xfrm>
-            <a:off x="8601810" y="1505268"/>
-            <a:ext cx="2236177" cy="580292"/>
-          </a:xfrm>
-          <a:prstGeom prst="rect">
-            <a:avLst/>
-          </a:prstGeom>
-        </p:spPr>
-        <p:style>
-          <a:lnRef idx="2">
-            <a:schemeClr val="accent1">
-              <a:shade val="50000"/>
-            </a:schemeClr>
-          </a:lnRef>
-          <a:fillRef idx="1">
-            <a:schemeClr val="accent1"/>
-          </a:fillRef>
-          <a:effectRef idx="0">
-            <a:schemeClr val="accent1"/>
-          </a:effectRef>
-          <a:fontRef idx="minor">
-            <a:schemeClr val="lt1"/>
-          </a:fontRef>
-        </p:style>
-        <p:txBody>
-          <a:bodyPr rtlCol="0" anchor="ctr"/>
-          <a:lstStyle/>
-          <a:p>
-            <a:pPr algn="ctr"/>
-            <a:r>
-              <a:rPr lang="en-US" sz="1800" dirty="0"/>
-              <a:t>Transcription errors</a:t>
-            </a:r>
-          </a:p>
-        </p:txBody>
-      </p:sp>
-      <p:sp>
-        <p:nvSpPr>
-          <p:cNvPr id="14" name="Rectangle 13">
-            <a:extLst>
-              <a:ext uri="{FF2B5EF4-FFF2-40B4-BE49-F238E27FC236}">
-                <a16:creationId xmlns:a16="http://schemas.microsoft.com/office/drawing/2014/main" id="{FC4CEC23-AA1F-F8F4-C2E8-6E0ED84649D3}"/>
-              </a:ext>
-            </a:extLst>
-          </p:cNvPr>
-          <p:cNvSpPr/>
-          <p:nvPr/>
-        </p:nvSpPr>
-        <p:spPr>
-          <a:xfrm>
-            <a:off x="8601810" y="2450440"/>
-            <a:ext cx="2236177" cy="744416"/>
-          </a:xfrm>
-          <a:prstGeom prst="rect">
-            <a:avLst/>
-          </a:prstGeom>
-        </p:spPr>
-        <p:style>
-          <a:lnRef idx="2">
-            <a:schemeClr val="accent1">
-              <a:shade val="50000"/>
-            </a:schemeClr>
-          </a:lnRef>
-          <a:fillRef idx="1">
-            <a:schemeClr val="accent1"/>
-          </a:fillRef>
-          <a:effectRef idx="0">
-            <a:schemeClr val="accent1"/>
-          </a:effectRef>
-          <a:fontRef idx="minor">
-            <a:schemeClr val="lt1"/>
-          </a:fontRef>
-        </p:style>
-        <p:txBody>
-          <a:bodyPr rtlCol="0" anchor="ctr"/>
-          <a:lstStyle/>
-          <a:p>
-            <a:pPr algn="ctr"/>
-            <a:r>
-              <a:rPr lang="en-US" sz="1800" dirty="0"/>
-              <a:t>Training period for software adaptation</a:t>
-            </a:r>
-          </a:p>
-        </p:txBody>
-      </p:sp>
-      <p:sp>
-        <p:nvSpPr>
-          <p:cNvPr id="15" name="Rectangle 14">
-            <a:extLst>
-              <a:ext uri="{FF2B5EF4-FFF2-40B4-BE49-F238E27FC236}">
-                <a16:creationId xmlns:a16="http://schemas.microsoft.com/office/drawing/2014/main" id="{5120E5FA-C6FC-6C20-BDA3-268827DFB4D8}"/>
-              </a:ext>
-            </a:extLst>
-          </p:cNvPr>
-          <p:cNvSpPr/>
-          <p:nvPr/>
-        </p:nvSpPr>
-        <p:spPr>
-          <a:xfrm>
-            <a:off x="8601810" y="3434447"/>
-            <a:ext cx="2236177" cy="770791"/>
-          </a:xfrm>
-          <a:prstGeom prst="rect">
-            <a:avLst/>
-          </a:prstGeom>
-        </p:spPr>
-        <p:style>
-          <a:lnRef idx="2">
-            <a:schemeClr val="accent1">
-              <a:shade val="50000"/>
-            </a:schemeClr>
-          </a:lnRef>
-          <a:fillRef idx="1">
-            <a:schemeClr val="accent1"/>
-          </a:fillRef>
-          <a:effectRef idx="0">
-            <a:schemeClr val="accent1"/>
-          </a:effectRef>
-          <a:fontRef idx="minor">
-            <a:schemeClr val="lt1"/>
-          </a:fontRef>
-        </p:style>
-        <p:txBody>
-          <a:bodyPr rtlCol="0" anchor="ctr"/>
-          <a:lstStyle/>
-          <a:p>
-            <a:pPr algn="ctr"/>
-            <a:r>
-              <a:rPr lang="en-US" sz="1800" dirty="0"/>
-              <a:t>Difficult to build a perfect system</a:t>
-            </a:r>
-          </a:p>
-        </p:txBody>
-      </p:sp>
-      <p:sp>
-        <p:nvSpPr>
-          <p:cNvPr id="16" name="Rectangle 15">
-            <a:extLst>
-              <a:ext uri="{FF2B5EF4-FFF2-40B4-BE49-F238E27FC236}">
-                <a16:creationId xmlns:a16="http://schemas.microsoft.com/office/drawing/2014/main" id="{A3CAB5CD-EF5D-DAA4-483E-7CC7DF461A18}"/>
-              </a:ext>
-            </a:extLst>
-          </p:cNvPr>
-          <p:cNvSpPr/>
-          <p:nvPr/>
-        </p:nvSpPr>
-        <p:spPr>
-          <a:xfrm>
-            <a:off x="8601809" y="4482925"/>
-            <a:ext cx="2236177" cy="770792"/>
-          </a:xfrm>
-          <a:prstGeom prst="rect">
-            <a:avLst/>
-          </a:prstGeom>
-        </p:spPr>
-        <p:style>
-          <a:lnRef idx="2">
-            <a:schemeClr val="accent1">
-              <a:shade val="50000"/>
-            </a:schemeClr>
-          </a:lnRef>
-          <a:fillRef idx="1">
-            <a:schemeClr val="accent1"/>
-          </a:fillRef>
-          <a:effectRef idx="0">
-            <a:schemeClr val="accent1"/>
-          </a:effectRef>
-          <a:fontRef idx="minor">
-            <a:schemeClr val="lt1"/>
-          </a:fontRef>
-        </p:style>
-        <p:txBody>
-          <a:bodyPr rtlCol="0" anchor="ctr"/>
-          <a:lstStyle/>
-          <a:p>
-            <a:pPr algn="ctr"/>
-            <a:r>
-              <a:rPr lang="en-US" sz="1800" dirty="0"/>
-              <a:t>Slower throughput then with typing </a:t>
-            </a:r>
-          </a:p>
-        </p:txBody>
-      </p:sp>
-      <p:sp>
-        <p:nvSpPr>
-          <p:cNvPr id="17" name="Rectangle 16">
-            <a:extLst>
-              <a:ext uri="{FF2B5EF4-FFF2-40B4-BE49-F238E27FC236}">
-                <a16:creationId xmlns:a16="http://schemas.microsoft.com/office/drawing/2014/main" id="{15D3A747-57F7-5B00-4284-715051759342}"/>
-              </a:ext>
-            </a:extLst>
-          </p:cNvPr>
-          <p:cNvSpPr/>
-          <p:nvPr/>
-        </p:nvSpPr>
-        <p:spPr>
-          <a:xfrm>
-            <a:off x="8601809" y="5772469"/>
-            <a:ext cx="2236177" cy="829402"/>
-          </a:xfrm>
-          <a:prstGeom prst="rect">
-            <a:avLst/>
-          </a:prstGeom>
-        </p:spPr>
-        <p:style>
-          <a:lnRef idx="2">
-            <a:schemeClr val="accent1">
-              <a:shade val="50000"/>
-            </a:schemeClr>
-          </a:lnRef>
-          <a:fillRef idx="1">
-            <a:schemeClr val="accent1"/>
-          </a:fillRef>
-          <a:effectRef idx="0">
-            <a:schemeClr val="accent1"/>
-          </a:effectRef>
-          <a:fontRef idx="minor">
-            <a:schemeClr val="lt1"/>
-          </a:fontRef>
-        </p:style>
-        <p:txBody>
-          <a:bodyPr rtlCol="0" anchor="ctr"/>
-          <a:lstStyle/>
-          <a:p>
-            <a:pPr algn="ctr"/>
-            <a:r>
-              <a:rPr lang="en-US" sz="1800" dirty="0"/>
-              <a:t>Difficult to use is noisy environment </a:t>
-            </a:r>
-          </a:p>
-        </p:txBody>
-      </p:sp>
-      <p:sp>
-        <p:nvSpPr>
-          <p:cNvPr id="18" name="TextBox 17">
-            <a:extLst>
-              <a:ext uri="{FF2B5EF4-FFF2-40B4-BE49-F238E27FC236}">
-                <a16:creationId xmlns:a16="http://schemas.microsoft.com/office/drawing/2014/main" id="{347DA8B2-38FE-ACF0-99CB-63B1ABF1BC2A}"/>
-              </a:ext>
-            </a:extLst>
-          </p:cNvPr>
-          <p:cNvSpPr txBox="1"/>
-          <p:nvPr/>
-        </p:nvSpPr>
-        <p:spPr>
-          <a:xfrm>
-            <a:off x="609600" y="278558"/>
-            <a:ext cx="9544799" cy="830997"/>
-          </a:xfrm>
-          <a:prstGeom prst="rect">
-            <a:avLst/>
-          </a:prstGeom>
-          <a:noFill/>
-        </p:spPr>
-        <p:txBody>
-          <a:bodyPr wrap="square" rtlCol="0">
-            <a:spAutoFit/>
-          </a:bodyPr>
-          <a:lstStyle/>
-          <a:p>
-            <a:r>
-              <a:rPr lang="en-US" sz="4800" dirty="0">
-                <a:solidFill>
-                  <a:schemeClr val="bg1"/>
-                </a:solidFill>
-                <a:effectLst>
-                  <a:outerShdw blurRad="38100" dist="38100" dir="2700000" algn="tl">
-                    <a:srgbClr val="000000">
-                      <a:alpha val="43137"/>
-                    </a:srgbClr>
-                  </a:outerShdw>
-                </a:effectLst>
-              </a:rPr>
-              <a:t>Pros and cons of Speech Recognition</a:t>
-            </a:r>
-          </a:p>
-        </p:txBody>
-      </p:sp>
-      <p:cxnSp>
-        <p:nvCxnSpPr>
-          <p:cNvPr id="29" name="Straight Connector 28">
-            <a:extLst>
-              <a:ext uri="{FF2B5EF4-FFF2-40B4-BE49-F238E27FC236}">
-                <a16:creationId xmlns:a16="http://schemas.microsoft.com/office/drawing/2014/main" id="{85BCF16A-3C98-EF45-F261-4C954804495A}"/>
-              </a:ext>
-            </a:extLst>
-          </p:cNvPr>
-          <p:cNvCxnSpPr>
-            <a:stCxn id="6" idx="3"/>
-            <a:endCxn id="4" idx="4"/>
-          </p:cNvCxnSpPr>
-          <p:nvPr/>
-        </p:nvCxnSpPr>
-        <p:spPr>
-          <a:xfrm>
-            <a:off x="3379180" y="1722146"/>
-            <a:ext cx="1206743" cy="1428749"/>
-          </a:xfrm>
-          <a:prstGeom prst="line">
-            <a:avLst/>
-          </a:prstGeom>
-        </p:spPr>
-        <p:style>
-          <a:lnRef idx="1">
-            <a:schemeClr val="accent1"/>
-          </a:lnRef>
-          <a:fillRef idx="0">
-            <a:schemeClr val="accent1"/>
-          </a:fillRef>
-          <a:effectRef idx="0">
-            <a:schemeClr val="accent1"/>
-          </a:effectRef>
-          <a:fontRef idx="minor">
-            <a:schemeClr val="tx1"/>
-          </a:fontRef>
-        </p:style>
-      </p:cxnSp>
-      <p:cxnSp>
-        <p:nvCxnSpPr>
-          <p:cNvPr id="36" name="Straight Connector 35">
-            <a:extLst>
-              <a:ext uri="{FF2B5EF4-FFF2-40B4-BE49-F238E27FC236}">
-                <a16:creationId xmlns:a16="http://schemas.microsoft.com/office/drawing/2014/main" id="{A3B18BD4-0689-BA8B-152A-99F5E7E2A5CD}"/>
-              </a:ext>
-            </a:extLst>
-          </p:cNvPr>
-          <p:cNvCxnSpPr/>
-          <p:nvPr/>
-        </p:nvCxnSpPr>
-        <p:spPr>
-          <a:xfrm>
-            <a:off x="3434127" y="2652663"/>
-            <a:ext cx="914400" cy="914400"/>
-          </a:xfrm>
-          <a:prstGeom prst="line">
-            <a:avLst/>
-          </a:prstGeom>
-        </p:spPr>
-        <p:style>
-          <a:lnRef idx="1">
-            <a:schemeClr val="accent1"/>
-          </a:lnRef>
-          <a:fillRef idx="0">
-            <a:schemeClr val="accent1"/>
-          </a:fillRef>
-          <a:effectRef idx="0">
-            <a:schemeClr val="accent1"/>
-          </a:effectRef>
-          <a:fontRef idx="minor">
-            <a:schemeClr val="tx1"/>
-          </a:fontRef>
-        </p:style>
-      </p:cxnSp>
-      <p:cxnSp>
-        <p:nvCxnSpPr>
-          <p:cNvPr id="37" name="Straight Connector 36">
-            <a:extLst>
-              <a:ext uri="{FF2B5EF4-FFF2-40B4-BE49-F238E27FC236}">
-                <a16:creationId xmlns:a16="http://schemas.microsoft.com/office/drawing/2014/main" id="{9F695F62-E1E5-A1C9-B7B8-E68747185D08}"/>
-              </a:ext>
-            </a:extLst>
-          </p:cNvPr>
-          <p:cNvCxnSpPr>
-            <a:cxnSpLocks/>
-            <a:stCxn id="10" idx="3"/>
-            <a:endCxn id="4" idx="3"/>
-          </p:cNvCxnSpPr>
-          <p:nvPr/>
-        </p:nvCxnSpPr>
-        <p:spPr>
-          <a:xfrm>
-            <a:off x="3440724" y="3757564"/>
-            <a:ext cx="782517" cy="118696"/>
-          </a:xfrm>
-          <a:prstGeom prst="line">
-            <a:avLst/>
-          </a:prstGeom>
-        </p:spPr>
-        <p:style>
-          <a:lnRef idx="1">
-            <a:schemeClr val="accent1"/>
-          </a:lnRef>
-          <a:fillRef idx="0">
-            <a:schemeClr val="accent1"/>
-          </a:fillRef>
-          <a:effectRef idx="0">
-            <a:schemeClr val="accent1"/>
-          </a:effectRef>
-          <a:fontRef idx="minor">
-            <a:schemeClr val="tx1"/>
-          </a:fontRef>
-        </p:style>
-      </p:cxnSp>
-      <p:cxnSp>
-        <p:nvCxnSpPr>
-          <p:cNvPr id="40" name="Straight Connector 39">
-            <a:extLst>
-              <a:ext uri="{FF2B5EF4-FFF2-40B4-BE49-F238E27FC236}">
-                <a16:creationId xmlns:a16="http://schemas.microsoft.com/office/drawing/2014/main" id="{5692A7A3-A906-D2D4-8659-14D1F4CF95CF}"/>
-              </a:ext>
-            </a:extLst>
-          </p:cNvPr>
-          <p:cNvCxnSpPr>
-            <a:cxnSpLocks/>
-            <a:stCxn id="11" idx="3"/>
-          </p:cNvCxnSpPr>
-          <p:nvPr/>
-        </p:nvCxnSpPr>
-        <p:spPr>
-          <a:xfrm flipV="1">
-            <a:off x="3440723" y="4205238"/>
-            <a:ext cx="969349" cy="781782"/>
-          </a:xfrm>
-          <a:prstGeom prst="line">
-            <a:avLst/>
-          </a:prstGeom>
-        </p:spPr>
-        <p:style>
-          <a:lnRef idx="1">
-            <a:schemeClr val="accent1"/>
-          </a:lnRef>
-          <a:fillRef idx="0">
-            <a:schemeClr val="accent1"/>
-          </a:fillRef>
-          <a:effectRef idx="0">
-            <a:schemeClr val="accent1"/>
-          </a:effectRef>
-          <a:fontRef idx="minor">
-            <a:schemeClr val="tx1"/>
-          </a:fontRef>
-        </p:style>
-      </p:cxnSp>
-      <p:cxnSp>
-        <p:nvCxnSpPr>
-          <p:cNvPr id="43" name="Straight Connector 42">
-            <a:extLst>
-              <a:ext uri="{FF2B5EF4-FFF2-40B4-BE49-F238E27FC236}">
-                <a16:creationId xmlns:a16="http://schemas.microsoft.com/office/drawing/2014/main" id="{2658B77C-56B3-8BA7-B3DC-BC59489578DB}"/>
-              </a:ext>
-            </a:extLst>
-          </p:cNvPr>
-          <p:cNvCxnSpPr>
-            <a:cxnSpLocks/>
-            <a:stCxn id="12" idx="3"/>
-            <a:endCxn id="4" idx="2"/>
-          </p:cNvCxnSpPr>
-          <p:nvPr/>
-        </p:nvCxnSpPr>
-        <p:spPr>
-          <a:xfrm flipV="1">
-            <a:off x="3440723" y="4601624"/>
-            <a:ext cx="1145200" cy="1614852"/>
-          </a:xfrm>
-          <a:prstGeom prst="line">
-            <a:avLst/>
-          </a:prstGeom>
-        </p:spPr>
-        <p:style>
-          <a:lnRef idx="1">
-            <a:schemeClr val="accent1"/>
-          </a:lnRef>
-          <a:fillRef idx="0">
-            <a:schemeClr val="accent1"/>
-          </a:fillRef>
-          <a:effectRef idx="0">
-            <a:schemeClr val="accent1"/>
-          </a:effectRef>
-          <a:fontRef idx="minor">
-            <a:schemeClr val="tx1"/>
-          </a:fontRef>
-        </p:style>
-      </p:cxnSp>
-      <p:cxnSp>
-        <p:nvCxnSpPr>
-          <p:cNvPr id="47" name="Straight Connector 46">
-            <a:extLst>
-              <a:ext uri="{FF2B5EF4-FFF2-40B4-BE49-F238E27FC236}">
-                <a16:creationId xmlns:a16="http://schemas.microsoft.com/office/drawing/2014/main" id="{B6AD1822-49B1-064F-98EF-D44BFE10C4EC}"/>
-              </a:ext>
-            </a:extLst>
-          </p:cNvPr>
-          <p:cNvCxnSpPr>
-            <a:cxnSpLocks/>
-            <a:stCxn id="13" idx="1"/>
-            <a:endCxn id="5" idx="5"/>
-          </p:cNvCxnSpPr>
-          <p:nvPr/>
-        </p:nvCxnSpPr>
-        <p:spPr>
-          <a:xfrm flipH="1">
-            <a:off x="7201636" y="1795414"/>
-            <a:ext cx="1400174" cy="1355481"/>
-          </a:xfrm>
-          <a:prstGeom prst="line">
-            <a:avLst/>
-          </a:prstGeom>
-        </p:spPr>
-        <p:style>
-          <a:lnRef idx="1">
-            <a:schemeClr val="accent1"/>
-          </a:lnRef>
-          <a:fillRef idx="0">
-            <a:schemeClr val="accent1"/>
-          </a:fillRef>
-          <a:effectRef idx="0">
-            <a:schemeClr val="accent1"/>
-          </a:effectRef>
-          <a:fontRef idx="minor">
-            <a:schemeClr val="tx1"/>
-          </a:fontRef>
-        </p:style>
-      </p:cxnSp>
-      <p:cxnSp>
-        <p:nvCxnSpPr>
-          <p:cNvPr id="50" name="Straight Connector 49">
-            <a:extLst>
-              <a:ext uri="{FF2B5EF4-FFF2-40B4-BE49-F238E27FC236}">
-                <a16:creationId xmlns:a16="http://schemas.microsoft.com/office/drawing/2014/main" id="{1F34A7A3-5E06-9D37-A0DD-817975001545}"/>
-              </a:ext>
-            </a:extLst>
-          </p:cNvPr>
-          <p:cNvCxnSpPr>
-            <a:cxnSpLocks/>
-            <a:stCxn id="14" idx="1"/>
-          </p:cNvCxnSpPr>
-          <p:nvPr/>
-        </p:nvCxnSpPr>
-        <p:spPr>
-          <a:xfrm flipH="1">
-            <a:off x="7410449" y="2822648"/>
-            <a:ext cx="1191361" cy="724636"/>
-          </a:xfrm>
-          <a:prstGeom prst="line">
-            <a:avLst/>
-          </a:prstGeom>
-        </p:spPr>
-        <p:style>
-          <a:lnRef idx="1">
-            <a:schemeClr val="accent1"/>
-          </a:lnRef>
-          <a:fillRef idx="0">
-            <a:schemeClr val="accent1"/>
-          </a:fillRef>
-          <a:effectRef idx="0">
-            <a:schemeClr val="accent1"/>
-          </a:effectRef>
-          <a:fontRef idx="minor">
-            <a:schemeClr val="tx1"/>
-          </a:fontRef>
-        </p:style>
-      </p:cxnSp>
-      <p:cxnSp>
-        <p:nvCxnSpPr>
-          <p:cNvPr id="53" name="Straight Connector 52">
-            <a:extLst>
-              <a:ext uri="{FF2B5EF4-FFF2-40B4-BE49-F238E27FC236}">
-                <a16:creationId xmlns:a16="http://schemas.microsoft.com/office/drawing/2014/main" id="{E00F5874-BF72-6095-19B5-1F202DA63F71}"/>
-              </a:ext>
-            </a:extLst>
-          </p:cNvPr>
-          <p:cNvCxnSpPr>
-            <a:cxnSpLocks/>
-            <a:stCxn id="15" idx="1"/>
-            <a:endCxn id="5" idx="0"/>
-          </p:cNvCxnSpPr>
-          <p:nvPr/>
-        </p:nvCxnSpPr>
-        <p:spPr>
-          <a:xfrm flipH="1">
-            <a:off x="7564318" y="3819843"/>
-            <a:ext cx="1037492" cy="56417"/>
-          </a:xfrm>
-          <a:prstGeom prst="line">
-            <a:avLst/>
-          </a:prstGeom>
-        </p:spPr>
-        <p:style>
-          <a:lnRef idx="1">
-            <a:schemeClr val="accent1"/>
-          </a:lnRef>
-          <a:fillRef idx="0">
-            <a:schemeClr val="accent1"/>
-          </a:fillRef>
-          <a:effectRef idx="0">
-            <a:schemeClr val="accent1"/>
-          </a:effectRef>
-          <a:fontRef idx="minor">
-            <a:schemeClr val="tx1"/>
-          </a:fontRef>
-        </p:style>
-      </p:cxnSp>
-      <p:cxnSp>
-        <p:nvCxnSpPr>
-          <p:cNvPr id="56" name="Straight Connector 55">
-            <a:extLst>
-              <a:ext uri="{FF2B5EF4-FFF2-40B4-BE49-F238E27FC236}">
-                <a16:creationId xmlns:a16="http://schemas.microsoft.com/office/drawing/2014/main" id="{BBEB4C58-E3C3-4F63-5B97-B010C17B8E79}"/>
-              </a:ext>
-            </a:extLst>
-          </p:cNvPr>
-          <p:cNvCxnSpPr>
-            <a:cxnSpLocks/>
-            <a:stCxn id="16" idx="1"/>
-          </p:cNvCxnSpPr>
-          <p:nvPr/>
-        </p:nvCxnSpPr>
-        <p:spPr>
-          <a:xfrm flipH="1" flipV="1">
-            <a:off x="7355501" y="4205238"/>
-            <a:ext cx="1246308" cy="663083"/>
-          </a:xfrm>
-          <a:prstGeom prst="line">
-            <a:avLst/>
-          </a:prstGeom>
-        </p:spPr>
-        <p:style>
-          <a:lnRef idx="1">
-            <a:schemeClr val="accent1"/>
-          </a:lnRef>
-          <a:fillRef idx="0">
-            <a:schemeClr val="accent1"/>
-          </a:fillRef>
-          <a:effectRef idx="0">
-            <a:schemeClr val="accent1"/>
-          </a:effectRef>
-          <a:fontRef idx="minor">
-            <a:schemeClr val="tx1"/>
-          </a:fontRef>
-        </p:style>
-      </p:cxnSp>
-      <p:cxnSp>
-        <p:nvCxnSpPr>
-          <p:cNvPr id="59" name="Straight Connector 58">
-            <a:extLst>
-              <a:ext uri="{FF2B5EF4-FFF2-40B4-BE49-F238E27FC236}">
-                <a16:creationId xmlns:a16="http://schemas.microsoft.com/office/drawing/2014/main" id="{012F55BD-1323-8E92-413E-5103BE504197}"/>
-              </a:ext>
-            </a:extLst>
-          </p:cNvPr>
-          <p:cNvCxnSpPr>
-            <a:cxnSpLocks/>
-            <a:stCxn id="17" idx="1"/>
-            <a:endCxn id="5" idx="1"/>
-          </p:cNvCxnSpPr>
-          <p:nvPr/>
-        </p:nvCxnSpPr>
-        <p:spPr>
-          <a:xfrm flipH="1" flipV="1">
-            <a:off x="7201636" y="4601624"/>
-            <a:ext cx="1400173" cy="1585546"/>
-          </a:xfrm>
-          <a:prstGeom prst="line">
-            <a:avLst/>
-          </a:prstGeom>
-        </p:spPr>
-        <p:style>
-          <a:lnRef idx="1">
-            <a:schemeClr val="accent1"/>
-          </a:lnRef>
-          <a:fillRef idx="0">
-            <a:schemeClr val="accent1"/>
-          </a:fillRef>
-          <a:effectRef idx="0">
-            <a:schemeClr val="accent1"/>
-          </a:effectRef>
-          <a:fontRef idx="minor">
-            <a:schemeClr val="tx1"/>
-          </a:fontRef>
-        </p:style>
-      </p:cxnSp>
-      <p:sp>
-        <p:nvSpPr>
-          <p:cNvPr id="62" name="Slide Number Placeholder 61">
-            <a:extLst>
-              <a:ext uri="{FF2B5EF4-FFF2-40B4-BE49-F238E27FC236}">
-                <a16:creationId xmlns:a16="http://schemas.microsoft.com/office/drawing/2014/main" id="{77DD405B-9EF8-75F2-EBA7-12A752BAFF1E}"/>
+                <a16:creationId xmlns:a16="http://schemas.microsoft.com/office/drawing/2014/main" id="{DFDE93CD-0F69-87E6-65E3-35C5280F5679}"/>
               </a:ext>
             </a:extLst>
           </p:cNvPr>
@@ -38699,10 +37224,40 @@
           </a:p>
         </p:txBody>
       </p:sp>
+      <p:pic>
+        <p:nvPicPr>
+          <p:cNvPr id="9" name="תמונה 8">
+            <a:extLst>
+              <a:ext uri="{FF2B5EF4-FFF2-40B4-BE49-F238E27FC236}">
+                <a16:creationId xmlns:a16="http://schemas.microsoft.com/office/drawing/2014/main" id="{2E064E81-5498-F521-672D-428907A7D2B0}"/>
+              </a:ext>
+            </a:extLst>
+          </p:cNvPr>
+          <p:cNvPicPr>
+            <a:picLocks noChangeAspect="1"/>
+          </p:cNvPicPr>
+          <p:nvPr/>
+        </p:nvPicPr>
+        <p:blipFill>
+          <a:blip r:embed="rId3"/>
+          <a:stretch>
+            <a:fillRect/>
+          </a:stretch>
+        </p:blipFill>
+        <p:spPr>
+          <a:xfrm>
+            <a:off x="3164512" y="3782921"/>
+            <a:ext cx="5862972" cy="2755992"/>
+          </a:xfrm>
+          <a:prstGeom prst="rect">
+            <a:avLst/>
+          </a:prstGeom>
+        </p:spPr>
+      </p:pic>
     </p:spTree>
     <p:extLst>
       <p:ext uri="{BB962C8B-B14F-4D97-AF65-F5344CB8AC3E}">
-        <p14:creationId xmlns:p14="http://schemas.microsoft.com/office/powerpoint/2010/main" val="1880309718"/>
+        <p14:creationId xmlns:p14="http://schemas.microsoft.com/office/powerpoint/2010/main" val="3090081837"/>
       </p:ext>
     </p:extLst>
   </p:cSld>
@@ -38743,10 +37298,10 @@
       </p:grpSpPr>
       <p:sp>
         <p:nvSpPr>
-          <p:cNvPr id="2" name="Title 1">
+          <p:cNvPr id="2" name="כותרת 1">
             <a:extLst>
               <a:ext uri="{FF2B5EF4-FFF2-40B4-BE49-F238E27FC236}">
-                <a16:creationId xmlns:a16="http://schemas.microsoft.com/office/drawing/2014/main" id="{74E7C890-08D4-D69A-A72A-AEF8AFB82EEA}"/>
+                <a16:creationId xmlns:a16="http://schemas.microsoft.com/office/drawing/2014/main" id="{1CE9A321-B345-F2B9-E45B-392FA4BA21DF}"/>
               </a:ext>
             </a:extLst>
           </p:cNvPr>
@@ -38764,17 +37319,18 @@
           <a:p>
             <a:r>
               <a:rPr lang="en-US" dirty="0"/>
-              <a:t>Motivation</a:t>
-            </a:r>
-          </a:p>
-        </p:txBody>
-      </p:sp>
-      <p:sp>
-        <p:nvSpPr>
-          <p:cNvPr id="3" name="Content Placeholder 2">
+              <a:t>The problem</a:t>
+            </a:r>
+            <a:endParaRPr lang="he-IL" dirty="0"/>
+          </a:p>
+        </p:txBody>
+      </p:sp>
+      <p:sp>
+        <p:nvSpPr>
+          <p:cNvPr id="3" name="מציין מיקום תוכן 2">
             <a:extLst>
               <a:ext uri="{FF2B5EF4-FFF2-40B4-BE49-F238E27FC236}">
-                <a16:creationId xmlns:a16="http://schemas.microsoft.com/office/drawing/2014/main" id="{A9521730-AFE5-B2CE-3868-FFA60AB1032D}"/>
+                <a16:creationId xmlns:a16="http://schemas.microsoft.com/office/drawing/2014/main" id="{13805CE6-5199-DCB1-2DE3-BB39D0005AC4}"/>
               </a:ext>
             </a:extLst>
           </p:cNvPr>
@@ -38787,71 +37343,42 @@
         </p:nvSpPr>
         <p:spPr>
           <a:xfrm>
-            <a:off x="662354" y="2049462"/>
-            <a:ext cx="10354408" cy="3329934"/>
+            <a:off x="533577" y="1800147"/>
+            <a:ext cx="7158813" cy="1018032"/>
           </a:xfrm>
         </p:spPr>
         <p:txBody>
           <a:bodyPr>
-            <a:noAutofit/>
+            <a:normAutofit/>
           </a:bodyPr>
           <a:lstStyle/>
           <a:p>
             <a:r>
-              <a:rPr lang="en-US" sz="2400" dirty="0"/>
-              <a:t>Voice is the future</a:t>
-            </a:r>
-          </a:p>
-          <a:p>
-            <a:endParaRPr lang="en-US" sz="2400" dirty="0"/>
-          </a:p>
-          <a:p>
-            <a:r>
-              <a:rPr lang="en-US" sz="2400" dirty="0"/>
-              <a:t>Website accessibility for people with disabilities</a:t>
-            </a:r>
-          </a:p>
-          <a:p>
-            <a:pPr marL="0" indent="0">
-              <a:buNone/>
-            </a:pPr>
-            <a:endParaRPr lang="en-US" sz="2400" dirty="0"/>
-          </a:p>
-          <a:p>
-            <a:r>
-              <a:rPr lang="en-US" sz="2400" dirty="0"/>
-              <a:t>Advanced technology for a contemporary needs</a:t>
-            </a:r>
-          </a:p>
-          <a:p>
-            <a:pPr marL="0" indent="0">
-              <a:buNone/>
-            </a:pPr>
-            <a:endParaRPr lang="en-US" sz="2400" dirty="0"/>
-          </a:p>
-          <a:p>
-            <a:r>
-              <a:rPr lang="en-US" sz="2400" dirty="0"/>
-              <a:t>Improved comfort for speech recognition</a:t>
-            </a:r>
-          </a:p>
-          <a:p>
-            <a:pPr marL="0" indent="0">
-              <a:buNone/>
-            </a:pPr>
-            <a:r>
-              <a:rPr lang="en-US" sz="2400" dirty="0"/>
-              <a:t>   </a:t>
-            </a:r>
-          </a:p>
-        </p:txBody>
-      </p:sp>
-      <p:sp>
-        <p:nvSpPr>
-          <p:cNvPr id="4" name="Slide Number Placeholder 3">
+              <a:rPr lang="en-US" sz="3000" dirty="0"/>
+              <a:t>The main problem is inconsistency between </a:t>
+            </a:r>
+            <a:r>
+              <a:rPr lang="en-US" sz="3000" b="1" dirty="0"/>
+              <a:t>speech</a:t>
+            </a:r>
+            <a:r>
+              <a:rPr lang="en-US" sz="3000" dirty="0"/>
+              <a:t> and the </a:t>
+            </a:r>
+            <a:r>
+              <a:rPr lang="en-US" sz="3000" b="1" dirty="0"/>
+              <a:t>generated text</a:t>
+            </a:r>
+            <a:endParaRPr lang="he-IL" sz="3000" b="1" dirty="0"/>
+          </a:p>
+        </p:txBody>
+      </p:sp>
+      <p:sp>
+        <p:nvSpPr>
+          <p:cNvPr id="4" name="מציין מיקום של מספר שקופית 3">
             <a:extLst>
               <a:ext uri="{FF2B5EF4-FFF2-40B4-BE49-F238E27FC236}">
-                <a16:creationId xmlns:a16="http://schemas.microsoft.com/office/drawing/2014/main" id="{DFDE93CD-0F69-87E6-65E3-35C5280F5679}"/>
+                <a16:creationId xmlns:a16="http://schemas.microsoft.com/office/drawing/2014/main" id="{13431BD6-AFD7-A39A-0D61-1BD81D9B8139}"/>
               </a:ext>
             </a:extLst>
           </p:cNvPr>
@@ -38867,18 +37394,233 @@
           <a:bodyPr/>
           <a:lstStyle/>
           <a:p>
-            <a:fld id="{9441F5BE-6670-48B1-A994-D8FDFBF156C8}" type="slidenum">
+            <a:fld id="{6D22F896-40B5-4ADD-8801-0D06FADFA095}" type="slidenum">
               <a:rPr lang="en-US" smtClean="0"/>
               <a:t>4</a:t>
             </a:fld>
-            <a:endParaRPr lang="en-US"/>
-          </a:p>
-        </p:txBody>
-      </p:sp>
+            <a:endParaRPr lang="en-US" dirty="0"/>
+          </a:p>
+        </p:txBody>
+      </p:sp>
+      <p:pic>
+        <p:nvPicPr>
+          <p:cNvPr id="5" name="Graphic 5" descr="Voice with solid fill">
+            <a:extLst>
+              <a:ext uri="{FF2B5EF4-FFF2-40B4-BE49-F238E27FC236}">
+                <a16:creationId xmlns:a16="http://schemas.microsoft.com/office/drawing/2014/main" id="{EB3F154A-0BD8-4543-2607-2B38BFA1D582}"/>
+              </a:ext>
+            </a:extLst>
+          </p:cNvPr>
+          <p:cNvPicPr>
+            <a:picLocks noChangeAspect="1"/>
+          </p:cNvPicPr>
+          <p:nvPr/>
+        </p:nvPicPr>
+        <p:blipFill>
+          <a:blip r:embed="rId3">
+            <a:extLst>
+              <a:ext uri="{28A0092B-C50C-407E-A947-70E740481C1C}">
+                <a14:useLocalDpi xmlns:a14="http://schemas.microsoft.com/office/drawing/2010/main" val="0"/>
+              </a:ext>
+              <a:ext uri="{96DAC541-7B7A-43D3-8B79-37D633B846F1}">
+                <asvg:svgBlip xmlns:asvg="http://schemas.microsoft.com/office/drawing/2016/SVG/main" r:embed="rId4"/>
+              </a:ext>
+            </a:extLst>
+          </a:blip>
+          <a:stretch>
+            <a:fillRect/>
+          </a:stretch>
+        </p:blipFill>
+        <p:spPr>
+          <a:xfrm>
+            <a:off x="4407375" y="4198766"/>
+            <a:ext cx="914400" cy="914400"/>
+          </a:xfrm>
+          <a:prstGeom prst="rect">
+            <a:avLst/>
+          </a:prstGeom>
+        </p:spPr>
+      </p:pic>
+      <p:sp>
+        <p:nvSpPr>
+          <p:cNvPr id="6" name="TextBox 14">
+            <a:extLst>
+              <a:ext uri="{FF2B5EF4-FFF2-40B4-BE49-F238E27FC236}">
+                <a16:creationId xmlns:a16="http://schemas.microsoft.com/office/drawing/2014/main" id="{C8D925B0-A5E7-095D-9A41-24AE0401C627}"/>
+              </a:ext>
+            </a:extLst>
+          </p:cNvPr>
+          <p:cNvSpPr txBox="1"/>
+          <p:nvPr/>
+        </p:nvSpPr>
+        <p:spPr>
+          <a:xfrm>
+            <a:off x="3905385" y="3671455"/>
+            <a:ext cx="2534321" cy="707886"/>
+          </a:xfrm>
+          <a:prstGeom prst="rect">
+            <a:avLst/>
+          </a:prstGeom>
+          <a:noFill/>
+        </p:spPr>
+        <p:txBody>
+          <a:bodyPr wrap="square" rtlCol="0">
+            <a:spAutoFit/>
+          </a:bodyPr>
+          <a:lstStyle/>
+          <a:p>
+            <a:r>
+              <a:rPr lang="en-US" sz="2000" dirty="0"/>
+              <a:t>“Show me all action  movies in Haifa” </a:t>
+            </a:r>
+          </a:p>
+        </p:txBody>
+      </p:sp>
+      <p:pic>
+        <p:nvPicPr>
+          <p:cNvPr id="8" name="תמונה 7">
+            <a:extLst>
+              <a:ext uri="{FF2B5EF4-FFF2-40B4-BE49-F238E27FC236}">
+                <a16:creationId xmlns:a16="http://schemas.microsoft.com/office/drawing/2014/main" id="{5C328E5B-FA65-7DC4-D1C6-6E21C404D862}"/>
+              </a:ext>
+            </a:extLst>
+          </p:cNvPr>
+          <p:cNvPicPr>
+            <a:picLocks noChangeAspect="1"/>
+          </p:cNvPicPr>
+          <p:nvPr/>
+        </p:nvPicPr>
+        <p:blipFill>
+          <a:blip r:embed="rId5"/>
+          <a:stretch>
+            <a:fillRect/>
+          </a:stretch>
+        </p:blipFill>
+        <p:spPr>
+          <a:xfrm>
+            <a:off x="627302" y="3429000"/>
+            <a:ext cx="2951334" cy="2008762"/>
+          </a:xfrm>
+          <a:prstGeom prst="rect">
+            <a:avLst/>
+          </a:prstGeom>
+        </p:spPr>
+      </p:pic>
+      <p:sp>
+        <p:nvSpPr>
+          <p:cNvPr id="9" name="חץ: ימינה 8">
+            <a:extLst>
+              <a:ext uri="{FF2B5EF4-FFF2-40B4-BE49-F238E27FC236}">
+                <a16:creationId xmlns:a16="http://schemas.microsoft.com/office/drawing/2014/main" id="{B534062B-0FAA-79F0-61B5-F66ED0607C67}"/>
+              </a:ext>
+            </a:extLst>
+          </p:cNvPr>
+          <p:cNvSpPr/>
+          <p:nvPr/>
+        </p:nvSpPr>
+        <p:spPr>
+          <a:xfrm>
+            <a:off x="6027153" y="4379341"/>
+            <a:ext cx="739302" cy="86303"/>
+          </a:xfrm>
+          <a:prstGeom prst="rightArrow">
+            <a:avLst/>
+          </a:prstGeom>
+        </p:spPr>
+        <p:style>
+          <a:lnRef idx="2">
+            <a:schemeClr val="accent1">
+              <a:shade val="50000"/>
+            </a:schemeClr>
+          </a:lnRef>
+          <a:fillRef idx="1">
+            <a:schemeClr val="accent1"/>
+          </a:fillRef>
+          <a:effectRef idx="0">
+            <a:schemeClr val="accent1"/>
+          </a:effectRef>
+          <a:fontRef idx="minor">
+            <a:schemeClr val="lt1"/>
+          </a:fontRef>
+        </p:style>
+        <p:txBody>
+          <a:bodyPr rtlCol="1" anchor="ctr"/>
+          <a:lstStyle/>
+          <a:p>
+            <a:pPr algn="ctr"/>
+            <a:endParaRPr lang="he-IL"/>
+          </a:p>
+        </p:txBody>
+      </p:sp>
+      <p:sp>
+        <p:nvSpPr>
+          <p:cNvPr id="10" name="TextBox 14">
+            <a:extLst>
+              <a:ext uri="{FF2B5EF4-FFF2-40B4-BE49-F238E27FC236}">
+                <a16:creationId xmlns:a16="http://schemas.microsoft.com/office/drawing/2014/main" id="{477DBBC7-68DF-3162-7D31-BC777D48A202}"/>
+              </a:ext>
+            </a:extLst>
+          </p:cNvPr>
+          <p:cNvSpPr txBox="1"/>
+          <p:nvPr/>
+        </p:nvSpPr>
+        <p:spPr>
+          <a:xfrm>
+            <a:off x="6966932" y="4111701"/>
+            <a:ext cx="2308608" cy="707886"/>
+          </a:xfrm>
+          <a:prstGeom prst="rect">
+            <a:avLst/>
+          </a:prstGeom>
+          <a:noFill/>
+        </p:spPr>
+        <p:txBody>
+          <a:bodyPr wrap="square" rtlCol="0">
+            <a:spAutoFit/>
+          </a:bodyPr>
+          <a:lstStyle/>
+          <a:p>
+            <a:r>
+              <a:rPr lang="en-US" sz="2000" dirty="0"/>
+              <a:t>“Shoe ne tall novies in taifa”</a:t>
+            </a:r>
+          </a:p>
+        </p:txBody>
+      </p:sp>
+      <p:pic>
+        <p:nvPicPr>
+          <p:cNvPr id="12" name="תמונה 11">
+            <a:extLst>
+              <a:ext uri="{FF2B5EF4-FFF2-40B4-BE49-F238E27FC236}">
+                <a16:creationId xmlns:a16="http://schemas.microsoft.com/office/drawing/2014/main" id="{EF1D2E2D-20BB-2A2D-9FAD-8C2298C4A917}"/>
+              </a:ext>
+            </a:extLst>
+          </p:cNvPr>
+          <p:cNvPicPr>
+            <a:picLocks noChangeAspect="1"/>
+          </p:cNvPicPr>
+          <p:nvPr/>
+        </p:nvPicPr>
+        <p:blipFill>
+          <a:blip r:embed="rId6"/>
+          <a:stretch>
+            <a:fillRect/>
+          </a:stretch>
+        </p:blipFill>
+        <p:spPr>
+          <a:xfrm>
+            <a:off x="9626562" y="3429000"/>
+            <a:ext cx="1630821" cy="1684166"/>
+          </a:xfrm>
+          <a:prstGeom prst="rect">
+            <a:avLst/>
+          </a:prstGeom>
+        </p:spPr>
+      </p:pic>
     </p:spTree>
     <p:extLst>
       <p:ext uri="{BB962C8B-B14F-4D97-AF65-F5344CB8AC3E}">
-        <p14:creationId xmlns:p14="http://schemas.microsoft.com/office/powerpoint/2010/main" val="3090081837"/>
+        <p14:creationId xmlns:p14="http://schemas.microsoft.com/office/powerpoint/2010/main" val="2173972848"/>
       </p:ext>
     </p:extLst>
   </p:cSld>
@@ -38922,7 +37664,7 @@
           <p:cNvPr id="2" name="Title 1">
             <a:extLst>
               <a:ext uri="{FF2B5EF4-FFF2-40B4-BE49-F238E27FC236}">
-                <a16:creationId xmlns:a16="http://schemas.microsoft.com/office/drawing/2014/main" id="{3B04F2DC-4F98-9DF6-25CB-F2A4C3B6CCDB}"/>
+                <a16:creationId xmlns:a16="http://schemas.microsoft.com/office/drawing/2014/main" id="{6AE013EB-7920-D626-0711-F3F0841553C1}"/>
               </a:ext>
             </a:extLst>
           </p:cNvPr>
@@ -38939,118 +37681,18 @@
           <a:lstStyle/>
           <a:p>
             <a:r>
-              <a:rPr lang="en-US" dirty="0">
-                <a:latin typeface="+mn-lt"/>
-              </a:rPr>
-              <a:t>Our Solution:</a:t>
-            </a:r>
-          </a:p>
-        </p:txBody>
-      </p:sp>
-      <p:sp>
-        <p:nvSpPr>
-          <p:cNvPr id="3" name="Content Placeholder 2">
+              <a:rPr lang="en-US" dirty="0"/>
+              <a:t>Our Solution</a:t>
+            </a:r>
+          </a:p>
+        </p:txBody>
+      </p:sp>
+      <p:sp>
+        <p:nvSpPr>
+          <p:cNvPr id="6" name="Slide Number Placeholder 5">
             <a:extLst>
               <a:ext uri="{FF2B5EF4-FFF2-40B4-BE49-F238E27FC236}">
-                <a16:creationId xmlns:a16="http://schemas.microsoft.com/office/drawing/2014/main" id="{FC65E55A-AE52-E999-B2B8-58E7B056F1D9}"/>
-              </a:ext>
-            </a:extLst>
-          </p:cNvPr>
-          <p:cNvSpPr>
-            <a:spLocks noGrp="1"/>
-          </p:cNvSpPr>
-          <p:nvPr>
-            <p:ph idx="1"/>
-          </p:nvPr>
-        </p:nvSpPr>
-        <p:spPr>
-          <a:xfrm>
-            <a:off x="595008" y="1876783"/>
-            <a:ext cx="11139472" cy="4328990"/>
-          </a:xfrm>
-        </p:spPr>
-        <p:txBody>
-          <a:bodyPr>
-            <a:normAutofit/>
-          </a:bodyPr>
-          <a:lstStyle/>
-          <a:p>
-            <a:r>
-              <a:rPr lang="en-US" sz="2400" dirty="0">
-                <a:effectLst/>
-                <a:ea typeface="Calibri" panose="020F0502020204030204" pitchFamily="34" charset="0"/>
-                <a:cs typeface="Arial" panose="020B0604020202020204" pitchFamily="34" charset="0"/>
-              </a:rPr>
-              <a:t>Our idea is to </a:t>
-            </a:r>
-            <a:r>
-              <a:rPr lang="en-US" sz="2400" b="1" dirty="0">
-                <a:effectLst/>
-                <a:ea typeface="Calibri" panose="020F0502020204030204" pitchFamily="34" charset="0"/>
-                <a:cs typeface="Arial" panose="020B0604020202020204" pitchFamily="34" charset="0"/>
-              </a:rPr>
-              <a:t>develop a mobile web service</a:t>
-            </a:r>
-            <a:r>
-              <a:rPr lang="en-US" sz="2400" dirty="0">
-                <a:effectLst/>
-                <a:ea typeface="Calibri" panose="020F0502020204030204" pitchFamily="34" charset="0"/>
-                <a:cs typeface="Arial" panose="020B0604020202020204" pitchFamily="34" charset="0"/>
-              </a:rPr>
-              <a:t>, which will be based on an existing model of artificial intelligence for speech recognition (Google speech-to-text API).</a:t>
-            </a:r>
-          </a:p>
-          <a:p>
-            <a:pPr marL="0" indent="0">
-              <a:buNone/>
-            </a:pPr>
-            <a:endParaRPr lang="en-US" sz="2400" dirty="0">
-              <a:effectLst/>
-              <a:ea typeface="Calibri" panose="020F0502020204030204" pitchFamily="34" charset="0"/>
-              <a:cs typeface="Arial" panose="020B0604020202020204" pitchFamily="34" charset="0"/>
-            </a:endParaRPr>
-          </a:p>
-          <a:p>
-            <a:r>
-              <a:rPr lang="en-US" sz="2400" dirty="0">
-                <a:effectLst/>
-                <a:ea typeface="Calibri" panose="020F0502020204030204" pitchFamily="34" charset="0"/>
-                <a:cs typeface="Arial" panose="020B0604020202020204" pitchFamily="34" charset="0"/>
-              </a:rPr>
-              <a:t>The purpose is to create an external component named “SpeakEasy” suitable to any website, in order to control all the functionality that the website offers by speech commands.</a:t>
-            </a:r>
-          </a:p>
-          <a:p>
-            <a:pPr marL="0" indent="0">
-              <a:buNone/>
-            </a:pPr>
-            <a:endParaRPr lang="en-US" sz="2400" dirty="0">
-              <a:effectLst/>
-              <a:ea typeface="Calibri" panose="020F0502020204030204" pitchFamily="34" charset="0"/>
-              <a:cs typeface="Arial" panose="020B0604020202020204" pitchFamily="34" charset="0"/>
-            </a:endParaRPr>
-          </a:p>
-          <a:p>
-            <a:r>
-              <a:rPr lang="en-US" sz="2400" dirty="0">
-                <a:effectLst/>
-                <a:ea typeface="Calibri" panose="020F0502020204030204" pitchFamily="34" charset="0"/>
-                <a:cs typeface="Arial" panose="020B0604020202020204" pitchFamily="34" charset="0"/>
-              </a:rPr>
-              <a:t>Also, “SpeakEasy” will allow transcription of the voice input into text for filling forms.</a:t>
-            </a:r>
-          </a:p>
-          <a:p>
-            <a:endParaRPr lang="en-US" dirty="0"/>
-          </a:p>
-        </p:txBody>
-      </p:sp>
-      <p:sp>
-        <p:nvSpPr>
-          <p:cNvPr id="5" name="Slide Number Placeholder 4">
-            <a:extLst>
-              <a:ext uri="{FF2B5EF4-FFF2-40B4-BE49-F238E27FC236}">
-                <a16:creationId xmlns:a16="http://schemas.microsoft.com/office/drawing/2014/main" id="{F0090172-A241-DFE9-48A7-81543B4CDA3A}"/>
+                <a16:creationId xmlns:a16="http://schemas.microsoft.com/office/drawing/2014/main" id="{48C976F2-FA87-183A-878F-FF3E741AE71E}"/>
               </a:ext>
             </a:extLst>
           </p:cNvPr>
@@ -39070,16 +37712,16 @@
               <a:rPr lang="en-US" smtClean="0"/>
               <a:t>5</a:t>
             </a:fld>
-            <a:endParaRPr lang="en-US" dirty="0"/>
+            <a:endParaRPr lang="en-US"/>
           </a:p>
         </p:txBody>
       </p:sp>
       <p:pic>
         <p:nvPicPr>
-          <p:cNvPr id="4" name="Picture 3">
+          <p:cNvPr id="5" name="Picture 4">
             <a:extLst>
               <a:ext uri="{FF2B5EF4-FFF2-40B4-BE49-F238E27FC236}">
-                <a16:creationId xmlns:a16="http://schemas.microsoft.com/office/drawing/2014/main" id="{73E4F50D-7AD5-B408-B6E6-611B385A9220}"/>
+                <a16:creationId xmlns:a16="http://schemas.microsoft.com/office/drawing/2014/main" id="{D0B37DF7-7007-0670-A1C3-B0BA7BFFDBB1}"/>
               </a:ext>
             </a:extLst>
           </p:cNvPr>
@@ -39089,15 +37731,51 @@
           <p:nvPr/>
         </p:nvPicPr>
         <p:blipFill>
-          <a:blip r:embed="rId2"/>
+          <a:blip r:embed="rId3"/>
           <a:stretch>
             <a:fillRect/>
           </a:stretch>
         </p:blipFill>
         <p:spPr>
           <a:xfrm>
-            <a:off x="3524395" y="5679982"/>
-            <a:ext cx="4220164" cy="676369"/>
+            <a:off x="3985916" y="1300085"/>
+            <a:ext cx="4220164" cy="485775"/>
+          </a:xfrm>
+          <a:prstGeom prst="rect">
+            <a:avLst/>
+          </a:prstGeom>
+        </p:spPr>
+      </p:pic>
+      <p:pic>
+        <p:nvPicPr>
+          <p:cNvPr id="11" name="Picture 10" descr="Diagram&#10;&#10;Description automatically generated">
+            <a:extLst>
+              <a:ext uri="{FF2B5EF4-FFF2-40B4-BE49-F238E27FC236}">
+                <a16:creationId xmlns:a16="http://schemas.microsoft.com/office/drawing/2014/main" id="{E388C13B-9A91-B59B-9D89-423544C8E403}"/>
+              </a:ext>
+            </a:extLst>
+          </p:cNvPr>
+          <p:cNvPicPr>
+            <a:picLocks noChangeAspect="1"/>
+          </p:cNvPicPr>
+          <p:nvPr/>
+        </p:nvPicPr>
+        <p:blipFill>
+          <a:blip r:embed="rId4">
+            <a:extLst>
+              <a:ext uri="{28A0092B-C50C-407E-A947-70E740481C1C}">
+                <a14:useLocalDpi xmlns:a14="http://schemas.microsoft.com/office/drawing/2010/main" val="0"/>
+              </a:ext>
+            </a:extLst>
+          </a:blip>
+          <a:stretch>
+            <a:fillRect/>
+          </a:stretch>
+        </p:blipFill>
+        <p:spPr>
+          <a:xfrm>
+            <a:off x="2228850" y="1785860"/>
+            <a:ext cx="7246620" cy="5014328"/>
           </a:xfrm>
           <a:prstGeom prst="rect">
             <a:avLst/>
@@ -39107,7 +37785,7 @@
     </p:spTree>
     <p:extLst>
       <p:ext uri="{BB962C8B-B14F-4D97-AF65-F5344CB8AC3E}">
-        <p14:creationId xmlns:p14="http://schemas.microsoft.com/office/powerpoint/2010/main" val="4217325084"/>
+        <p14:creationId xmlns:p14="http://schemas.microsoft.com/office/powerpoint/2010/main" val="2837580213"/>
       </p:ext>
     </p:extLst>
   </p:cSld>
@@ -39151,7 +37829,7 @@
           <p:cNvPr id="2" name="Title 1">
             <a:extLst>
               <a:ext uri="{FF2B5EF4-FFF2-40B4-BE49-F238E27FC236}">
-                <a16:creationId xmlns:a16="http://schemas.microsoft.com/office/drawing/2014/main" id="{6AE013EB-7920-D626-0711-F3F0841553C1}"/>
+                <a16:creationId xmlns:a16="http://schemas.microsoft.com/office/drawing/2014/main" id="{69D6ED8F-27FF-616A-9A47-AAA26381F42B}"/>
               </a:ext>
             </a:extLst>
           </p:cNvPr>
@@ -39169,17 +37847,17 @@
           <a:p>
             <a:r>
               <a:rPr lang="en-US" dirty="0"/>
-              <a:t>Architecture</a:t>
+              <a:t>Activity Diagram</a:t>
             </a:r>
           </a:p>
         </p:txBody>
       </p:sp>
       <p:pic>
         <p:nvPicPr>
-          <p:cNvPr id="4" name="Content Placeholder 3">
+          <p:cNvPr id="8" name="Content Placeholder 7" descr="Diagram&#10;&#10;Description automatically generated">
             <a:extLst>
               <a:ext uri="{FF2B5EF4-FFF2-40B4-BE49-F238E27FC236}">
-                <a16:creationId xmlns:a16="http://schemas.microsoft.com/office/drawing/2014/main" id="{13D346BC-8A0B-0A39-1590-DF550CE7D39F}"/>
+                <a16:creationId xmlns:a16="http://schemas.microsoft.com/office/drawing/2014/main" id="{418AE0FD-30B3-C498-0907-FFE60BB97645}"/>
               </a:ext>
             </a:extLst>
           </p:cNvPr>
@@ -39191,7 +37869,7 @@
           </p:nvPr>
         </p:nvPicPr>
         <p:blipFill>
-          <a:blip r:embed="rId2">
+          <a:blip r:embed="rId3">
             <a:extLst>
               <a:ext uri="{28A0092B-C50C-407E-A947-70E740481C1C}">
                 <a14:useLocalDpi xmlns:a14="http://schemas.microsoft.com/office/drawing/2010/main" val="0"/>
@@ -39202,26 +37880,19 @@
             <a:fillRect/>
           </a:stretch>
         </p:blipFill>
-        <p:spPr bwMode="auto">
-          <a:xfrm>
-            <a:off x="2335709" y="1800225"/>
-            <a:ext cx="7520581" cy="4500563"/>
-          </a:xfrm>
-          <a:prstGeom prst="rect">
-            <a:avLst/>
-          </a:prstGeom>
-          <a:noFill/>
-          <a:ln>
-            <a:noFill/>
-          </a:ln>
+        <p:spPr>
+          <a:xfrm>
+            <a:off x="49865" y="1741252"/>
+            <a:ext cx="12092269" cy="4513634"/>
+          </a:xfrm>
         </p:spPr>
       </p:pic>
       <p:sp>
         <p:nvSpPr>
-          <p:cNvPr id="6" name="Slide Number Placeholder 5">
+          <p:cNvPr id="9" name="Slide Number Placeholder 8">
             <a:extLst>
               <a:ext uri="{FF2B5EF4-FFF2-40B4-BE49-F238E27FC236}">
-                <a16:creationId xmlns:a16="http://schemas.microsoft.com/office/drawing/2014/main" id="{48C976F2-FA87-183A-878F-FF3E741AE71E}"/>
+                <a16:creationId xmlns:a16="http://schemas.microsoft.com/office/drawing/2014/main" id="{6F613BE7-43D8-4086-6400-D0083729C6A5}"/>
               </a:ext>
             </a:extLst>
           </p:cNvPr>
@@ -39245,40 +37916,10 @@
           </a:p>
         </p:txBody>
       </p:sp>
-      <p:pic>
-        <p:nvPicPr>
-          <p:cNvPr id="5" name="Picture 4">
-            <a:extLst>
-              <a:ext uri="{FF2B5EF4-FFF2-40B4-BE49-F238E27FC236}">
-                <a16:creationId xmlns:a16="http://schemas.microsoft.com/office/drawing/2014/main" id="{D0B37DF7-7007-0670-A1C3-B0BA7BFFDBB1}"/>
-              </a:ext>
-            </a:extLst>
-          </p:cNvPr>
-          <p:cNvPicPr>
-            <a:picLocks noChangeAspect="1"/>
-          </p:cNvPicPr>
-          <p:nvPr/>
-        </p:nvPicPr>
-        <p:blipFill>
-          <a:blip r:embed="rId3"/>
-          <a:stretch>
-            <a:fillRect/>
-          </a:stretch>
-        </p:blipFill>
-        <p:spPr>
-          <a:xfrm>
-            <a:off x="3985916" y="1591711"/>
-            <a:ext cx="4220164" cy="676369"/>
-          </a:xfrm>
-          <a:prstGeom prst="rect">
-            <a:avLst/>
-          </a:prstGeom>
-        </p:spPr>
-      </p:pic>
     </p:spTree>
     <p:extLst>
       <p:ext uri="{BB962C8B-B14F-4D97-AF65-F5344CB8AC3E}">
-        <p14:creationId xmlns:p14="http://schemas.microsoft.com/office/powerpoint/2010/main" val="2837580213"/>
+        <p14:creationId xmlns:p14="http://schemas.microsoft.com/office/powerpoint/2010/main" val="2104840017"/>
       </p:ext>
     </p:extLst>
   </p:cSld>
@@ -39319,18 +37960,64 @@
       </p:grpSpPr>
       <p:sp>
         <p:nvSpPr>
-          <p:cNvPr id="2" name="Title 1">
+          <p:cNvPr id="12" name="TextBox 11">
             <a:extLst>
               <a:ext uri="{FF2B5EF4-FFF2-40B4-BE49-F238E27FC236}">
-                <a16:creationId xmlns:a16="http://schemas.microsoft.com/office/drawing/2014/main" id="{69D6ED8F-27FF-616A-9A47-AAA26381F42B}"/>
+                <a16:creationId xmlns:a16="http://schemas.microsoft.com/office/drawing/2014/main" id="{76A46910-0C71-144D-DE4B-2D0C37160E68}"/>
               </a:ext>
             </a:extLst>
           </p:cNvPr>
-          <p:cNvSpPr>
-            <a:spLocks noGrp="1"/>
-          </p:cNvSpPr>
-          <p:nvPr>
-            <p:ph type="title"/>
+          <p:cNvSpPr txBox="1"/>
+          <p:nvPr/>
+        </p:nvSpPr>
+        <p:spPr>
+          <a:xfrm>
+            <a:off x="416676" y="166590"/>
+            <a:ext cx="1122423" cy="830997"/>
+          </a:xfrm>
+          <a:prstGeom prst="rect">
+            <a:avLst/>
+          </a:prstGeom>
+          <a:noFill/>
+        </p:spPr>
+        <p:txBody>
+          <a:bodyPr wrap="none" rtlCol="0">
+            <a:spAutoFit/>
+          </a:bodyPr>
+          <a:lstStyle/>
+          <a:p>
+            <a:r>
+              <a:rPr lang="en-US" sz="4800" dirty="0">
+                <a:solidFill>
+                  <a:schemeClr val="bg1"/>
+                </a:solidFill>
+                <a:effectLst>
+                  <a:outerShdw blurRad="38100" dist="38100" dir="2700000" algn="tl">
+                    <a:srgbClr val="000000">
+                      <a:alpha val="43137"/>
+                    </a:srgbClr>
+                  </a:outerShdw>
+                </a:effectLst>
+              </a:rPr>
+              <a:t>GUI</a:t>
+            </a:r>
+          </a:p>
+        </p:txBody>
+      </p:sp>
+      <p:sp>
+        <p:nvSpPr>
+          <p:cNvPr id="16" name="Slide Number Placeholder 15">
+            <a:extLst>
+              <a:ext uri="{FF2B5EF4-FFF2-40B4-BE49-F238E27FC236}">
+                <a16:creationId xmlns:a16="http://schemas.microsoft.com/office/drawing/2014/main" id="{EBEDD817-5E97-F3C5-5DF1-EECA612272BF}"/>
+              </a:ext>
+            </a:extLst>
+          </p:cNvPr>
+          <p:cNvSpPr>
+            <a:spLocks noGrp="1"/>
+          </p:cNvSpPr>
+          <p:nvPr>
+            <p:ph type="sldNum" sz="quarter" idx="12"/>
           </p:nvPr>
         </p:nvSpPr>
         <p:spPr/>
@@ -39338,31 +38025,186 @@
           <a:bodyPr/>
           <a:lstStyle/>
           <a:p>
-            <a:r>
-              <a:rPr lang="en-US" dirty="0"/>
-              <a:t>Activity Diagram</a:t>
-            </a:r>
+            <a:fld id="{9441F5BE-6670-48B1-A994-D8FDFBF156C8}" type="slidenum">
+              <a:rPr lang="en-US" smtClean="0"/>
+              <a:t>7</a:t>
+            </a:fld>
+            <a:endParaRPr lang="en-US"/>
           </a:p>
         </p:txBody>
       </p:sp>
       <p:pic>
         <p:nvPicPr>
-          <p:cNvPr id="8" name="Content Placeholder 7" descr="Diagram&#10;&#10;Description automatically generated">
+          <p:cNvPr id="4" name="תמונה 3">
             <a:extLst>
               <a:ext uri="{FF2B5EF4-FFF2-40B4-BE49-F238E27FC236}">
-                <a16:creationId xmlns:a16="http://schemas.microsoft.com/office/drawing/2014/main" id="{418AE0FD-30B3-C498-0907-FFE60BB97645}"/>
+                <a16:creationId xmlns:a16="http://schemas.microsoft.com/office/drawing/2014/main" id="{EF260567-EB68-9191-9D16-08B86526AEDE}"/>
               </a:ext>
             </a:extLst>
           </p:cNvPr>
           <p:cNvPicPr>
-            <a:picLocks noGrp="1" noChangeAspect="1"/>
+            <a:picLocks noChangeAspect="1"/>
           </p:cNvPicPr>
-          <p:nvPr>
-            <p:ph idx="1"/>
-          </p:nvPr>
+          <p:nvPr/>
+        </p:nvPicPr>
+        <p:blipFill rotWithShape="1">
+          <a:blip r:embed="rId3" cstate="print">
+            <a:extLst>
+              <a:ext uri="{28A0092B-C50C-407E-A947-70E740481C1C}">
+                <a14:useLocalDpi xmlns:a14="http://schemas.microsoft.com/office/drawing/2010/main" val="0"/>
+              </a:ext>
+            </a:extLst>
+          </a:blip>
+          <a:srcRect l="5581" t="2496" r="1602"/>
+          <a:stretch/>
+        </p:blipFill>
+        <p:spPr>
+          <a:xfrm>
+            <a:off x="1217917" y="1828584"/>
+            <a:ext cx="3298327" cy="4628500"/>
+          </a:xfrm>
+          <a:prstGeom prst="rect">
+            <a:avLst/>
+          </a:prstGeom>
+          <a:effectLst>
+            <a:outerShdw blurRad="254000" dist="50800" dir="5400000" algn="ctr" rotWithShape="0">
+              <a:srgbClr val="000000">
+                <a:alpha val="43137"/>
+              </a:srgbClr>
+            </a:outerShdw>
+          </a:effectLst>
+        </p:spPr>
+      </p:pic>
+      <p:sp>
+        <p:nvSpPr>
+          <p:cNvPr id="8" name="תיבת טקסט 7">
+            <a:extLst>
+              <a:ext uri="{FF2B5EF4-FFF2-40B4-BE49-F238E27FC236}">
+                <a16:creationId xmlns:a16="http://schemas.microsoft.com/office/drawing/2014/main" id="{1D0C368A-17D6-187D-30CF-0D8DA1ACAD9A}"/>
+              </a:ext>
+            </a:extLst>
+          </p:cNvPr>
+          <p:cNvSpPr txBox="1"/>
+          <p:nvPr/>
+        </p:nvSpPr>
+        <p:spPr>
+          <a:xfrm>
+            <a:off x="1445907" y="1274586"/>
+            <a:ext cx="2842345" cy="553998"/>
+          </a:xfrm>
+          <a:prstGeom prst="rect">
+            <a:avLst/>
+          </a:prstGeom>
+          <a:noFill/>
+        </p:spPr>
+        <p:txBody>
+          <a:bodyPr wrap="square" rtlCol="1">
+            <a:spAutoFit/>
+          </a:bodyPr>
+          <a:lstStyle/>
+          <a:p>
+            <a:r>
+              <a:rPr lang="en-US" sz="3000" dirty="0"/>
+              <a:t>User Login Page</a:t>
+            </a:r>
+            <a:endParaRPr lang="he-IL" sz="3000" dirty="0"/>
+          </a:p>
+        </p:txBody>
+      </p:sp>
+      <p:pic>
+        <p:nvPicPr>
+          <p:cNvPr id="10" name="תמונה 9">
+            <a:extLst>
+              <a:ext uri="{FF2B5EF4-FFF2-40B4-BE49-F238E27FC236}">
+                <a16:creationId xmlns:a16="http://schemas.microsoft.com/office/drawing/2014/main" id="{37621A97-624E-1513-689C-F1190060867B}"/>
+              </a:ext>
+            </a:extLst>
+          </p:cNvPr>
+          <p:cNvPicPr>
+            <a:picLocks noChangeAspect="1"/>
+          </p:cNvPicPr>
+          <p:nvPr/>
+        </p:nvPicPr>
+        <p:blipFill rotWithShape="1">
+          <a:blip r:embed="rId4">
+            <a:extLst>
+              <a:ext uri="{28A0092B-C50C-407E-A947-70E740481C1C}">
+                <a14:useLocalDpi xmlns:a14="http://schemas.microsoft.com/office/drawing/2010/main" val="0"/>
+              </a:ext>
+            </a:extLst>
+          </a:blip>
+          <a:srcRect l="4832" r="2641"/>
+          <a:stretch/>
+        </p:blipFill>
+        <p:spPr>
+          <a:xfrm>
+            <a:off x="6768785" y="1789172"/>
+            <a:ext cx="3211551" cy="4628500"/>
+          </a:xfrm>
+          <a:prstGeom prst="rect">
+            <a:avLst/>
+          </a:prstGeom>
+          <a:effectLst>
+            <a:outerShdw blurRad="254000" dist="50800" dir="5400000" algn="ctr" rotWithShape="0">
+              <a:srgbClr val="000000">
+                <a:alpha val="43137"/>
+              </a:srgbClr>
+            </a:outerShdw>
+          </a:effectLst>
+        </p:spPr>
+      </p:pic>
+      <p:sp>
+        <p:nvSpPr>
+          <p:cNvPr id="13" name="תיבת טקסט 12">
+            <a:extLst>
+              <a:ext uri="{FF2B5EF4-FFF2-40B4-BE49-F238E27FC236}">
+                <a16:creationId xmlns:a16="http://schemas.microsoft.com/office/drawing/2014/main" id="{03BAB7CA-8C34-4794-A996-A5CB4E962424}"/>
+              </a:ext>
+            </a:extLst>
+          </p:cNvPr>
+          <p:cNvSpPr txBox="1"/>
+          <p:nvPr/>
+        </p:nvSpPr>
+        <p:spPr>
+          <a:xfrm>
+            <a:off x="7396345" y="1274586"/>
+            <a:ext cx="1956433" cy="553998"/>
+          </a:xfrm>
+          <a:prstGeom prst="rect">
+            <a:avLst/>
+          </a:prstGeom>
+          <a:noFill/>
+        </p:spPr>
+        <p:txBody>
+          <a:bodyPr wrap="square" rtlCol="1">
+            <a:spAutoFit/>
+          </a:bodyPr>
+          <a:lstStyle/>
+          <a:p>
+            <a:r>
+              <a:rPr lang="en-US" sz="3000" dirty="0"/>
+              <a:t>Main Page</a:t>
+            </a:r>
+            <a:endParaRPr lang="he-IL" sz="3000" dirty="0"/>
+          </a:p>
+        </p:txBody>
+      </p:sp>
+      <p:pic>
+        <p:nvPicPr>
+          <p:cNvPr id="14" name="תמונה 13">
+            <a:extLst>
+              <a:ext uri="{FF2B5EF4-FFF2-40B4-BE49-F238E27FC236}">
+                <a16:creationId xmlns:a16="http://schemas.microsoft.com/office/drawing/2014/main" id="{1529D62F-F2C9-E10C-744D-C8FE35156F80}"/>
+              </a:ext>
+            </a:extLst>
+          </p:cNvPr>
+          <p:cNvPicPr>
+            <a:picLocks noChangeAspect="1"/>
+          </p:cNvPicPr>
+          <p:nvPr/>
         </p:nvPicPr>
         <p:blipFill>
-          <a:blip r:embed="rId2">
+          <a:blip r:embed="rId5">
             <a:extLst>
               <a:ext uri="{28A0092B-C50C-407E-A947-70E740481C1C}">
                 <a14:useLocalDpi xmlns:a14="http://schemas.microsoft.com/office/drawing/2010/main" val="0"/>
@@ -39375,44 +38217,67 @@
         </p:blipFill>
         <p:spPr>
           <a:xfrm>
-            <a:off x="49865" y="1741252"/>
-            <a:ext cx="12092269" cy="4513634"/>
-          </a:xfrm>
+            <a:off x="6768785" y="6334443"/>
+            <a:ext cx="3211550" cy="408940"/>
+          </a:xfrm>
+          <a:prstGeom prst="rect">
+            <a:avLst/>
+          </a:prstGeom>
         </p:spPr>
       </p:pic>
       <p:sp>
         <p:nvSpPr>
-          <p:cNvPr id="9" name="Slide Number Placeholder 8">
+          <p:cNvPr id="17" name="חץ: ימינה 16">
             <a:extLst>
               <a:ext uri="{FF2B5EF4-FFF2-40B4-BE49-F238E27FC236}">
-                <a16:creationId xmlns:a16="http://schemas.microsoft.com/office/drawing/2014/main" id="{6F613BE7-43D8-4086-6400-D0083729C6A5}"/>
+                <a16:creationId xmlns:a16="http://schemas.microsoft.com/office/drawing/2014/main" id="{10B7C1BC-D3DA-CEAB-3406-452107674464}"/>
               </a:ext>
             </a:extLst>
           </p:cNvPr>
-          <p:cNvSpPr>
-            <a:spLocks noGrp="1"/>
-          </p:cNvSpPr>
-          <p:nvPr>
-            <p:ph type="sldNum" sz="quarter" idx="12"/>
-          </p:nvPr>
-        </p:nvSpPr>
-        <p:spPr/>
-        <p:txBody>
-          <a:bodyPr/>
+          <p:cNvSpPr/>
+          <p:nvPr/>
+        </p:nvSpPr>
+        <p:spPr>
+          <a:xfrm>
+            <a:off x="4973439" y="3958683"/>
+            <a:ext cx="1304692" cy="167268"/>
+          </a:xfrm>
+          <a:prstGeom prst="rightArrow">
+            <a:avLst/>
+          </a:prstGeom>
+          <a:solidFill>
+            <a:schemeClr val="tx1"/>
+          </a:solidFill>
+        </p:spPr>
+        <p:style>
+          <a:lnRef idx="2">
+            <a:schemeClr val="accent1">
+              <a:shade val="50000"/>
+            </a:schemeClr>
+          </a:lnRef>
+          <a:fillRef idx="1">
+            <a:schemeClr val="accent1"/>
+          </a:fillRef>
+          <a:effectRef idx="0">
+            <a:schemeClr val="accent1"/>
+          </a:effectRef>
+          <a:fontRef idx="minor">
+            <a:schemeClr val="lt1"/>
+          </a:fontRef>
+        </p:style>
+        <p:txBody>
+          <a:bodyPr rtlCol="1" anchor="ctr"/>
           <a:lstStyle/>
           <a:p>
-            <a:fld id="{9441F5BE-6670-48B1-A994-D8FDFBF156C8}" type="slidenum">
-              <a:rPr lang="en-US" smtClean="0"/>
-              <a:t>7</a:t>
-            </a:fld>
-            <a:endParaRPr lang="en-US"/>
+            <a:pPr algn="ctr"/>
+            <a:endParaRPr lang="he-IL"/>
           </a:p>
         </p:txBody>
       </p:sp>
     </p:spTree>
     <p:extLst>
       <p:ext uri="{BB962C8B-B14F-4D97-AF65-F5344CB8AC3E}">
-        <p14:creationId xmlns:p14="http://schemas.microsoft.com/office/powerpoint/2010/main" val="2104840017"/>
+        <p14:creationId xmlns:p14="http://schemas.microsoft.com/office/powerpoint/2010/main" val="1784499121"/>
       </p:ext>
     </p:extLst>
   </p:cSld>
@@ -39453,43 +38318,56 @@
       </p:grpSpPr>
       <p:sp>
         <p:nvSpPr>
-          <p:cNvPr id="2" name="Title 1">
+          <p:cNvPr id="14" name="TextBox 13">
             <a:extLst>
               <a:ext uri="{FF2B5EF4-FFF2-40B4-BE49-F238E27FC236}">
-                <a16:creationId xmlns:a16="http://schemas.microsoft.com/office/drawing/2014/main" id="{256FE8A8-3C73-3CE1-6A65-8346959C19D2}"/>
+                <a16:creationId xmlns:a16="http://schemas.microsoft.com/office/drawing/2014/main" id="{698977E8-F914-A950-2542-04BEAED966AD}"/>
               </a:ext>
             </a:extLst>
           </p:cNvPr>
-          <p:cNvSpPr>
-            <a:spLocks noGrp="1"/>
-          </p:cNvSpPr>
-          <p:nvPr>
-            <p:ph type="title"/>
-          </p:nvPr>
-        </p:nvSpPr>
-        <p:spPr>
-          <a:xfrm>
-            <a:off x="838200" y="136524"/>
-            <a:ext cx="9237785" cy="1184886"/>
-          </a:xfrm>
-        </p:spPr>
-        <p:txBody>
-          <a:bodyPr/>
+          <p:cNvSpPr txBox="1"/>
+          <p:nvPr/>
+        </p:nvSpPr>
+        <p:spPr>
+          <a:xfrm>
+            <a:off x="446085" y="181744"/>
+            <a:ext cx="1122423" cy="830997"/>
+          </a:xfrm>
+          <a:prstGeom prst="rect">
+            <a:avLst/>
+          </a:prstGeom>
+          <a:noFill/>
+        </p:spPr>
+        <p:txBody>
+          <a:bodyPr wrap="none" rtlCol="0">
+            <a:spAutoFit/>
+          </a:bodyPr>
           <a:lstStyle/>
           <a:p>
             <a:r>
-              <a:rPr lang="en-US" dirty="0"/>
-              <a:t>Google STT API</a:t>
-            </a:r>
-          </a:p>
-        </p:txBody>
-      </p:sp>
-      <p:sp>
-        <p:nvSpPr>
-          <p:cNvPr id="17" name="Slide Number Placeholder 16">
+              <a:rPr lang="en-US" sz="4800" dirty="0">
+                <a:solidFill>
+                  <a:schemeClr val="bg1"/>
+                </a:solidFill>
+                <a:effectLst>
+                  <a:outerShdw blurRad="38100" dist="38100" dir="2700000" algn="tl">
+                    <a:srgbClr val="000000">
+                      <a:alpha val="43137"/>
+                    </a:srgbClr>
+                  </a:outerShdw>
+                </a:effectLst>
+              </a:rPr>
+              <a:t>GUI</a:t>
+            </a:r>
+          </a:p>
+        </p:txBody>
+      </p:sp>
+      <p:sp>
+        <p:nvSpPr>
+          <p:cNvPr id="18" name="Slide Number Placeholder 17">
             <a:extLst>
               <a:ext uri="{FF2B5EF4-FFF2-40B4-BE49-F238E27FC236}">
-                <a16:creationId xmlns:a16="http://schemas.microsoft.com/office/drawing/2014/main" id="{96651066-A69B-4F0F-04C0-BEFB8F285D03}"/>
+                <a16:creationId xmlns:a16="http://schemas.microsoft.com/office/drawing/2014/main" id="{0F6FBB57-1B13-4AD5-D633-6E7F26930670}"/>
               </a:ext>
             </a:extLst>
           </p:cNvPr>
@@ -39513,130 +38391,12 @@
           </a:p>
         </p:txBody>
       </p:sp>
-      <p:sp>
-        <p:nvSpPr>
-          <p:cNvPr id="6" name="TextBox 5">
+      <p:pic>
+        <p:nvPicPr>
+          <p:cNvPr id="2" name="תמונה 1">
             <a:extLst>
               <a:ext uri="{FF2B5EF4-FFF2-40B4-BE49-F238E27FC236}">
-                <a16:creationId xmlns:a16="http://schemas.microsoft.com/office/drawing/2014/main" id="{D79FCD18-2E2A-D155-676B-0316A0B74EF3}"/>
-              </a:ext>
-            </a:extLst>
-          </p:cNvPr>
-          <p:cNvSpPr txBox="1"/>
-          <p:nvPr/>
-        </p:nvSpPr>
-        <p:spPr>
-          <a:xfrm>
-            <a:off x="-228101" y="1481917"/>
-            <a:ext cx="12056935" cy="2651047"/>
-          </a:xfrm>
-          <a:prstGeom prst="rect">
-            <a:avLst/>
-          </a:prstGeom>
-          <a:noFill/>
-        </p:spPr>
-        <p:txBody>
-          <a:bodyPr wrap="square" rtlCol="0">
-            <a:spAutoFit/>
-          </a:bodyPr>
-          <a:lstStyle/>
-          <a:p>
-            <a:pPr marL="1200150" marR="0" indent="-285750">
-              <a:lnSpc>
-                <a:spcPct val="107000"/>
-              </a:lnSpc>
-              <a:spcBef>
-                <a:spcPts val="0"/>
-              </a:spcBef>
-              <a:spcAft>
-                <a:spcPts val="800"/>
-              </a:spcAft>
-              <a:buFont typeface="Arial" panose="020B0604020202020204" pitchFamily="34" charset="0"/>
-              <a:buChar char="•"/>
-            </a:pPr>
-            <a:r>
-              <a:rPr lang="en-US" sz="2400" dirty="0">
-                <a:effectLst/>
-                <a:ea typeface="Calibri" panose="020F0502020204030204" pitchFamily="34" charset="0"/>
-                <a:cs typeface="Arial" panose="020B0604020202020204" pitchFamily="34" charset="0"/>
-              </a:rPr>
-              <a:t>Google Speech-to-Text is a cloud-based API that enables developers to </a:t>
-            </a:r>
-            <a:r>
-              <a:rPr lang="en-US" sz="2400" b="1" dirty="0">
-                <a:effectLst/>
-                <a:ea typeface="Calibri" panose="020F0502020204030204" pitchFamily="34" charset="0"/>
-                <a:cs typeface="Arial" panose="020B0604020202020204" pitchFamily="34" charset="0"/>
-              </a:rPr>
-              <a:t>convert spoken words to written text</a:t>
-            </a:r>
-            <a:r>
-              <a:rPr lang="en-US" sz="2400" dirty="0">
-                <a:effectLst/>
-                <a:ea typeface="Calibri" panose="020F0502020204030204" pitchFamily="34" charset="0"/>
-                <a:cs typeface="Arial" panose="020B0604020202020204" pitchFamily="34" charset="0"/>
-              </a:rPr>
-              <a:t> using machine learning. </a:t>
-            </a:r>
-          </a:p>
-          <a:p>
-            <a:pPr marL="1200150" marR="0" indent="-285750">
-              <a:lnSpc>
-                <a:spcPct val="107000"/>
-              </a:lnSpc>
-              <a:spcBef>
-                <a:spcPts val="0"/>
-              </a:spcBef>
-              <a:spcAft>
-                <a:spcPts val="800"/>
-              </a:spcAft>
-              <a:buFont typeface="Arial" panose="020B0604020202020204" pitchFamily="34" charset="0"/>
-              <a:buChar char="•"/>
-            </a:pPr>
-            <a:r>
-              <a:rPr lang="en-US" sz="2400" dirty="0">
-                <a:effectLst/>
-                <a:ea typeface="Calibri" panose="020F0502020204030204" pitchFamily="34" charset="0"/>
-                <a:cs typeface="Arial" panose="020B0604020202020204" pitchFamily="34" charset="0"/>
-              </a:rPr>
-              <a:t>It is part of the Google Cloud Platform and can be accessed through a variety of methods, including through a web-based interface. </a:t>
-            </a:r>
-          </a:p>
-          <a:p>
-            <a:pPr marL="1200150" marR="0" indent="-285750">
-              <a:lnSpc>
-                <a:spcPct val="107000"/>
-              </a:lnSpc>
-              <a:spcBef>
-                <a:spcPts val="0"/>
-              </a:spcBef>
-              <a:spcAft>
-                <a:spcPts val="800"/>
-              </a:spcAft>
-              <a:buFont typeface="Arial" panose="020B0604020202020204" pitchFamily="34" charset="0"/>
-              <a:buChar char="•"/>
-            </a:pPr>
-            <a:r>
-              <a:rPr lang="en-US" sz="2400" dirty="0">
-                <a:effectLst/>
-                <a:ea typeface="Calibri" panose="020F0502020204030204" pitchFamily="34" charset="0"/>
-              </a:rPr>
-              <a:t>The API is based on machine learning algorithms that are trained to recognize and transcribe speech patterns in various languages. </a:t>
-            </a:r>
-            <a:endParaRPr lang="en-US" sz="2400" dirty="0">
-              <a:effectLst/>
-              <a:ea typeface="Calibri" panose="020F0502020204030204" pitchFamily="34" charset="0"/>
-              <a:cs typeface="Arial" panose="020B0604020202020204" pitchFamily="34" charset="0"/>
-            </a:endParaRPr>
-          </a:p>
-        </p:txBody>
-      </p:sp>
-      <p:pic>
-        <p:nvPicPr>
-          <p:cNvPr id="16" name="Picture 15">
-            <a:extLst>
-              <a:ext uri="{FF2B5EF4-FFF2-40B4-BE49-F238E27FC236}">
-                <a16:creationId xmlns:a16="http://schemas.microsoft.com/office/drawing/2014/main" id="{E160195D-25C5-EDE7-CF52-DEA299BEE57C}"/>
+                <a16:creationId xmlns:a16="http://schemas.microsoft.com/office/drawing/2014/main" id="{08E5E7CA-F819-E30A-6AC5-155670853651}"/>
               </a:ext>
             </a:extLst>
           </p:cNvPr>
@@ -39645,26 +38405,215 @@
           </p:cNvPicPr>
           <p:nvPr/>
         </p:nvPicPr>
-        <p:blipFill>
-          <a:blip r:embed="rId2"/>
-          <a:stretch>
-            <a:fillRect/>
-          </a:stretch>
+        <p:blipFill rotWithShape="1">
+          <a:blip r:embed="rId3">
+            <a:extLst>
+              <a:ext uri="{28A0092B-C50C-407E-A947-70E740481C1C}">
+                <a14:useLocalDpi xmlns:a14="http://schemas.microsoft.com/office/drawing/2010/main" val="0"/>
+              </a:ext>
+            </a:extLst>
+          </a:blip>
+          <a:srcRect l="2039" t="55491" r="1922" b="4300"/>
+          <a:stretch/>
         </p:blipFill>
-        <p:spPr>
-          <a:xfrm>
-            <a:off x="838200" y="4204814"/>
-            <a:ext cx="9705461" cy="2516662"/>
+        <p:spPr bwMode="auto">
+          <a:xfrm>
+            <a:off x="1148431" y="1851566"/>
+            <a:ext cx="3521574" cy="4680363"/>
           </a:xfrm>
           <a:prstGeom prst="rect">
             <a:avLst/>
           </a:prstGeom>
+          <a:ln>
+            <a:noFill/>
+          </a:ln>
+          <a:effectLst>
+            <a:outerShdw blurRad="266700" dist="50800" dir="5400000" sx="95000" sy="95000" algn="ctr" rotWithShape="0">
+              <a:srgbClr val="000000"/>
+            </a:outerShdw>
+          </a:effectLst>
+          <a:extLst>
+            <a:ext uri="{53640926-AAD7-44D8-BBD7-CCE9431645EC}">
+              <a14:shadowObscured xmlns:a14="http://schemas.microsoft.com/office/drawing/2010/main"/>
+            </a:ext>
+          </a:extLst>
         </p:spPr>
       </p:pic>
+      <p:sp>
+        <p:nvSpPr>
+          <p:cNvPr id="3" name="תיבת טקסט 2">
+            <a:extLst>
+              <a:ext uri="{FF2B5EF4-FFF2-40B4-BE49-F238E27FC236}">
+                <a16:creationId xmlns:a16="http://schemas.microsoft.com/office/drawing/2014/main" id="{79871202-8F8E-7ED4-D3CE-A2AC734CA272}"/>
+              </a:ext>
+            </a:extLst>
+          </p:cNvPr>
+          <p:cNvSpPr txBox="1"/>
+          <p:nvPr/>
+        </p:nvSpPr>
+        <p:spPr>
+          <a:xfrm>
+            <a:off x="1541954" y="1297568"/>
+            <a:ext cx="2844800" cy="553998"/>
+          </a:xfrm>
+          <a:prstGeom prst="rect">
+            <a:avLst/>
+          </a:prstGeom>
+          <a:noFill/>
+        </p:spPr>
+        <p:txBody>
+          <a:bodyPr wrap="square" rtlCol="1">
+            <a:spAutoFit/>
+          </a:bodyPr>
+          <a:lstStyle/>
+          <a:p>
+            <a:r>
+              <a:rPr lang="en-US" sz="3000" dirty="0"/>
+              <a:t>Recording Page</a:t>
+            </a:r>
+            <a:endParaRPr lang="he-IL" sz="3000" dirty="0"/>
+          </a:p>
+        </p:txBody>
+      </p:sp>
+      <p:pic>
+        <p:nvPicPr>
+          <p:cNvPr id="4" name="תמונה 3">
+            <a:extLst>
+              <a:ext uri="{FF2B5EF4-FFF2-40B4-BE49-F238E27FC236}">
+                <a16:creationId xmlns:a16="http://schemas.microsoft.com/office/drawing/2014/main" id="{EFA855B8-1319-4473-6595-FE6F30E233E0}"/>
+              </a:ext>
+            </a:extLst>
+          </p:cNvPr>
+          <p:cNvPicPr>
+            <a:picLocks noChangeAspect="1"/>
+          </p:cNvPicPr>
+          <p:nvPr/>
+        </p:nvPicPr>
+        <p:blipFill rotWithShape="1">
+          <a:blip r:embed="rId4">
+            <a:extLst>
+              <a:ext uri="{28A0092B-C50C-407E-A947-70E740481C1C}">
+                <a14:useLocalDpi xmlns:a14="http://schemas.microsoft.com/office/drawing/2010/main" val="0"/>
+              </a:ext>
+            </a:extLst>
+          </a:blip>
+          <a:srcRect l="1116" r="1"/>
+          <a:stretch/>
+        </p:blipFill>
+        <p:spPr bwMode="auto">
+          <a:xfrm>
+            <a:off x="6630591" y="1812423"/>
+            <a:ext cx="3360902" cy="4801621"/>
+          </a:xfrm>
+          <a:prstGeom prst="rect">
+            <a:avLst/>
+          </a:prstGeom>
+          <a:ln>
+            <a:noFill/>
+          </a:ln>
+          <a:effectLst>
+            <a:outerShdw blurRad="254000" dist="50800" dir="5400000" algn="ctr" rotWithShape="0">
+              <a:srgbClr val="000000">
+                <a:alpha val="43137"/>
+              </a:srgbClr>
+            </a:outerShdw>
+          </a:effectLst>
+          <a:extLst>
+            <a:ext uri="{53640926-AAD7-44D8-BBD7-CCE9431645EC}">
+              <a14:shadowObscured xmlns:a14="http://schemas.microsoft.com/office/drawing/2010/main"/>
+            </a:ext>
+          </a:extLst>
+        </p:spPr>
+      </p:pic>
+      <p:sp>
+        <p:nvSpPr>
+          <p:cNvPr id="6" name="תיבת טקסט 5">
+            <a:extLst>
+              <a:ext uri="{FF2B5EF4-FFF2-40B4-BE49-F238E27FC236}">
+                <a16:creationId xmlns:a16="http://schemas.microsoft.com/office/drawing/2014/main" id="{0920E971-7126-D3F8-0FF2-00EA31170905}"/>
+              </a:ext>
+            </a:extLst>
+          </p:cNvPr>
+          <p:cNvSpPr txBox="1"/>
+          <p:nvPr/>
+        </p:nvSpPr>
+        <p:spPr>
+          <a:xfrm>
+            <a:off x="7425472" y="1297568"/>
+            <a:ext cx="1618167" cy="553998"/>
+          </a:xfrm>
+          <a:prstGeom prst="rect">
+            <a:avLst/>
+          </a:prstGeom>
+          <a:noFill/>
+        </p:spPr>
+        <p:txBody>
+          <a:bodyPr wrap="square" rtlCol="1">
+            <a:spAutoFit/>
+          </a:bodyPr>
+          <a:lstStyle/>
+          <a:p>
+            <a:r>
+              <a:rPr lang="en-US" sz="3000" dirty="0"/>
+              <a:t>Results</a:t>
+            </a:r>
+            <a:endParaRPr lang="he-IL" sz="3000" dirty="0"/>
+          </a:p>
+        </p:txBody>
+      </p:sp>
+      <p:sp>
+        <p:nvSpPr>
+          <p:cNvPr id="7" name="חץ: ימינה 6">
+            <a:extLst>
+              <a:ext uri="{FF2B5EF4-FFF2-40B4-BE49-F238E27FC236}">
+                <a16:creationId xmlns:a16="http://schemas.microsoft.com/office/drawing/2014/main" id="{E8564A59-2414-6E3F-C0FC-876D8C8C36C9}"/>
+              </a:ext>
+            </a:extLst>
+          </p:cNvPr>
+          <p:cNvSpPr/>
+          <p:nvPr/>
+        </p:nvSpPr>
+        <p:spPr>
+          <a:xfrm>
+            <a:off x="4997952" y="3864129"/>
+            <a:ext cx="1304692" cy="167268"/>
+          </a:xfrm>
+          <a:prstGeom prst="rightArrow">
+            <a:avLst/>
+          </a:prstGeom>
+          <a:solidFill>
+            <a:schemeClr val="tx1"/>
+          </a:solidFill>
+        </p:spPr>
+        <p:style>
+          <a:lnRef idx="2">
+            <a:schemeClr val="accent1">
+              <a:shade val="50000"/>
+            </a:schemeClr>
+          </a:lnRef>
+          <a:fillRef idx="1">
+            <a:schemeClr val="accent1"/>
+          </a:fillRef>
+          <a:effectRef idx="0">
+            <a:schemeClr val="accent1"/>
+          </a:effectRef>
+          <a:fontRef idx="minor">
+            <a:schemeClr val="lt1"/>
+          </a:fontRef>
+        </p:style>
+        <p:txBody>
+          <a:bodyPr rtlCol="1" anchor="ctr"/>
+          <a:lstStyle/>
+          <a:p>
+            <a:pPr algn="ctr"/>
+            <a:endParaRPr lang="he-IL"/>
+          </a:p>
+        </p:txBody>
+      </p:sp>
     </p:spTree>
     <p:extLst>
       <p:ext uri="{BB962C8B-B14F-4D97-AF65-F5344CB8AC3E}">
-        <p14:creationId xmlns:p14="http://schemas.microsoft.com/office/powerpoint/2010/main" val="2045209339"/>
+        <p14:creationId xmlns:p14="http://schemas.microsoft.com/office/powerpoint/2010/main" val="298645896"/>
       </p:ext>
     </p:extLst>
   </p:cSld>
@@ -39708,7 +38657,7 @@
           <p:cNvPr id="2" name="Title 1">
             <a:extLst>
               <a:ext uri="{FF2B5EF4-FFF2-40B4-BE49-F238E27FC236}">
-                <a16:creationId xmlns:a16="http://schemas.microsoft.com/office/drawing/2014/main" id="{6FF4D479-921B-CCC2-9CFE-0A747F7E9683}"/>
+                <a16:creationId xmlns:a16="http://schemas.microsoft.com/office/drawing/2014/main" id="{20E7A99B-38B4-BE22-F5F2-F3148A895735}"/>
               </a:ext>
             </a:extLst>
           </p:cNvPr>
@@ -39719,24 +38668,77 @@
             <p:ph type="title"/>
           </p:nvPr>
         </p:nvSpPr>
-        <p:spPr/>
-        <p:txBody>
-          <a:bodyPr/>
+        <p:spPr>
+          <a:xfrm>
+            <a:off x="526262" y="136524"/>
+            <a:ext cx="11139473" cy="1018032"/>
+          </a:xfrm>
+        </p:spPr>
+        <p:txBody>
+          <a:bodyPr anchor="ctr">
+            <a:normAutofit/>
+          </a:bodyPr>
           <a:lstStyle/>
           <a:p>
             <a:r>
               <a:rPr lang="en-US" dirty="0"/>
-              <a:t>Similarity Index</a:t>
-            </a:r>
+              <a:t>Verification Plan</a:t>
+            </a:r>
+          </a:p>
+        </p:txBody>
+      </p:sp>
+      <p:sp>
+        <p:nvSpPr>
+          <p:cNvPr id="8" name="Slide Number Placeholder 7">
+            <a:extLst>
+              <a:ext uri="{FF2B5EF4-FFF2-40B4-BE49-F238E27FC236}">
+                <a16:creationId xmlns:a16="http://schemas.microsoft.com/office/drawing/2014/main" id="{DB41E79F-7CE0-58CD-837F-4F41DDFCA51C}"/>
+              </a:ext>
+            </a:extLst>
+          </p:cNvPr>
+          <p:cNvSpPr>
+            <a:spLocks noGrp="1"/>
+          </p:cNvSpPr>
+          <p:nvPr>
+            <p:ph type="sldNum" sz="quarter" idx="12"/>
+          </p:nvPr>
+        </p:nvSpPr>
+        <p:spPr>
+          <a:xfrm>
+            <a:off x="11665735" y="6492875"/>
+            <a:ext cx="307348" cy="365125"/>
+          </a:xfrm>
+        </p:spPr>
+        <p:txBody>
+          <a:bodyPr anchor="ctr">
+            <a:normAutofit/>
+          </a:bodyPr>
+          <a:lstStyle/>
+          <a:p>
+            <a:pPr>
+              <a:spcAft>
+                <a:spcPts val="600"/>
+              </a:spcAft>
+            </a:pPr>
+            <a:fld id="{9441F5BE-6670-48B1-A994-D8FDFBF156C8}" type="slidenum">
+              <a:rPr lang="en-US" smtClean="0"/>
+              <a:pPr>
+                <a:spcAft>
+                  <a:spcPts val="600"/>
+                </a:spcAft>
+              </a:pPr>
+              <a:t>9</a:t>
+            </a:fld>
+            <a:endParaRPr lang="en-US" dirty="0"/>
           </a:p>
         </p:txBody>
       </p:sp>
       <p:graphicFrame>
         <p:nvGraphicFramePr>
-          <p:cNvPr id="6" name="Table 6">
+          <p:cNvPr id="3" name="טבלה 3">
             <a:extLst>
               <a:ext uri="{FF2B5EF4-FFF2-40B4-BE49-F238E27FC236}">
-                <a16:creationId xmlns:a16="http://schemas.microsoft.com/office/drawing/2014/main" id="{22D2FEC1-19A0-F686-554C-0E15E6774C99}"/>
+                <a16:creationId xmlns:a16="http://schemas.microsoft.com/office/drawing/2014/main" id="{11EBD28C-7005-6E39-2D46-93BB23FA4A3B}"/>
               </a:ext>
             </a:extLst>
           </p:cNvPr>
@@ -39744,113 +38746,463 @@
             <a:graphicFrameLocks noGrp="1"/>
           </p:cNvGraphicFramePr>
           <p:nvPr>
-            <p:ph idx="1"/>
             <p:extLst>
               <p:ext uri="{D42A27DB-BD31-4B8C-83A1-F6EECF244321}">
-                <p14:modId xmlns:p14="http://schemas.microsoft.com/office/powerpoint/2010/main" val="1165499812"/>
+                <p14:modId xmlns:p14="http://schemas.microsoft.com/office/powerpoint/2010/main" val="3277264401"/>
               </p:ext>
             </p:extLst>
           </p:nvPr>
         </p:nvGraphicFramePr>
         <p:xfrm>
-          <a:off x="732692" y="4428148"/>
-          <a:ext cx="10515600" cy="2286000"/>
+          <a:off x="150342" y="1393048"/>
+          <a:ext cx="11891312" cy="5149529"/>
         </p:xfrm>
         <a:graphic>
           <a:graphicData uri="http://schemas.openxmlformats.org/drawingml/2006/table">
             <a:tbl>
-              <a:tblPr firstRow="1" bandRow="1">
-                <a:tableStyleId>{5C22544A-7EE6-4342-B048-85BDC9FD1C3A}</a:tableStyleId>
+              <a:tblPr rtl="1" firstRow="1" bandRow="1">
+                <a:tableStyleId>{5A111915-BE36-4E01-A7E5-04B1672EAD32}</a:tableStyleId>
               </a:tblPr>
               <a:tblGrid>
-                <a:gridCol w="5257800">
+                <a:gridCol w="3591168">
                   <a:extLst>
                     <a:ext uri="{9D8B030D-6E8A-4147-A177-3AD203B41FA5}">
-                      <a16:colId xmlns:a16="http://schemas.microsoft.com/office/drawing/2014/main" val="2460065804"/>
+                      <a16:colId xmlns:a16="http://schemas.microsoft.com/office/drawing/2014/main" val="796313744"/>
                     </a:ext>
                   </a:extLst>
                 </a:gridCol>
-                <a:gridCol w="5257800">
+                <a:gridCol w="4324956">
                   <a:extLst>
                     <a:ext uri="{9D8B030D-6E8A-4147-A177-3AD203B41FA5}">
-                      <a16:colId xmlns:a16="http://schemas.microsoft.com/office/drawing/2014/main" val="1234088851"/>
+                      <a16:colId xmlns:a16="http://schemas.microsoft.com/office/drawing/2014/main" val="4047691197"/>
+                    </a:ext>
+                  </a:extLst>
+                </a:gridCol>
+                <a:gridCol w="1579386">
+                  <a:extLst>
+                    <a:ext uri="{9D8B030D-6E8A-4147-A177-3AD203B41FA5}">
+                      <a16:colId xmlns:a16="http://schemas.microsoft.com/office/drawing/2014/main" val="485116103"/>
+                    </a:ext>
+                  </a:extLst>
+                </a:gridCol>
+                <a:gridCol w="1680918">
+                  <a:extLst>
+                    <a:ext uri="{9D8B030D-6E8A-4147-A177-3AD203B41FA5}">
+                      <a16:colId xmlns:a16="http://schemas.microsoft.com/office/drawing/2014/main" val="3273315516"/>
+                    </a:ext>
+                  </a:extLst>
+                </a:gridCol>
+                <a:gridCol w="714884">
+                  <a:extLst>
+                    <a:ext uri="{9D8B030D-6E8A-4147-A177-3AD203B41FA5}">
+                      <a16:colId xmlns:a16="http://schemas.microsoft.com/office/drawing/2014/main" val="3357588953"/>
                     </a:ext>
                   </a:extLst>
                 </a:gridCol>
               </a:tblGrid>
-              <a:tr h="370840">
+              <a:tr h="807535">
                 <a:tc>
                   <a:txBody>
                     <a:bodyPr/>
                     <a:lstStyle/>
                     <a:p>
+                      <a:pPr rtl="1"/>
                       <a:r>
                         <a:rPr lang="en-US" dirty="0"/>
-                        <a:t>Speech input</a:t>
+                        <a:t>Expected Result</a:t>
                       </a:r>
+                      <a:endParaRPr lang="he-IL" dirty="0"/>
                     </a:p>
                   </a:txBody>
-                  <a:tcPr/>
+                  <a:tcPr>
+                    <a:lnL w="12700" cap="flat" cmpd="sng" algn="ctr">
+                      <a:solidFill>
+                        <a:schemeClr val="tx1"/>
+                      </a:solidFill>
+                      <a:prstDash val="solid"/>
+                      <a:round/>
+                      <a:headEnd type="none" w="med" len="med"/>
+                      <a:tailEnd type="none" w="med" len="med"/>
+                    </a:lnL>
+                    <a:lnR w="12700" cap="flat" cmpd="sng" algn="ctr">
+                      <a:solidFill>
+                        <a:schemeClr val="tx1"/>
+                      </a:solidFill>
+                      <a:prstDash val="solid"/>
+                      <a:round/>
+                      <a:headEnd type="none" w="med" len="med"/>
+                      <a:tailEnd type="none" w="med" len="med"/>
+                    </a:lnR>
+                    <a:lnT w="12700" cap="flat" cmpd="sng" algn="ctr">
+                      <a:solidFill>
+                        <a:schemeClr val="tx1"/>
+                      </a:solidFill>
+                      <a:prstDash val="solid"/>
+                      <a:round/>
+                      <a:headEnd type="none" w="med" len="med"/>
+                      <a:tailEnd type="none" w="med" len="med"/>
+                    </a:lnT>
+                    <a:lnB w="12700" cap="flat" cmpd="sng" algn="ctr">
+                      <a:solidFill>
+                        <a:schemeClr val="tx1"/>
+                      </a:solidFill>
+                      <a:prstDash val="solid"/>
+                      <a:round/>
+                      <a:headEnd type="none" w="med" len="med"/>
+                      <a:tailEnd type="none" w="med" len="med"/>
+                    </a:lnB>
+                    <a:solidFill>
+                      <a:schemeClr val="bg2">
+                        <a:lumMod val="50000"/>
+                      </a:schemeClr>
+                    </a:solidFill>
+                  </a:tcPr>
                 </a:tc>
                 <a:tc>
                   <a:txBody>
                     <a:bodyPr/>
                     <a:lstStyle/>
                     <a:p>
+                      <a:pPr rtl="1"/>
                       <a:r>
                         <a:rPr lang="en-US" dirty="0"/>
-                        <a:t>Similarity (%)</a:t>
+                        <a:t>Testing Plan</a:t>
                       </a:r>
+                      <a:endParaRPr lang="he-IL" dirty="0"/>
                     </a:p>
                   </a:txBody>
-                  <a:tcPr/>
-                </a:tc>
-                <a:extLst>
-                  <a:ext uri="{0D108BD9-81ED-4DB2-BD59-A6C34878D82A}">
-                    <a16:rowId xmlns:a16="http://schemas.microsoft.com/office/drawing/2014/main" val="2899367930"/>
-                  </a:ext>
-                </a:extLst>
-              </a:tr>
-              <a:tr h="0">
-                <a:tc>
-                  <a:txBody>
-                    <a:bodyPr/>
-                    <a:lstStyle/>
-                    <a:p>
-                      <a:r>
-                        <a:rPr lang="en-US" dirty="0"/>
-                        <a:t>Speech0.mp3</a:t>
-                      </a:r>
-                    </a:p>
-                  </a:txBody>
-                  <a:tcPr/>
+                  <a:tcPr>
+                    <a:lnL w="12700" cap="flat" cmpd="sng" algn="ctr">
+                      <a:solidFill>
+                        <a:schemeClr val="tx1"/>
+                      </a:solidFill>
+                      <a:prstDash val="solid"/>
+                      <a:round/>
+                      <a:headEnd type="none" w="med" len="med"/>
+                      <a:tailEnd type="none" w="med" len="med"/>
+                    </a:lnL>
+                    <a:lnR w="12700" cap="flat" cmpd="sng" algn="ctr">
+                      <a:solidFill>
+                        <a:schemeClr val="tx1"/>
+                      </a:solidFill>
+                      <a:prstDash val="solid"/>
+                      <a:round/>
+                      <a:headEnd type="none" w="med" len="med"/>
+                      <a:tailEnd type="none" w="med" len="med"/>
+                    </a:lnR>
+                    <a:lnT w="12700" cap="flat" cmpd="sng" algn="ctr">
+                      <a:solidFill>
+                        <a:schemeClr val="tx1"/>
+                      </a:solidFill>
+                      <a:prstDash val="solid"/>
+                      <a:round/>
+                      <a:headEnd type="none" w="med" len="med"/>
+                      <a:tailEnd type="none" w="med" len="med"/>
+                    </a:lnT>
+                    <a:lnB w="12700" cap="flat" cmpd="sng" algn="ctr">
+                      <a:solidFill>
+                        <a:schemeClr val="tx1"/>
+                      </a:solidFill>
+                      <a:prstDash val="solid"/>
+                      <a:round/>
+                      <a:headEnd type="none" w="med" len="med"/>
+                      <a:tailEnd type="none" w="med" len="med"/>
+                    </a:lnB>
+                    <a:solidFill>
+                      <a:schemeClr val="bg2">
+                        <a:lumMod val="50000"/>
+                      </a:schemeClr>
+                    </a:solidFill>
+                  </a:tcPr>
                 </a:tc>
                 <a:tc>
                   <a:txBody>
                     <a:bodyPr/>
                     <a:lstStyle/>
                     <a:p>
+                      <a:pPr rtl="1"/>
                       <a:r>
                         <a:rPr lang="en-US" dirty="0"/>
-                        <a:t>86.1</a:t>
+                        <a:t>Tested Module</a:t>
                       </a:r>
+                      <a:endParaRPr lang="he-IL" dirty="0"/>
                     </a:p>
                   </a:txBody>
-                  <a:tcPr/>
+                  <a:tcPr>
+                    <a:lnL w="12700" cap="flat" cmpd="sng" algn="ctr">
+                      <a:solidFill>
+                        <a:schemeClr val="tx1"/>
+                      </a:solidFill>
+                      <a:prstDash val="solid"/>
+                      <a:round/>
+                      <a:headEnd type="none" w="med" len="med"/>
+                      <a:tailEnd type="none" w="med" len="med"/>
+                    </a:lnL>
+                    <a:lnR w="12700" cap="flat" cmpd="sng" algn="ctr">
+                      <a:solidFill>
+                        <a:schemeClr val="tx1"/>
+                      </a:solidFill>
+                      <a:prstDash val="solid"/>
+                      <a:round/>
+                      <a:headEnd type="none" w="med" len="med"/>
+                      <a:tailEnd type="none" w="med" len="med"/>
+                    </a:lnR>
+                    <a:lnT w="12700" cap="flat" cmpd="sng" algn="ctr">
+                      <a:solidFill>
+                        <a:schemeClr val="tx1"/>
+                      </a:solidFill>
+                      <a:prstDash val="solid"/>
+                      <a:round/>
+                      <a:headEnd type="none" w="med" len="med"/>
+                      <a:tailEnd type="none" w="med" len="med"/>
+                    </a:lnT>
+                    <a:lnB w="12700" cap="flat" cmpd="sng" algn="ctr">
+                      <a:solidFill>
+                        <a:schemeClr val="tx1"/>
+                      </a:solidFill>
+                      <a:prstDash val="solid"/>
+                      <a:round/>
+                      <a:headEnd type="none" w="med" len="med"/>
+                      <a:tailEnd type="none" w="med" len="med"/>
+                    </a:lnB>
+                    <a:solidFill>
+                      <a:schemeClr val="bg2">
+                        <a:lumMod val="50000"/>
+                      </a:schemeClr>
+                    </a:solidFill>
+                  </a:tcPr>
                 </a:tc>
-                <a:extLst>
-                  <a:ext uri="{0D108BD9-81ED-4DB2-BD59-A6C34878D82A}">
-                    <a16:rowId xmlns:a16="http://schemas.microsoft.com/office/drawing/2014/main" val="2268450274"/>
-                  </a:ext>
-                </a:extLst>
-              </a:tr>
-              <a:tr h="370840">
                 <a:tc>
                   <a:txBody>
                     <a:bodyPr/>
                     <a:lstStyle/>
                     <a:p>
-                      <a:pPr marL="0" marR="0" lvl="0" indent="0" algn="l" defTabSz="914400" rtl="0" eaLnBrk="1" fontAlgn="auto" latinLnBrk="0" hangingPunct="1">
+                      <a:pPr rtl="1"/>
+                      <a:r>
+                        <a:rPr lang="en-US" dirty="0"/>
+                        <a:t>Tested Function</a:t>
+                      </a:r>
+                      <a:endParaRPr lang="he-IL" dirty="0"/>
+                    </a:p>
+                  </a:txBody>
+                  <a:tcPr>
+                    <a:lnL w="12700" cap="flat" cmpd="sng" algn="ctr">
+                      <a:solidFill>
+                        <a:schemeClr val="tx1"/>
+                      </a:solidFill>
+                      <a:prstDash val="solid"/>
+                      <a:round/>
+                      <a:headEnd type="none" w="med" len="med"/>
+                      <a:tailEnd type="none" w="med" len="med"/>
+                    </a:lnL>
+                    <a:lnR w="12700" cap="flat" cmpd="sng" algn="ctr">
+                      <a:solidFill>
+                        <a:schemeClr val="tx1"/>
+                      </a:solidFill>
+                      <a:prstDash val="solid"/>
+                      <a:round/>
+                      <a:headEnd type="none" w="med" len="med"/>
+                      <a:tailEnd type="none" w="med" len="med"/>
+                    </a:lnR>
+                    <a:lnT w="12700" cap="flat" cmpd="sng" algn="ctr">
+                      <a:solidFill>
+                        <a:schemeClr val="tx1"/>
+                      </a:solidFill>
+                      <a:prstDash val="solid"/>
+                      <a:round/>
+                      <a:headEnd type="none" w="med" len="med"/>
+                      <a:tailEnd type="none" w="med" len="med"/>
+                    </a:lnT>
+                    <a:lnB w="12700" cap="flat" cmpd="sng" algn="ctr">
+                      <a:solidFill>
+                        <a:schemeClr val="tx1"/>
+                      </a:solidFill>
+                      <a:prstDash val="solid"/>
+                      <a:round/>
+                      <a:headEnd type="none" w="med" len="med"/>
+                      <a:tailEnd type="none" w="med" len="med"/>
+                    </a:lnB>
+                    <a:solidFill>
+                      <a:schemeClr val="bg2">
+                        <a:lumMod val="50000"/>
+                      </a:schemeClr>
+                    </a:solidFill>
+                  </a:tcPr>
+                </a:tc>
+                <a:tc>
+                  <a:txBody>
+                    <a:bodyPr/>
+                    <a:lstStyle/>
+                    <a:p>
+                      <a:pPr rtl="1"/>
+                      <a:r>
+                        <a:rPr lang="en-US" dirty="0"/>
+                        <a:t>Test</a:t>
+                      </a:r>
+                      <a:endParaRPr lang="he-IL" dirty="0"/>
+                    </a:p>
+                  </a:txBody>
+                  <a:tcPr>
+                    <a:lnL w="12700" cap="flat" cmpd="sng" algn="ctr">
+                      <a:solidFill>
+                        <a:schemeClr val="tx1"/>
+                      </a:solidFill>
+                      <a:prstDash val="solid"/>
+                      <a:round/>
+                      <a:headEnd type="none" w="med" len="med"/>
+                      <a:tailEnd type="none" w="med" len="med"/>
+                    </a:lnL>
+                    <a:lnR w="12700" cap="flat" cmpd="sng" algn="ctr">
+                      <a:solidFill>
+                        <a:schemeClr val="tx1"/>
+                      </a:solidFill>
+                      <a:prstDash val="solid"/>
+                      <a:round/>
+                      <a:headEnd type="none" w="med" len="med"/>
+                      <a:tailEnd type="none" w="med" len="med"/>
+                    </a:lnR>
+                    <a:lnT w="12700" cap="flat" cmpd="sng" algn="ctr">
+                      <a:solidFill>
+                        <a:schemeClr val="tx1"/>
+                      </a:solidFill>
+                      <a:prstDash val="solid"/>
+                      <a:round/>
+                      <a:headEnd type="none" w="med" len="med"/>
+                      <a:tailEnd type="none" w="med" len="med"/>
+                    </a:lnT>
+                    <a:lnB w="12700" cap="flat" cmpd="sng" algn="ctr">
+                      <a:solidFill>
+                        <a:schemeClr val="tx1"/>
+                      </a:solidFill>
+                      <a:prstDash val="solid"/>
+                      <a:round/>
+                      <a:headEnd type="none" w="med" len="med"/>
+                      <a:tailEnd type="none" w="med" len="med"/>
+                    </a:lnB>
+                    <a:solidFill>
+                      <a:schemeClr val="bg2">
+                        <a:lumMod val="50000"/>
+                      </a:schemeClr>
+                    </a:solidFill>
+                  </a:tcPr>
+                </a:tc>
+                <a:extLst>
+                  <a:ext uri="{0D108BD9-81ED-4DB2-BD59-A6C34878D82A}">
+                    <a16:rowId xmlns:a16="http://schemas.microsoft.com/office/drawing/2014/main" val="2535491781"/>
+                  </a:ext>
+                </a:extLst>
+              </a:tr>
+              <a:tr h="897261">
+                <a:tc>
+                  <a:txBody>
+                    <a:bodyPr/>
+                    <a:lstStyle/>
+                    <a:p>
+                      <a:pPr rtl="1"/>
+                      <a:r>
+                        <a:rPr lang="en-US" sz="1800" dirty="0"/>
+                        <a:t>Customer site is filling the form with the extracted text that passed by system</a:t>
+                      </a:r>
+                      <a:endParaRPr lang="he-IL" sz="1800" dirty="0"/>
+                    </a:p>
+                  </a:txBody>
+                  <a:tcPr>
+                    <a:lnL w="12700" cap="flat" cmpd="sng" algn="ctr">
+                      <a:solidFill>
+                        <a:schemeClr val="tx1"/>
+                      </a:solidFill>
+                      <a:prstDash val="solid"/>
+                      <a:round/>
+                      <a:headEnd type="none" w="med" len="med"/>
+                      <a:tailEnd type="none" w="med" len="med"/>
+                    </a:lnL>
+                    <a:lnR w="12700" cap="flat" cmpd="sng" algn="ctr">
+                      <a:solidFill>
+                        <a:schemeClr val="tx1"/>
+                      </a:solidFill>
+                      <a:prstDash val="solid"/>
+                      <a:round/>
+                      <a:headEnd type="none" w="med" len="med"/>
+                      <a:tailEnd type="none" w="med" len="med"/>
+                    </a:lnR>
+                    <a:lnT w="12700" cap="flat" cmpd="sng" algn="ctr">
+                      <a:solidFill>
+                        <a:schemeClr val="tx1"/>
+                      </a:solidFill>
+                      <a:prstDash val="solid"/>
+                      <a:round/>
+                      <a:headEnd type="none" w="med" len="med"/>
+                      <a:tailEnd type="none" w="med" len="med"/>
+                    </a:lnT>
+                    <a:lnB w="12700" cap="flat" cmpd="sng" algn="ctr">
+                      <a:solidFill>
+                        <a:schemeClr val="tx1"/>
+                      </a:solidFill>
+                      <a:prstDash val="solid"/>
+                      <a:round/>
+                      <a:headEnd type="none" w="med" len="med"/>
+                      <a:tailEnd type="none" w="med" len="med"/>
+                    </a:lnB>
+                  </a:tcPr>
+                </a:tc>
+                <a:tc>
+                  <a:txBody>
+                    <a:bodyPr/>
+                    <a:lstStyle/>
+                    <a:p>
+                      <a:pPr rtl="1"/>
+                      <a:r>
+                        <a:rPr lang="en-US" sz="1800" dirty="0"/>
+                        <a:t>Customer user tries to fill form by speech input</a:t>
+                      </a:r>
+                      <a:endParaRPr lang="he-IL" sz="1800" dirty="0"/>
+                    </a:p>
+                  </a:txBody>
+                  <a:tcPr>
+                    <a:lnL w="12700" cap="flat" cmpd="sng" algn="ctr">
+                      <a:solidFill>
+                        <a:schemeClr val="tx1"/>
+                      </a:solidFill>
+                      <a:prstDash val="solid"/>
+                      <a:round/>
+                      <a:headEnd type="none" w="med" len="med"/>
+                      <a:tailEnd type="none" w="med" len="med"/>
+                    </a:lnL>
+                    <a:lnR w="12700" cap="flat" cmpd="sng" algn="ctr">
+                      <a:solidFill>
+                        <a:schemeClr val="tx1"/>
+                      </a:solidFill>
+                      <a:prstDash val="solid"/>
+                      <a:round/>
+                      <a:headEnd type="none" w="med" len="med"/>
+                      <a:tailEnd type="none" w="med" len="med"/>
+                    </a:lnR>
+                    <a:lnT w="12700" cap="flat" cmpd="sng" algn="ctr">
+                      <a:solidFill>
+                        <a:schemeClr val="tx1"/>
+                      </a:solidFill>
+                      <a:prstDash val="solid"/>
+                      <a:round/>
+                      <a:headEnd type="none" w="med" len="med"/>
+                      <a:tailEnd type="none" w="med" len="med"/>
+                    </a:lnT>
+                    <a:lnB w="12700" cap="flat" cmpd="sng" algn="ctr">
+                      <a:solidFill>
+                        <a:schemeClr val="tx1"/>
+                      </a:solidFill>
+                      <a:prstDash val="solid"/>
+                      <a:round/>
+                      <a:headEnd type="none" w="med" len="med"/>
+                      <a:tailEnd type="none" w="med" len="med"/>
+                    </a:lnB>
+                  </a:tcPr>
+                </a:tc>
+                <a:tc>
+                  <a:txBody>
+                    <a:bodyPr/>
+                    <a:lstStyle/>
+                    <a:p>
+                      <a:pPr marL="0" marR="0" lvl="0" indent="0" algn="l" defTabSz="1219170" rtl="1" eaLnBrk="1" fontAlgn="auto" latinLnBrk="0" hangingPunct="1">
                         <a:lnSpc>
                           <a:spcPct val="100000"/>
                         </a:lnSpc>
@@ -39868,39 +39220,56 @@
                         <a:defRPr/>
                       </a:pPr>
                       <a:r>
-                        <a:rPr lang="en-US" dirty="0"/>
-                        <a:t>Speech1.mp3</a:t>
+                        <a:rPr lang="en-US" sz="1800" dirty="0"/>
+                        <a:t>Customer Site, System</a:t>
                       </a:r>
                     </a:p>
                   </a:txBody>
-                  <a:tcPr/>
+                  <a:tcPr>
+                    <a:lnL w="12700" cap="flat" cmpd="sng" algn="ctr">
+                      <a:solidFill>
+                        <a:schemeClr val="tx1"/>
+                      </a:solidFill>
+                      <a:prstDash val="solid"/>
+                      <a:round/>
+                      <a:headEnd type="none" w="med" len="med"/>
+                      <a:tailEnd type="none" w="med" len="med"/>
+                    </a:lnL>
+                    <a:lnR w="12700" cap="flat" cmpd="sng" algn="ctr">
+                      <a:solidFill>
+                        <a:schemeClr val="tx1"/>
+                      </a:solidFill>
+                      <a:prstDash val="solid"/>
+                      <a:round/>
+                      <a:headEnd type="none" w="med" len="med"/>
+                      <a:tailEnd type="none" w="med" len="med"/>
+                    </a:lnR>
+                    <a:lnT w="12700" cap="flat" cmpd="sng" algn="ctr">
+                      <a:solidFill>
+                        <a:schemeClr val="tx1"/>
+                      </a:solidFill>
+                      <a:prstDash val="solid"/>
+                      <a:round/>
+                      <a:headEnd type="none" w="med" len="med"/>
+                      <a:tailEnd type="none" w="med" len="med"/>
+                    </a:lnT>
+                    <a:lnB w="12700" cap="flat" cmpd="sng" algn="ctr">
+                      <a:solidFill>
+                        <a:schemeClr val="tx1"/>
+                      </a:solidFill>
+                      <a:prstDash val="solid"/>
+                      <a:round/>
+                      <a:headEnd type="none" w="med" len="med"/>
+                      <a:tailEnd type="none" w="med" len="med"/>
+                    </a:lnB>
+                  </a:tcPr>
                 </a:tc>
                 <a:tc>
                   <a:txBody>
                     <a:bodyPr/>
                     <a:lstStyle/>
                     <a:p>
-                      <a:r>
-                        <a:rPr lang="en-US" dirty="0"/>
-                        <a:t>88.4</a:t>
-                      </a:r>
-                    </a:p>
-                  </a:txBody>
-                  <a:tcPr/>
-                </a:tc>
-                <a:extLst>
-                  <a:ext uri="{0D108BD9-81ED-4DB2-BD59-A6C34878D82A}">
-                    <a16:rowId xmlns:a16="http://schemas.microsoft.com/office/drawing/2014/main" val="1255319981"/>
-                  </a:ext>
-                </a:extLst>
-              </a:tr>
-              <a:tr h="370840">
-                <a:tc>
-                  <a:txBody>
-                    <a:bodyPr/>
-                    <a:lstStyle/>
-                    <a:p>
-                      <a:pPr marL="0" marR="0" lvl="0" indent="0" algn="l" defTabSz="914400" rtl="0" eaLnBrk="1" fontAlgn="auto" latinLnBrk="0" hangingPunct="1">
+                      <a:pPr marL="0" marR="0" lvl="0" indent="0" algn="l" defTabSz="1219170" rtl="1" eaLnBrk="1" fontAlgn="auto" latinLnBrk="0" hangingPunct="1">
                         <a:lnSpc>
                           <a:spcPct val="100000"/>
                         </a:lnSpc>
@@ -39918,39 +39287,224 @@
                         <a:defRPr/>
                       </a:pPr>
                       <a:r>
-                        <a:rPr lang="en-US" dirty="0"/>
-                        <a:t>Speech2.mp3</a:t>
+                        <a:rPr lang="en-US" sz="1800" dirty="0"/>
+                        <a:t>Filling Forms</a:t>
                       </a:r>
+                      <a:endParaRPr lang="he-IL" sz="1800" dirty="0"/>
+                    </a:p>
+                    <a:p>
+                      <a:pPr rtl="1"/>
+                      <a:endParaRPr lang="he-IL" sz="1800" dirty="0"/>
                     </a:p>
                   </a:txBody>
-                  <a:tcPr/>
+                  <a:tcPr>
+                    <a:lnL w="12700" cap="flat" cmpd="sng" algn="ctr">
+                      <a:solidFill>
+                        <a:schemeClr val="tx1"/>
+                      </a:solidFill>
+                      <a:prstDash val="solid"/>
+                      <a:round/>
+                      <a:headEnd type="none" w="med" len="med"/>
+                      <a:tailEnd type="none" w="med" len="med"/>
+                    </a:lnL>
+                    <a:lnR w="12700" cap="flat" cmpd="sng" algn="ctr">
+                      <a:solidFill>
+                        <a:schemeClr val="tx1"/>
+                      </a:solidFill>
+                      <a:prstDash val="solid"/>
+                      <a:round/>
+                      <a:headEnd type="none" w="med" len="med"/>
+                      <a:tailEnd type="none" w="med" len="med"/>
+                    </a:lnR>
+                    <a:lnT w="12700" cap="flat" cmpd="sng" algn="ctr">
+                      <a:solidFill>
+                        <a:schemeClr val="tx1"/>
+                      </a:solidFill>
+                      <a:prstDash val="solid"/>
+                      <a:round/>
+                      <a:headEnd type="none" w="med" len="med"/>
+                      <a:tailEnd type="none" w="med" len="med"/>
+                    </a:lnT>
+                    <a:lnB w="12700" cap="flat" cmpd="sng" algn="ctr">
+                      <a:solidFill>
+                        <a:schemeClr val="tx1"/>
+                      </a:solidFill>
+                      <a:prstDash val="solid"/>
+                      <a:round/>
+                      <a:headEnd type="none" w="med" len="med"/>
+                      <a:tailEnd type="none" w="med" len="med"/>
+                    </a:lnB>
+                  </a:tcPr>
                 </a:tc>
                 <a:tc>
                   <a:txBody>
                     <a:bodyPr/>
                     <a:lstStyle/>
                     <a:p>
+                      <a:pPr rtl="1"/>
                       <a:r>
-                        <a:rPr lang="en-US" dirty="0"/>
-                        <a:t>81.9</a:t>
+                        <a:rPr lang="en-US" sz="1800" dirty="0"/>
+                        <a:t>1.</a:t>
                       </a:r>
+                      <a:endParaRPr lang="he-IL" sz="1800" dirty="0"/>
                     </a:p>
                   </a:txBody>
-                  <a:tcPr/>
+                  <a:tcPr>
+                    <a:lnL w="12700" cap="flat" cmpd="sng" algn="ctr">
+                      <a:solidFill>
+                        <a:schemeClr val="tx1"/>
+                      </a:solidFill>
+                      <a:prstDash val="solid"/>
+                      <a:round/>
+                      <a:headEnd type="none" w="med" len="med"/>
+                      <a:tailEnd type="none" w="med" len="med"/>
+                    </a:lnL>
+                    <a:lnR w="12700" cap="flat" cmpd="sng" algn="ctr">
+                      <a:solidFill>
+                        <a:schemeClr val="tx1"/>
+                      </a:solidFill>
+                      <a:prstDash val="solid"/>
+                      <a:round/>
+                      <a:headEnd type="none" w="med" len="med"/>
+                      <a:tailEnd type="none" w="med" len="med"/>
+                    </a:lnR>
+                    <a:lnT w="12700" cap="flat" cmpd="sng" algn="ctr">
+                      <a:solidFill>
+                        <a:schemeClr val="tx1"/>
+                      </a:solidFill>
+                      <a:prstDash val="solid"/>
+                      <a:round/>
+                      <a:headEnd type="none" w="med" len="med"/>
+                      <a:tailEnd type="none" w="med" len="med"/>
+                    </a:lnT>
+                    <a:lnB w="12700" cap="flat" cmpd="sng" algn="ctr">
+                      <a:solidFill>
+                        <a:schemeClr val="tx1"/>
+                      </a:solidFill>
+                      <a:prstDash val="solid"/>
+                      <a:round/>
+                      <a:headEnd type="none" w="med" len="med"/>
+                      <a:tailEnd type="none" w="med" len="med"/>
+                    </a:lnB>
+                  </a:tcPr>
                 </a:tc>
                 <a:extLst>
                   <a:ext uri="{0D108BD9-81ED-4DB2-BD59-A6C34878D82A}">
-                    <a16:rowId xmlns:a16="http://schemas.microsoft.com/office/drawing/2014/main" val="2613193436"/>
+                    <a16:rowId xmlns:a16="http://schemas.microsoft.com/office/drawing/2014/main" val="3277181285"/>
                   </a:ext>
                 </a:extLst>
               </a:tr>
-              <a:tr h="370840">
+              <a:tr h="1117423">
                 <a:tc>
                   <a:txBody>
                     <a:bodyPr/>
                     <a:lstStyle/>
                     <a:p>
-                      <a:pPr marL="0" marR="0" lvl="0" indent="0" algn="l" defTabSz="914400" rtl="0" eaLnBrk="1" fontAlgn="auto" latinLnBrk="0" hangingPunct="1">
+                      <a:pPr rtl="1"/>
+                      <a:r>
+                        <a:rPr lang="en-US" sz="1800" dirty="0"/>
+                        <a:t>Filling in log file with the content of the extracted command</a:t>
+                      </a:r>
+                      <a:endParaRPr lang="he-IL" sz="1800" dirty="0"/>
+                    </a:p>
+                  </a:txBody>
+                  <a:tcPr>
+                    <a:lnL w="12700" cap="flat" cmpd="sng" algn="ctr">
+                      <a:solidFill>
+                        <a:schemeClr val="tx1"/>
+                      </a:solidFill>
+                      <a:prstDash val="solid"/>
+                      <a:round/>
+                      <a:headEnd type="none" w="med" len="med"/>
+                      <a:tailEnd type="none" w="med" len="med"/>
+                    </a:lnL>
+                    <a:lnR w="12700" cap="flat" cmpd="sng" algn="ctr">
+                      <a:solidFill>
+                        <a:schemeClr val="tx1"/>
+                      </a:solidFill>
+                      <a:prstDash val="solid"/>
+                      <a:round/>
+                      <a:headEnd type="none" w="med" len="med"/>
+                      <a:tailEnd type="none" w="med" len="med"/>
+                    </a:lnR>
+                    <a:lnT w="12700" cap="flat" cmpd="sng" algn="ctr">
+                      <a:solidFill>
+                        <a:schemeClr val="tx1"/>
+                      </a:solidFill>
+                      <a:prstDash val="solid"/>
+                      <a:round/>
+                      <a:headEnd type="none" w="med" len="med"/>
+                      <a:tailEnd type="none" w="med" len="med"/>
+                    </a:lnT>
+                    <a:lnB w="12700" cap="flat" cmpd="sng" algn="ctr">
+                      <a:solidFill>
+                        <a:schemeClr val="tx1"/>
+                      </a:solidFill>
+                      <a:prstDash val="solid"/>
+                      <a:round/>
+                      <a:headEnd type="none" w="med" len="med"/>
+                      <a:tailEnd type="none" w="med" len="med"/>
+                    </a:lnB>
+                  </a:tcPr>
+                </a:tc>
+                <a:tc>
+                  <a:txBody>
+                    <a:bodyPr/>
+                    <a:lstStyle/>
+                    <a:p>
+                      <a:pPr rtl="1"/>
+                      <a:r>
+                        <a:rPr lang="en-US" sz="1800" dirty="0"/>
+                        <a:t>Customer user fails to execute some website functionality via speech command</a:t>
+                      </a:r>
+                      <a:endParaRPr lang="he-IL" sz="1800" dirty="0"/>
+                    </a:p>
+                  </a:txBody>
+                  <a:tcPr>
+                    <a:lnL w="12700" cap="flat" cmpd="sng" algn="ctr">
+                      <a:solidFill>
+                        <a:schemeClr val="tx1"/>
+                      </a:solidFill>
+                      <a:prstDash val="solid"/>
+                      <a:round/>
+                      <a:headEnd type="none" w="med" len="med"/>
+                      <a:tailEnd type="none" w="med" len="med"/>
+                    </a:lnL>
+                    <a:lnR w="12700" cap="flat" cmpd="sng" algn="ctr">
+                      <a:solidFill>
+                        <a:schemeClr val="tx1"/>
+                      </a:solidFill>
+                      <a:prstDash val="solid"/>
+                      <a:round/>
+                      <a:headEnd type="none" w="med" len="med"/>
+                      <a:tailEnd type="none" w="med" len="med"/>
+                    </a:lnR>
+                    <a:lnT w="12700" cap="flat" cmpd="sng" algn="ctr">
+                      <a:solidFill>
+                        <a:schemeClr val="tx1"/>
+                      </a:solidFill>
+                      <a:prstDash val="solid"/>
+                      <a:round/>
+                      <a:headEnd type="none" w="med" len="med"/>
+                      <a:tailEnd type="none" w="med" len="med"/>
+                    </a:lnT>
+                    <a:lnB w="12700" cap="flat" cmpd="sng" algn="ctr">
+                      <a:solidFill>
+                        <a:schemeClr val="tx1"/>
+                      </a:solidFill>
+                      <a:prstDash val="solid"/>
+                      <a:round/>
+                      <a:headEnd type="none" w="med" len="med"/>
+                      <a:tailEnd type="none" w="med" len="med"/>
+                    </a:lnB>
+                  </a:tcPr>
+                </a:tc>
+                <a:tc>
+                  <a:txBody>
+                    <a:bodyPr/>
+                    <a:lstStyle/>
+                    <a:p>
+                      <a:pPr marL="0" marR="0" lvl="0" indent="0" algn="l" defTabSz="1219170" rtl="1" eaLnBrk="1" fontAlgn="auto" latinLnBrk="0" hangingPunct="1">
                         <a:lnSpc>
                           <a:spcPct val="100000"/>
                         </a:lnSpc>
@@ -39968,29 +39522,752 @@
                         <a:defRPr/>
                       </a:pPr>
                       <a:r>
-                        <a:rPr lang="en-US" dirty="0"/>
-                        <a:t>Speech3.mp3</a:t>
+                        <a:rPr lang="en-US" sz="1800" dirty="0"/>
+                        <a:t>System</a:t>
                       </a:r>
                     </a:p>
                   </a:txBody>
-                  <a:tcPr/>
+                  <a:tcPr>
+                    <a:lnL w="12700" cap="flat" cmpd="sng" algn="ctr">
+                      <a:solidFill>
+                        <a:schemeClr val="tx1"/>
+                      </a:solidFill>
+                      <a:prstDash val="solid"/>
+                      <a:round/>
+                      <a:headEnd type="none" w="med" len="med"/>
+                      <a:tailEnd type="none" w="med" len="med"/>
+                    </a:lnL>
+                    <a:lnR w="12700" cap="flat" cmpd="sng" algn="ctr">
+                      <a:solidFill>
+                        <a:schemeClr val="tx1"/>
+                      </a:solidFill>
+                      <a:prstDash val="solid"/>
+                      <a:round/>
+                      <a:headEnd type="none" w="med" len="med"/>
+                      <a:tailEnd type="none" w="med" len="med"/>
+                    </a:lnR>
+                    <a:lnT w="12700" cap="flat" cmpd="sng" algn="ctr">
+                      <a:solidFill>
+                        <a:schemeClr val="tx1"/>
+                      </a:solidFill>
+                      <a:prstDash val="solid"/>
+                      <a:round/>
+                      <a:headEnd type="none" w="med" len="med"/>
+                      <a:tailEnd type="none" w="med" len="med"/>
+                    </a:lnT>
+                    <a:lnB w="12700" cap="flat" cmpd="sng" algn="ctr">
+                      <a:solidFill>
+                        <a:schemeClr val="tx1"/>
+                      </a:solidFill>
+                      <a:prstDash val="solid"/>
+                      <a:round/>
+                      <a:headEnd type="none" w="med" len="med"/>
+                      <a:tailEnd type="none" w="med" len="med"/>
+                    </a:lnB>
+                  </a:tcPr>
                 </a:tc>
                 <a:tc>
                   <a:txBody>
                     <a:bodyPr/>
                     <a:lstStyle/>
                     <a:p>
+                      <a:pPr rtl="1"/>
                       <a:r>
-                        <a:rPr lang="en-US" dirty="0"/>
-                        <a:t>69.61</a:t>
+                        <a:rPr lang="en-US" sz="1800" dirty="0"/>
+                        <a:t>User command failed</a:t>
+                      </a:r>
+                      <a:endParaRPr lang="he-IL" sz="1800" dirty="0"/>
+                    </a:p>
+                  </a:txBody>
+                  <a:tcPr>
+                    <a:lnL w="12700" cap="flat" cmpd="sng" algn="ctr">
+                      <a:solidFill>
+                        <a:schemeClr val="tx1"/>
+                      </a:solidFill>
+                      <a:prstDash val="solid"/>
+                      <a:round/>
+                      <a:headEnd type="none" w="med" len="med"/>
+                      <a:tailEnd type="none" w="med" len="med"/>
+                    </a:lnL>
+                    <a:lnR w="12700" cap="flat" cmpd="sng" algn="ctr">
+                      <a:solidFill>
+                        <a:schemeClr val="tx1"/>
+                      </a:solidFill>
+                      <a:prstDash val="solid"/>
+                      <a:round/>
+                      <a:headEnd type="none" w="med" len="med"/>
+                      <a:tailEnd type="none" w="med" len="med"/>
+                    </a:lnR>
+                    <a:lnT w="12700" cap="flat" cmpd="sng" algn="ctr">
+                      <a:solidFill>
+                        <a:schemeClr val="tx1"/>
+                      </a:solidFill>
+                      <a:prstDash val="solid"/>
+                      <a:round/>
+                      <a:headEnd type="none" w="med" len="med"/>
+                      <a:tailEnd type="none" w="med" len="med"/>
+                    </a:lnT>
+                    <a:lnB w="12700" cap="flat" cmpd="sng" algn="ctr">
+                      <a:solidFill>
+                        <a:schemeClr val="tx1"/>
+                      </a:solidFill>
+                      <a:prstDash val="solid"/>
+                      <a:round/>
+                      <a:headEnd type="none" w="med" len="med"/>
+                      <a:tailEnd type="none" w="med" len="med"/>
+                    </a:lnB>
+                  </a:tcPr>
+                </a:tc>
+                <a:tc>
+                  <a:txBody>
+                    <a:bodyPr/>
+                    <a:lstStyle/>
+                    <a:p>
+                      <a:pPr rtl="1"/>
+                      <a:r>
+                        <a:rPr lang="en-US" sz="1800" dirty="0"/>
+                        <a:t>2.</a:t>
+                      </a:r>
+                      <a:endParaRPr lang="he-IL" sz="1800" dirty="0"/>
+                    </a:p>
+                  </a:txBody>
+                  <a:tcPr>
+                    <a:lnL w="12700" cap="flat" cmpd="sng" algn="ctr">
+                      <a:solidFill>
+                        <a:schemeClr val="tx1"/>
+                      </a:solidFill>
+                      <a:prstDash val="solid"/>
+                      <a:round/>
+                      <a:headEnd type="none" w="med" len="med"/>
+                      <a:tailEnd type="none" w="med" len="med"/>
+                    </a:lnL>
+                    <a:lnR w="12700" cap="flat" cmpd="sng" algn="ctr">
+                      <a:solidFill>
+                        <a:schemeClr val="tx1"/>
+                      </a:solidFill>
+                      <a:prstDash val="solid"/>
+                      <a:round/>
+                      <a:headEnd type="none" w="med" len="med"/>
+                      <a:tailEnd type="none" w="med" len="med"/>
+                    </a:lnR>
+                    <a:lnT w="12700" cap="flat" cmpd="sng" algn="ctr">
+                      <a:solidFill>
+                        <a:schemeClr val="tx1"/>
+                      </a:solidFill>
+                      <a:prstDash val="solid"/>
+                      <a:round/>
+                      <a:headEnd type="none" w="med" len="med"/>
+                      <a:tailEnd type="none" w="med" len="med"/>
+                    </a:lnT>
+                    <a:lnB w="12700" cap="flat" cmpd="sng" algn="ctr">
+                      <a:solidFill>
+                        <a:schemeClr val="tx1"/>
+                      </a:solidFill>
+                      <a:prstDash val="solid"/>
+                      <a:round/>
+                      <a:headEnd type="none" w="med" len="med"/>
+                      <a:tailEnd type="none" w="med" len="med"/>
+                    </a:lnB>
+                  </a:tcPr>
+                </a:tc>
+                <a:extLst>
+                  <a:ext uri="{0D108BD9-81ED-4DB2-BD59-A6C34878D82A}">
+                    <a16:rowId xmlns:a16="http://schemas.microsoft.com/office/drawing/2014/main" val="1536320146"/>
+                  </a:ext>
+                </a:extLst>
+              </a:tr>
+              <a:tr h="1380346">
+                <a:tc>
+                  <a:txBody>
+                    <a:bodyPr/>
+                    <a:lstStyle/>
+                    <a:p>
+                      <a:pPr rtl="1"/>
+                      <a:r>
+                        <a:rPr lang="en-US" sz="1800" dirty="0"/>
+                        <a:t>Customer site executes the requested functionality and shows the data</a:t>
+                      </a:r>
+                      <a:endParaRPr lang="he-IL" sz="1800" dirty="0"/>
+                    </a:p>
+                  </a:txBody>
+                  <a:tcPr>
+                    <a:lnL w="12700" cap="flat" cmpd="sng" algn="ctr">
+                      <a:solidFill>
+                        <a:schemeClr val="tx1"/>
+                      </a:solidFill>
+                      <a:prstDash val="solid"/>
+                      <a:round/>
+                      <a:headEnd type="none" w="med" len="med"/>
+                      <a:tailEnd type="none" w="med" len="med"/>
+                    </a:lnL>
+                    <a:lnR w="12700" cap="flat" cmpd="sng" algn="ctr">
+                      <a:solidFill>
+                        <a:schemeClr val="tx1"/>
+                      </a:solidFill>
+                      <a:prstDash val="solid"/>
+                      <a:round/>
+                      <a:headEnd type="none" w="med" len="med"/>
+                      <a:tailEnd type="none" w="med" len="med"/>
+                    </a:lnR>
+                    <a:lnT w="12700" cap="flat" cmpd="sng" algn="ctr">
+                      <a:solidFill>
+                        <a:schemeClr val="tx1"/>
+                      </a:solidFill>
+                      <a:prstDash val="solid"/>
+                      <a:round/>
+                      <a:headEnd type="none" w="med" len="med"/>
+                      <a:tailEnd type="none" w="med" len="med"/>
+                    </a:lnT>
+                    <a:lnB w="12700" cap="flat" cmpd="sng" algn="ctr">
+                      <a:solidFill>
+                        <a:schemeClr val="tx1"/>
+                      </a:solidFill>
+                      <a:prstDash val="solid"/>
+                      <a:round/>
+                      <a:headEnd type="none" w="med" len="med"/>
+                      <a:tailEnd type="none" w="med" len="med"/>
+                    </a:lnB>
+                  </a:tcPr>
+                </a:tc>
+                <a:tc>
+                  <a:txBody>
+                    <a:bodyPr/>
+                    <a:lstStyle/>
+                    <a:p>
+                      <a:pPr marL="0" marR="0" lvl="0" indent="0" algn="l" defTabSz="1219170" rtl="1" eaLnBrk="1" fontAlgn="auto" latinLnBrk="0" hangingPunct="1">
+                        <a:lnSpc>
+                          <a:spcPct val="100000"/>
+                        </a:lnSpc>
+                        <a:spcBef>
+                          <a:spcPts val="0"/>
+                        </a:spcBef>
+                        <a:spcAft>
+                          <a:spcPts val="0"/>
+                        </a:spcAft>
+                        <a:buClrTx/>
+                        <a:buSzTx/>
+                        <a:buFontTx/>
+                        <a:buNone/>
+                        <a:tabLst/>
+                        <a:defRPr/>
+                      </a:pPr>
+                      <a:r>
+                        <a:rPr lang="en-US" sz="1800" dirty="0"/>
+                        <a:t>Customer user succeeds to execute some website functionality via speech command </a:t>
+                      </a:r>
+                      <a:endParaRPr lang="he-IL" sz="1800" dirty="0"/>
+                    </a:p>
+                    <a:p>
+                      <a:pPr rtl="1"/>
+                      <a:endParaRPr lang="he-IL" sz="1800" dirty="0"/>
+                    </a:p>
+                  </a:txBody>
+                  <a:tcPr>
+                    <a:lnL w="12700" cap="flat" cmpd="sng" algn="ctr">
+                      <a:solidFill>
+                        <a:schemeClr val="tx1"/>
+                      </a:solidFill>
+                      <a:prstDash val="solid"/>
+                      <a:round/>
+                      <a:headEnd type="none" w="med" len="med"/>
+                      <a:tailEnd type="none" w="med" len="med"/>
+                    </a:lnL>
+                    <a:lnR w="12700" cap="flat" cmpd="sng" algn="ctr">
+                      <a:solidFill>
+                        <a:schemeClr val="tx1"/>
+                      </a:solidFill>
+                      <a:prstDash val="solid"/>
+                      <a:round/>
+                      <a:headEnd type="none" w="med" len="med"/>
+                      <a:tailEnd type="none" w="med" len="med"/>
+                    </a:lnR>
+                    <a:lnT w="12700" cap="flat" cmpd="sng" algn="ctr">
+                      <a:solidFill>
+                        <a:schemeClr val="tx1"/>
+                      </a:solidFill>
+                      <a:prstDash val="solid"/>
+                      <a:round/>
+                      <a:headEnd type="none" w="med" len="med"/>
+                      <a:tailEnd type="none" w="med" len="med"/>
+                    </a:lnT>
+                    <a:lnB w="12700" cap="flat" cmpd="sng" algn="ctr">
+                      <a:solidFill>
+                        <a:schemeClr val="tx1"/>
+                      </a:solidFill>
+                      <a:prstDash val="solid"/>
+                      <a:round/>
+                      <a:headEnd type="none" w="med" len="med"/>
+                      <a:tailEnd type="none" w="med" len="med"/>
+                    </a:lnB>
+                  </a:tcPr>
+                </a:tc>
+                <a:tc>
+                  <a:txBody>
+                    <a:bodyPr/>
+                    <a:lstStyle/>
+                    <a:p>
+                      <a:pPr marL="0" marR="0" lvl="0" indent="0" algn="l" defTabSz="1219170" rtl="1" eaLnBrk="1" fontAlgn="auto" latinLnBrk="0" hangingPunct="1">
+                        <a:lnSpc>
+                          <a:spcPct val="100000"/>
+                        </a:lnSpc>
+                        <a:spcBef>
+                          <a:spcPts val="0"/>
+                        </a:spcBef>
+                        <a:spcAft>
+                          <a:spcPts val="0"/>
+                        </a:spcAft>
+                        <a:buClrTx/>
+                        <a:buSzTx/>
+                        <a:buFontTx/>
+                        <a:buNone/>
+                        <a:tabLst/>
+                        <a:defRPr/>
+                      </a:pPr>
+                      <a:r>
+                        <a:rPr lang="en-US" sz="1800" dirty="0"/>
+                        <a:t>Customer Site, System</a:t>
                       </a:r>
                     </a:p>
                   </a:txBody>
-                  <a:tcPr/>
+                  <a:tcPr>
+                    <a:lnL w="12700" cap="flat" cmpd="sng" algn="ctr">
+                      <a:solidFill>
+                        <a:schemeClr val="tx1"/>
+                      </a:solidFill>
+                      <a:prstDash val="solid"/>
+                      <a:round/>
+                      <a:headEnd type="none" w="med" len="med"/>
+                      <a:tailEnd type="none" w="med" len="med"/>
+                    </a:lnL>
+                    <a:lnR w="12700" cap="flat" cmpd="sng" algn="ctr">
+                      <a:solidFill>
+                        <a:schemeClr val="tx1"/>
+                      </a:solidFill>
+                      <a:prstDash val="solid"/>
+                      <a:round/>
+                      <a:headEnd type="none" w="med" len="med"/>
+                      <a:tailEnd type="none" w="med" len="med"/>
+                    </a:lnR>
+                    <a:lnT w="12700" cap="flat" cmpd="sng" algn="ctr">
+                      <a:solidFill>
+                        <a:schemeClr val="tx1"/>
+                      </a:solidFill>
+                      <a:prstDash val="solid"/>
+                      <a:round/>
+                      <a:headEnd type="none" w="med" len="med"/>
+                      <a:tailEnd type="none" w="med" len="med"/>
+                    </a:lnT>
+                    <a:lnB w="12700" cap="flat" cmpd="sng" algn="ctr">
+                      <a:solidFill>
+                        <a:schemeClr val="tx1"/>
+                      </a:solidFill>
+                      <a:prstDash val="solid"/>
+                      <a:round/>
+                      <a:headEnd type="none" w="med" len="med"/>
+                      <a:tailEnd type="none" w="med" len="med"/>
+                    </a:lnB>
+                  </a:tcPr>
+                </a:tc>
+                <a:tc>
+                  <a:txBody>
+                    <a:bodyPr/>
+                    <a:lstStyle/>
+                    <a:p>
+                      <a:pPr rtl="1"/>
+                      <a:r>
+                        <a:rPr lang="en-US" sz="1800" dirty="0"/>
+                        <a:t>User command passed</a:t>
+                      </a:r>
+                      <a:endParaRPr lang="he-IL" sz="1800" dirty="0"/>
+                    </a:p>
+                  </a:txBody>
+                  <a:tcPr>
+                    <a:lnL w="12700" cap="flat" cmpd="sng" algn="ctr">
+                      <a:solidFill>
+                        <a:schemeClr val="tx1"/>
+                      </a:solidFill>
+                      <a:prstDash val="solid"/>
+                      <a:round/>
+                      <a:headEnd type="none" w="med" len="med"/>
+                      <a:tailEnd type="none" w="med" len="med"/>
+                    </a:lnL>
+                    <a:lnR w="12700" cap="flat" cmpd="sng" algn="ctr">
+                      <a:solidFill>
+                        <a:schemeClr val="tx1"/>
+                      </a:solidFill>
+                      <a:prstDash val="solid"/>
+                      <a:round/>
+                      <a:headEnd type="none" w="med" len="med"/>
+                      <a:tailEnd type="none" w="med" len="med"/>
+                    </a:lnR>
+                    <a:lnT w="12700" cap="flat" cmpd="sng" algn="ctr">
+                      <a:solidFill>
+                        <a:schemeClr val="tx1"/>
+                      </a:solidFill>
+                      <a:prstDash val="solid"/>
+                      <a:round/>
+                      <a:headEnd type="none" w="med" len="med"/>
+                      <a:tailEnd type="none" w="med" len="med"/>
+                    </a:lnT>
+                    <a:lnB w="12700" cap="flat" cmpd="sng" algn="ctr">
+                      <a:solidFill>
+                        <a:schemeClr val="tx1"/>
+                      </a:solidFill>
+                      <a:prstDash val="solid"/>
+                      <a:round/>
+                      <a:headEnd type="none" w="med" len="med"/>
+                      <a:tailEnd type="none" w="med" len="med"/>
+                    </a:lnB>
+                  </a:tcPr>
+                </a:tc>
+                <a:tc>
+                  <a:txBody>
+                    <a:bodyPr/>
+                    <a:lstStyle/>
+                    <a:p>
+                      <a:pPr rtl="1"/>
+                      <a:r>
+                        <a:rPr lang="en-US" sz="1800" dirty="0"/>
+                        <a:t>3.</a:t>
+                      </a:r>
+                      <a:endParaRPr lang="he-IL" sz="1800" dirty="0"/>
+                    </a:p>
+                  </a:txBody>
+                  <a:tcPr>
+                    <a:lnL w="12700" cap="flat" cmpd="sng" algn="ctr">
+                      <a:solidFill>
+                        <a:schemeClr val="tx1"/>
+                      </a:solidFill>
+                      <a:prstDash val="solid"/>
+                      <a:round/>
+                      <a:headEnd type="none" w="med" len="med"/>
+                      <a:tailEnd type="none" w="med" len="med"/>
+                    </a:lnL>
+                    <a:lnR w="12700" cap="flat" cmpd="sng" algn="ctr">
+                      <a:solidFill>
+                        <a:schemeClr val="tx1"/>
+                      </a:solidFill>
+                      <a:prstDash val="solid"/>
+                      <a:round/>
+                      <a:headEnd type="none" w="med" len="med"/>
+                      <a:tailEnd type="none" w="med" len="med"/>
+                    </a:lnR>
+                    <a:lnT w="12700" cap="flat" cmpd="sng" algn="ctr">
+                      <a:solidFill>
+                        <a:schemeClr val="tx1"/>
+                      </a:solidFill>
+                      <a:prstDash val="solid"/>
+                      <a:round/>
+                      <a:headEnd type="none" w="med" len="med"/>
+                      <a:tailEnd type="none" w="med" len="med"/>
+                    </a:lnT>
+                    <a:lnB w="12700" cap="flat" cmpd="sng" algn="ctr">
+                      <a:solidFill>
+                        <a:schemeClr val="tx1"/>
+                      </a:solidFill>
+                      <a:prstDash val="solid"/>
+                      <a:round/>
+                      <a:headEnd type="none" w="med" len="med"/>
+                      <a:tailEnd type="none" w="med" len="med"/>
+                    </a:lnB>
+                  </a:tcPr>
                 </a:tc>
                 <a:extLst>
                   <a:ext uri="{0D108BD9-81ED-4DB2-BD59-A6C34878D82A}">
-                    <a16:rowId xmlns:a16="http://schemas.microsoft.com/office/drawing/2014/main" val="2393192914"/>
+                    <a16:rowId xmlns:a16="http://schemas.microsoft.com/office/drawing/2014/main" val="6881426"/>
+                  </a:ext>
+                </a:extLst>
+              </a:tr>
+              <a:tr h="897261">
+                <a:tc>
+                  <a:txBody>
+                    <a:bodyPr/>
+                    <a:lstStyle/>
+                    <a:p>
+                      <a:pPr rtl="1"/>
+                      <a:r>
+                        <a:rPr lang="en-US" sz="1800" dirty="0">
+                          <a:latin typeface="+mn-lt"/>
+                        </a:rPr>
+                        <a:t>Returns</a:t>
+                      </a:r>
+                      <a:r>
+                        <a:rPr lang="en-US" sz="1800" baseline="0" dirty="0">
+                          <a:latin typeface="+mn-lt"/>
+                        </a:rPr>
+                        <a:t> the matching action for each command</a:t>
+                      </a:r>
+                      <a:endParaRPr lang="he-IL" sz="1800" dirty="0">
+                        <a:latin typeface="+mn-lt"/>
+                      </a:endParaRPr>
+                    </a:p>
+                  </a:txBody>
+                  <a:tcPr>
+                    <a:lnL w="12700" cap="flat" cmpd="sng" algn="ctr">
+                      <a:solidFill>
+                        <a:schemeClr val="tx1"/>
+                      </a:solidFill>
+                      <a:prstDash val="solid"/>
+                      <a:round/>
+                      <a:headEnd type="none" w="med" len="med"/>
+                      <a:tailEnd type="none" w="med" len="med"/>
+                    </a:lnL>
+                    <a:lnR w="12700" cap="flat" cmpd="sng" algn="ctr">
+                      <a:solidFill>
+                        <a:schemeClr val="tx1"/>
+                      </a:solidFill>
+                      <a:prstDash val="solid"/>
+                      <a:round/>
+                      <a:headEnd type="none" w="med" len="med"/>
+                      <a:tailEnd type="none" w="med" len="med"/>
+                    </a:lnR>
+                    <a:lnT w="12700" cap="flat" cmpd="sng" algn="ctr">
+                      <a:solidFill>
+                        <a:schemeClr val="tx1"/>
+                      </a:solidFill>
+                      <a:prstDash val="solid"/>
+                      <a:round/>
+                      <a:headEnd type="none" w="med" len="med"/>
+                      <a:tailEnd type="none" w="med" len="med"/>
+                    </a:lnT>
+                    <a:lnB w="12700" cap="flat" cmpd="sng" algn="ctr">
+                      <a:solidFill>
+                        <a:schemeClr val="tx1"/>
+                      </a:solidFill>
+                      <a:prstDash val="solid"/>
+                      <a:round/>
+                      <a:headEnd type="none" w="med" len="med"/>
+                      <a:tailEnd type="none" w="med" len="med"/>
+                    </a:lnB>
+                  </a:tcPr>
+                </a:tc>
+                <a:tc>
+                  <a:txBody>
+                    <a:bodyPr/>
+                    <a:lstStyle/>
+                    <a:p>
+                      <a:pPr rtl="1"/>
+                      <a:r>
+                        <a:rPr lang="en-US" sz="1800" dirty="0">
+                          <a:latin typeface="+mn-lt"/>
+                        </a:rPr>
+                        <a:t>System checks all possible commands in DB</a:t>
+                      </a:r>
+                      <a:endParaRPr lang="he-IL" sz="1800" dirty="0">
+                        <a:latin typeface="+mn-lt"/>
+                      </a:endParaRPr>
+                    </a:p>
+                  </a:txBody>
+                  <a:tcPr>
+                    <a:lnL w="12700" cap="flat" cmpd="sng" algn="ctr">
+                      <a:solidFill>
+                        <a:schemeClr val="tx1"/>
+                      </a:solidFill>
+                      <a:prstDash val="solid"/>
+                      <a:round/>
+                      <a:headEnd type="none" w="med" len="med"/>
+                      <a:tailEnd type="none" w="med" len="med"/>
+                    </a:lnL>
+                    <a:lnR w="12700" cap="flat" cmpd="sng" algn="ctr">
+                      <a:solidFill>
+                        <a:schemeClr val="tx1"/>
+                      </a:solidFill>
+                      <a:prstDash val="solid"/>
+                      <a:round/>
+                      <a:headEnd type="none" w="med" len="med"/>
+                      <a:tailEnd type="none" w="med" len="med"/>
+                    </a:lnR>
+                    <a:lnT w="12700" cap="flat" cmpd="sng" algn="ctr">
+                      <a:solidFill>
+                        <a:schemeClr val="tx1"/>
+                      </a:solidFill>
+                      <a:prstDash val="solid"/>
+                      <a:round/>
+                      <a:headEnd type="none" w="med" len="med"/>
+                      <a:tailEnd type="none" w="med" len="med"/>
+                    </a:lnT>
+                    <a:lnB w="12700" cap="flat" cmpd="sng" algn="ctr">
+                      <a:solidFill>
+                        <a:schemeClr val="tx1"/>
+                      </a:solidFill>
+                      <a:prstDash val="solid"/>
+                      <a:round/>
+                      <a:headEnd type="none" w="med" len="med"/>
+                      <a:tailEnd type="none" w="med" len="med"/>
+                    </a:lnB>
+                  </a:tcPr>
+                </a:tc>
+                <a:tc>
+                  <a:txBody>
+                    <a:bodyPr/>
+                    <a:lstStyle/>
+                    <a:p>
+                      <a:pPr rtl="1"/>
+                      <a:r>
+                        <a:rPr lang="en-US" sz="1800" dirty="0">
+                          <a:latin typeface="+mn-lt"/>
+                        </a:rPr>
+                        <a:t>System</a:t>
+                      </a:r>
+                      <a:endParaRPr lang="he-IL" sz="1800" dirty="0">
+                        <a:latin typeface="+mn-lt"/>
+                      </a:endParaRPr>
+                    </a:p>
+                  </a:txBody>
+                  <a:tcPr>
+                    <a:lnL w="12700" cap="flat" cmpd="sng" algn="ctr">
+                      <a:solidFill>
+                        <a:schemeClr val="tx1"/>
+                      </a:solidFill>
+                      <a:prstDash val="solid"/>
+                      <a:round/>
+                      <a:headEnd type="none" w="med" len="med"/>
+                      <a:tailEnd type="none" w="med" len="med"/>
+                    </a:lnL>
+                    <a:lnR w="12700" cap="flat" cmpd="sng" algn="ctr">
+                      <a:solidFill>
+                        <a:schemeClr val="tx1"/>
+                      </a:solidFill>
+                      <a:prstDash val="solid"/>
+                      <a:round/>
+                      <a:headEnd type="none" w="med" len="med"/>
+                      <a:tailEnd type="none" w="med" len="med"/>
+                    </a:lnR>
+                    <a:lnT w="12700" cap="flat" cmpd="sng" algn="ctr">
+                      <a:solidFill>
+                        <a:schemeClr val="tx1"/>
+                      </a:solidFill>
+                      <a:prstDash val="solid"/>
+                      <a:round/>
+                      <a:headEnd type="none" w="med" len="med"/>
+                      <a:tailEnd type="none" w="med" len="med"/>
+                    </a:lnT>
+                    <a:lnB w="12700" cap="flat" cmpd="sng" algn="ctr">
+                      <a:solidFill>
+                        <a:schemeClr val="tx1"/>
+                      </a:solidFill>
+                      <a:prstDash val="solid"/>
+                      <a:round/>
+                      <a:headEnd type="none" w="med" len="med"/>
+                      <a:tailEnd type="none" w="med" len="med"/>
+                    </a:lnB>
+                  </a:tcPr>
+                </a:tc>
+                <a:tc>
+                  <a:txBody>
+                    <a:bodyPr/>
+                    <a:lstStyle/>
+                    <a:p>
+                      <a:pPr rtl="1"/>
+                      <a:r>
+                        <a:rPr lang="en-US" sz="1800" dirty="0">
+                          <a:latin typeface="+mn-lt"/>
+                        </a:rPr>
+                        <a:t>Checking all speech command</a:t>
+                      </a:r>
+                      <a:endParaRPr lang="he-IL" sz="1800" dirty="0">
+                        <a:latin typeface="+mn-lt"/>
+                      </a:endParaRPr>
+                    </a:p>
+                  </a:txBody>
+                  <a:tcPr>
+                    <a:lnL w="12700" cap="flat" cmpd="sng" algn="ctr">
+                      <a:solidFill>
+                        <a:schemeClr val="tx1"/>
+                      </a:solidFill>
+                      <a:prstDash val="solid"/>
+                      <a:round/>
+                      <a:headEnd type="none" w="med" len="med"/>
+                      <a:tailEnd type="none" w="med" len="med"/>
+                    </a:lnL>
+                    <a:lnR w="12700" cap="flat" cmpd="sng" algn="ctr">
+                      <a:solidFill>
+                        <a:schemeClr val="tx1"/>
+                      </a:solidFill>
+                      <a:prstDash val="solid"/>
+                      <a:round/>
+                      <a:headEnd type="none" w="med" len="med"/>
+                      <a:tailEnd type="none" w="med" len="med"/>
+                    </a:lnR>
+                    <a:lnT w="12700" cap="flat" cmpd="sng" algn="ctr">
+                      <a:solidFill>
+                        <a:schemeClr val="tx1"/>
+                      </a:solidFill>
+                      <a:prstDash val="solid"/>
+                      <a:round/>
+                      <a:headEnd type="none" w="med" len="med"/>
+                      <a:tailEnd type="none" w="med" len="med"/>
+                    </a:lnT>
+                    <a:lnB w="12700" cap="flat" cmpd="sng" algn="ctr">
+                      <a:solidFill>
+                        <a:schemeClr val="tx1"/>
+                      </a:solidFill>
+                      <a:prstDash val="solid"/>
+                      <a:round/>
+                      <a:headEnd type="none" w="med" len="med"/>
+                      <a:tailEnd type="none" w="med" len="med"/>
+                    </a:lnB>
+                  </a:tcPr>
+                </a:tc>
+                <a:tc>
+                  <a:txBody>
+                    <a:bodyPr/>
+                    <a:lstStyle/>
+                    <a:p>
+                      <a:pPr rtl="1"/>
+                      <a:r>
+                        <a:rPr lang="en-US" sz="1800" dirty="0">
+                          <a:latin typeface="+mn-lt"/>
+                        </a:rPr>
+                        <a:t>4.</a:t>
+                      </a:r>
+                      <a:endParaRPr lang="he-IL" sz="1800" dirty="0">
+                        <a:latin typeface="+mn-lt"/>
+                      </a:endParaRPr>
+                    </a:p>
+                  </a:txBody>
+                  <a:tcPr>
+                    <a:lnL w="12700" cap="flat" cmpd="sng" algn="ctr">
+                      <a:solidFill>
+                        <a:schemeClr val="tx1"/>
+                      </a:solidFill>
+                      <a:prstDash val="solid"/>
+                      <a:round/>
+                      <a:headEnd type="none" w="med" len="med"/>
+                      <a:tailEnd type="none" w="med" len="med"/>
+                    </a:lnL>
+                    <a:lnR w="12700" cap="flat" cmpd="sng" algn="ctr">
+                      <a:solidFill>
+                        <a:schemeClr val="tx1"/>
+                      </a:solidFill>
+                      <a:prstDash val="solid"/>
+                      <a:round/>
+                      <a:headEnd type="none" w="med" len="med"/>
+                      <a:tailEnd type="none" w="med" len="med"/>
+                    </a:lnR>
+                    <a:lnT w="12700" cap="flat" cmpd="sng" algn="ctr">
+                      <a:solidFill>
+                        <a:schemeClr val="tx1"/>
+                      </a:solidFill>
+                      <a:prstDash val="solid"/>
+                      <a:round/>
+                      <a:headEnd type="none" w="med" len="med"/>
+                      <a:tailEnd type="none" w="med" len="med"/>
+                    </a:lnT>
+                    <a:lnB w="12700" cap="flat" cmpd="sng" algn="ctr">
+                      <a:solidFill>
+                        <a:schemeClr val="tx1"/>
+                      </a:solidFill>
+                      <a:prstDash val="solid"/>
+                      <a:round/>
+                      <a:headEnd type="none" w="med" len="med"/>
+                      <a:tailEnd type="none" w="med" len="med"/>
+                    </a:lnB>
+                  </a:tcPr>
+                </a:tc>
+                <a:extLst>
+                  <a:ext uri="{0D108BD9-81ED-4DB2-BD59-A6C34878D82A}">
+                    <a16:rowId xmlns:a16="http://schemas.microsoft.com/office/drawing/2014/main" val="2012205499"/>
                   </a:ext>
                 </a:extLst>
               </a:tr>
@@ -39998,197 +40275,10 @@
           </a:graphicData>
         </a:graphic>
       </p:graphicFrame>
-      <p:sp>
-        <p:nvSpPr>
-          <p:cNvPr id="9" name="Slide Number Placeholder 8">
-            <a:extLst>
-              <a:ext uri="{FF2B5EF4-FFF2-40B4-BE49-F238E27FC236}">
-                <a16:creationId xmlns:a16="http://schemas.microsoft.com/office/drawing/2014/main" id="{2AEC00FA-FF96-108B-0A95-03407A2AC5BA}"/>
-              </a:ext>
-            </a:extLst>
-          </p:cNvPr>
-          <p:cNvSpPr>
-            <a:spLocks noGrp="1"/>
-          </p:cNvSpPr>
-          <p:nvPr>
-            <p:ph type="sldNum" sz="quarter" idx="12"/>
-          </p:nvPr>
-        </p:nvSpPr>
-        <p:spPr/>
-        <p:txBody>
-          <a:bodyPr/>
-          <a:lstStyle/>
-          <a:p>
-            <a:fld id="{9441F5BE-6670-48B1-A994-D8FDFBF156C8}" type="slidenum">
-              <a:rPr lang="en-US" smtClean="0"/>
-              <a:t>9</a:t>
-            </a:fld>
-            <a:endParaRPr lang="en-US"/>
-          </a:p>
-        </p:txBody>
-      </p:sp>
-      <p:sp>
-        <p:nvSpPr>
-          <p:cNvPr id="7" name="TextBox 6">
-            <a:extLst>
-              <a:ext uri="{FF2B5EF4-FFF2-40B4-BE49-F238E27FC236}">
-                <a16:creationId xmlns:a16="http://schemas.microsoft.com/office/drawing/2014/main" id="{CFCD5813-07DD-7E33-B381-94C4DDC05288}"/>
-              </a:ext>
-            </a:extLst>
-          </p:cNvPr>
-          <p:cNvSpPr txBox="1"/>
-          <p:nvPr/>
-        </p:nvSpPr>
-        <p:spPr>
-          <a:xfrm>
-            <a:off x="145071" y="1772816"/>
-            <a:ext cx="11901854" cy="1758110"/>
-          </a:xfrm>
-          <a:prstGeom prst="rect">
-            <a:avLst/>
-          </a:prstGeom>
-          <a:noFill/>
-        </p:spPr>
-        <p:txBody>
-          <a:bodyPr wrap="square" rtlCol="0">
-            <a:spAutoFit/>
-          </a:bodyPr>
-          <a:lstStyle/>
-          <a:p>
-            <a:pPr marL="800100" marR="0" indent="-342900">
-              <a:lnSpc>
-                <a:spcPct val="107000"/>
-              </a:lnSpc>
-              <a:spcBef>
-                <a:spcPts val="0"/>
-              </a:spcBef>
-              <a:spcAft>
-                <a:spcPts val="800"/>
-              </a:spcAft>
-              <a:buFont typeface="Arial" panose="020B0604020202020204" pitchFamily="34" charset="0"/>
-              <a:buChar char="•"/>
-            </a:pPr>
-            <a:r>
-              <a:rPr lang="en-US" sz="2400" dirty="0">
-                <a:effectLst/>
-                <a:ea typeface="Calibri" panose="020F0502020204030204" pitchFamily="34" charset="0"/>
-                <a:cs typeface="Arial" panose="020B0604020202020204" pitchFamily="34" charset="0"/>
-              </a:rPr>
-              <a:t>Similarity index is a measure of the </a:t>
-            </a:r>
-            <a:r>
-              <a:rPr lang="en-US" sz="2400" b="1" dirty="0">
-                <a:effectLst/>
-                <a:ea typeface="Calibri" panose="020F0502020204030204" pitchFamily="34" charset="0"/>
-                <a:cs typeface="Arial" panose="020B0604020202020204" pitchFamily="34" charset="0"/>
-              </a:rPr>
-              <a:t>similarity</a:t>
-            </a:r>
-            <a:r>
-              <a:rPr lang="en-US" sz="2400" dirty="0">
-                <a:effectLst/>
-                <a:ea typeface="Calibri" panose="020F0502020204030204" pitchFamily="34" charset="0"/>
-                <a:cs typeface="Arial" panose="020B0604020202020204" pitchFamily="34" charset="0"/>
-              </a:rPr>
-              <a:t> between two texts or documents.</a:t>
-            </a:r>
-          </a:p>
-          <a:p>
-            <a:pPr marL="800100" marR="0" indent="-342900">
-              <a:lnSpc>
-                <a:spcPct val="107000"/>
-              </a:lnSpc>
-              <a:spcBef>
-                <a:spcPts val="0"/>
-              </a:spcBef>
-              <a:spcAft>
-                <a:spcPts val="800"/>
-              </a:spcAft>
-              <a:buFont typeface="Arial" panose="020B0604020202020204" pitchFamily="34" charset="0"/>
-              <a:buChar char="•"/>
-            </a:pPr>
-            <a:r>
-              <a:rPr lang="en-US" sz="2400" dirty="0">
-                <a:effectLst/>
-                <a:ea typeface="Calibri" panose="020F0502020204030204" pitchFamily="34" charset="0"/>
-                <a:cs typeface="Arial" panose="020B0604020202020204" pitchFamily="34" charset="0"/>
-              </a:rPr>
-              <a:t>There are several different ways to calculate similarity index (</a:t>
-            </a:r>
-            <a:r>
-              <a:rPr lang="en-US" sz="2400" u="sng" dirty="0">
-                <a:effectLst/>
-                <a:ea typeface="Calibri" panose="020F0502020204030204" pitchFamily="34" charset="0"/>
-                <a:cs typeface="Arial" panose="020B0604020202020204" pitchFamily="34" charset="0"/>
-              </a:rPr>
-              <a:t>e.g</a:t>
-            </a:r>
-            <a:r>
-              <a:rPr lang="en-US" sz="2400" dirty="0">
-                <a:effectLst/>
-                <a:ea typeface="Calibri" panose="020F0502020204030204" pitchFamily="34" charset="0"/>
-                <a:cs typeface="Arial" panose="020B0604020202020204" pitchFamily="34" charset="0"/>
-              </a:rPr>
-              <a:t>: Cosine, Jaccard, LCS, etc..), but they generally involve comparing the content of the texts and determining the percentage of </a:t>
-            </a:r>
-            <a:r>
-              <a:rPr lang="en-US" sz="2400" b="1" dirty="0">
-                <a:effectLst/>
-                <a:ea typeface="Calibri" panose="020F0502020204030204" pitchFamily="34" charset="0"/>
-                <a:cs typeface="Arial" panose="020B0604020202020204" pitchFamily="34" charset="0"/>
-              </a:rPr>
-              <a:t>overlap or commonality</a:t>
-            </a:r>
-            <a:r>
-              <a:rPr lang="en-US" sz="2400" dirty="0">
-                <a:effectLst/>
-                <a:ea typeface="Calibri" panose="020F0502020204030204" pitchFamily="34" charset="0"/>
-                <a:cs typeface="Arial" panose="020B0604020202020204" pitchFamily="34" charset="0"/>
-              </a:rPr>
-              <a:t>.</a:t>
-            </a:r>
-          </a:p>
-        </p:txBody>
-      </p:sp>
-      <p:sp>
-        <p:nvSpPr>
-          <p:cNvPr id="8" name="TextBox 7">
-            <a:extLst>
-              <a:ext uri="{FF2B5EF4-FFF2-40B4-BE49-F238E27FC236}">
-                <a16:creationId xmlns:a16="http://schemas.microsoft.com/office/drawing/2014/main" id="{75DDD512-F6F8-F646-A1AE-0122846F70D6}"/>
-              </a:ext>
-            </a:extLst>
-          </p:cNvPr>
-          <p:cNvSpPr txBox="1"/>
-          <p:nvPr/>
-        </p:nvSpPr>
-        <p:spPr>
-          <a:xfrm>
-            <a:off x="732692" y="3966483"/>
-            <a:ext cx="644857" cy="461665"/>
-          </a:xfrm>
-          <a:prstGeom prst="rect">
-            <a:avLst/>
-          </a:prstGeom>
-          <a:noFill/>
-        </p:spPr>
-        <p:txBody>
-          <a:bodyPr wrap="none" rtlCol="0">
-            <a:spAutoFit/>
-          </a:bodyPr>
-          <a:lstStyle/>
-          <a:p>
-            <a:r>
-              <a:rPr lang="en-US" sz="2400" dirty="0"/>
-              <a:t>e.g:</a:t>
-            </a:r>
-          </a:p>
-        </p:txBody>
-      </p:sp>
     </p:spTree>
     <p:extLst>
       <p:ext uri="{BB962C8B-B14F-4D97-AF65-F5344CB8AC3E}">
-        <p14:creationId xmlns:p14="http://schemas.microsoft.com/office/powerpoint/2010/main" val="3031088463"/>
+        <p14:creationId xmlns:p14="http://schemas.microsoft.com/office/powerpoint/2010/main" val="2108535052"/>
       </p:ext>
     </p:extLst>
   </p:cSld>

--- a/Capstone Project Phase A-23-1-D-6.pptx
+++ b/Capstone Project Phase A-23-1-D-6.pptx
@@ -689,6 +689,9 @@
           <a:bodyPr/>
           <a:lstStyle/>
           <a:p>
+            <a:pPr marL="0" indent="0">
+              <a:buNone/>
+            </a:pPr>
             <a:endParaRPr lang="en-US" dirty="0"/>
           </a:p>
         </p:txBody>
@@ -37184,7 +37187,7 @@
           <a:p>
             <a:r>
               <a:rPr lang="en-US" sz="3000" dirty="0"/>
-              <a:t>Helpful for people with disabilities, such as the deaf</a:t>
+              <a:t>Helpful for people with disabilities, such as blind peoples</a:t>
             </a:r>
           </a:p>
           <a:p>
@@ -37238,16 +37241,45 @@
           </p:cNvPicPr>
           <p:nvPr/>
         </p:nvPicPr>
+        <p:blipFill rotWithShape="1">
+          <a:blip r:embed="rId3"/>
+          <a:srcRect r="866"/>
+          <a:stretch/>
+        </p:blipFill>
+        <p:spPr>
+          <a:xfrm>
+            <a:off x="1213048" y="3782921"/>
+            <a:ext cx="5812220" cy="2755992"/>
+          </a:xfrm>
+          <a:prstGeom prst="rect">
+            <a:avLst/>
+          </a:prstGeom>
+        </p:spPr>
+      </p:pic>
+      <p:pic>
+        <p:nvPicPr>
+          <p:cNvPr id="6" name="תמונה 5">
+            <a:extLst>
+              <a:ext uri="{FF2B5EF4-FFF2-40B4-BE49-F238E27FC236}">
+                <a16:creationId xmlns:a16="http://schemas.microsoft.com/office/drawing/2014/main" id="{2D49BC4D-871A-1E82-EB8C-36AA628B82AD}"/>
+              </a:ext>
+            </a:extLst>
+          </p:cNvPr>
+          <p:cNvPicPr>
+            <a:picLocks noChangeAspect="1"/>
+          </p:cNvPicPr>
+          <p:nvPr/>
+        </p:nvPicPr>
         <p:blipFill>
-          <a:blip r:embed="rId3"/>
+          <a:blip r:embed="rId4"/>
           <a:stretch>
             <a:fillRect/>
           </a:stretch>
         </p:blipFill>
         <p:spPr>
           <a:xfrm>
-            <a:off x="3164512" y="3782921"/>
-            <a:ext cx="5862972" cy="2755992"/>
+            <a:off x="7587440" y="3782921"/>
+            <a:ext cx="3364811" cy="2755992"/>
           </a:xfrm>
           <a:prstGeom prst="rect">
             <a:avLst/>
@@ -37852,41 +37884,6 @@
           </a:p>
         </p:txBody>
       </p:sp>
-      <p:pic>
-        <p:nvPicPr>
-          <p:cNvPr id="8" name="Content Placeholder 7" descr="Diagram&#10;&#10;Description automatically generated">
-            <a:extLst>
-              <a:ext uri="{FF2B5EF4-FFF2-40B4-BE49-F238E27FC236}">
-                <a16:creationId xmlns:a16="http://schemas.microsoft.com/office/drawing/2014/main" id="{418AE0FD-30B3-C498-0907-FFE60BB97645}"/>
-              </a:ext>
-            </a:extLst>
-          </p:cNvPr>
-          <p:cNvPicPr>
-            <a:picLocks noGrp="1" noChangeAspect="1"/>
-          </p:cNvPicPr>
-          <p:nvPr>
-            <p:ph idx="1"/>
-          </p:nvPr>
-        </p:nvPicPr>
-        <p:blipFill>
-          <a:blip r:embed="rId3">
-            <a:extLst>
-              <a:ext uri="{28A0092B-C50C-407E-A947-70E740481C1C}">
-                <a14:useLocalDpi xmlns:a14="http://schemas.microsoft.com/office/drawing/2010/main" val="0"/>
-              </a:ext>
-            </a:extLst>
-          </a:blip>
-          <a:stretch>
-            <a:fillRect/>
-          </a:stretch>
-        </p:blipFill>
-        <p:spPr>
-          <a:xfrm>
-            <a:off x="49865" y="1741252"/>
-            <a:ext cx="12092269" cy="4513634"/>
-          </a:xfrm>
-        </p:spPr>
-      </p:pic>
       <p:sp>
         <p:nvSpPr>
           <p:cNvPr id="9" name="Slide Number Placeholder 8">
@@ -37916,6 +37913,35 @@
           </a:p>
         </p:txBody>
       </p:sp>
+      <p:pic>
+        <p:nvPicPr>
+          <p:cNvPr id="6" name="תמונה 5">
+            <a:extLst>
+              <a:ext uri="{FF2B5EF4-FFF2-40B4-BE49-F238E27FC236}">
+                <a16:creationId xmlns:a16="http://schemas.microsoft.com/office/drawing/2014/main" id="{648A0D16-28A7-42E7-63A0-E5E356501314}"/>
+              </a:ext>
+            </a:extLst>
+          </p:cNvPr>
+          <p:cNvPicPr>
+            <a:picLocks noChangeAspect="1"/>
+          </p:cNvPicPr>
+          <p:nvPr/>
+        </p:nvPicPr>
+        <p:blipFill rotWithShape="1">
+          <a:blip r:embed="rId3"/>
+          <a:srcRect l="668" t="551" b="1563"/>
+          <a:stretch/>
+        </p:blipFill>
+        <p:spPr>
+          <a:xfrm>
+            <a:off x="81280" y="1866774"/>
+            <a:ext cx="12110720" cy="4107306"/>
+          </a:xfrm>
+          <a:prstGeom prst="rect">
+            <a:avLst/>
+          </a:prstGeom>
+        </p:spPr>
+      </p:pic>
     </p:spTree>
     <p:extLst>
       <p:ext uri="{BB962C8B-B14F-4D97-AF65-F5344CB8AC3E}">
@@ -38391,54 +38417,6 @@
           </a:p>
         </p:txBody>
       </p:sp>
-      <p:pic>
-        <p:nvPicPr>
-          <p:cNvPr id="2" name="תמונה 1">
-            <a:extLst>
-              <a:ext uri="{FF2B5EF4-FFF2-40B4-BE49-F238E27FC236}">
-                <a16:creationId xmlns:a16="http://schemas.microsoft.com/office/drawing/2014/main" id="{08E5E7CA-F819-E30A-6AC5-155670853651}"/>
-              </a:ext>
-            </a:extLst>
-          </p:cNvPr>
-          <p:cNvPicPr>
-            <a:picLocks noChangeAspect="1"/>
-          </p:cNvPicPr>
-          <p:nvPr/>
-        </p:nvPicPr>
-        <p:blipFill rotWithShape="1">
-          <a:blip r:embed="rId3">
-            <a:extLst>
-              <a:ext uri="{28A0092B-C50C-407E-A947-70E740481C1C}">
-                <a14:useLocalDpi xmlns:a14="http://schemas.microsoft.com/office/drawing/2010/main" val="0"/>
-              </a:ext>
-            </a:extLst>
-          </a:blip>
-          <a:srcRect l="2039" t="55491" r="1922" b="4300"/>
-          <a:stretch/>
-        </p:blipFill>
-        <p:spPr bwMode="auto">
-          <a:xfrm>
-            <a:off x="1148431" y="1851566"/>
-            <a:ext cx="3521574" cy="4680363"/>
-          </a:xfrm>
-          <a:prstGeom prst="rect">
-            <a:avLst/>
-          </a:prstGeom>
-          <a:ln>
-            <a:noFill/>
-          </a:ln>
-          <a:effectLst>
-            <a:outerShdw blurRad="266700" dist="50800" dir="5400000" sx="95000" sy="95000" algn="ctr" rotWithShape="0">
-              <a:srgbClr val="000000"/>
-            </a:outerShdw>
-          </a:effectLst>
-          <a:extLst>
-            <a:ext uri="{53640926-AAD7-44D8-BBD7-CCE9431645EC}">
-              <a14:shadowObscured xmlns:a14="http://schemas.microsoft.com/office/drawing/2010/main"/>
-            </a:ext>
-          </a:extLst>
-        </p:spPr>
-      </p:pic>
       <p:sp>
         <p:nvSpPr>
           <p:cNvPr id="3" name="תיבת טקסט 2">
@@ -38490,7 +38468,7 @@
           <p:nvPr/>
         </p:nvPicPr>
         <p:blipFill rotWithShape="1">
-          <a:blip r:embed="rId4">
+          <a:blip r:embed="rId3">
             <a:extLst>
               <a:ext uri="{28A0092B-C50C-407E-A947-70E740481C1C}">
                 <a14:useLocalDpi xmlns:a14="http://schemas.microsoft.com/office/drawing/2010/main" val="0"/>
@@ -38610,6 +38588,49 @@
           </a:p>
         </p:txBody>
       </p:sp>
+      <p:pic>
+        <p:nvPicPr>
+          <p:cNvPr id="5" name="תמונה 4">
+            <a:extLst>
+              <a:ext uri="{FF2B5EF4-FFF2-40B4-BE49-F238E27FC236}">
+                <a16:creationId xmlns:a16="http://schemas.microsoft.com/office/drawing/2014/main" id="{E86A56F8-80E8-6D7E-4318-0D16CF9A10A4}"/>
+              </a:ext>
+            </a:extLst>
+          </p:cNvPr>
+          <p:cNvPicPr>
+            <a:picLocks noChangeAspect="1"/>
+          </p:cNvPicPr>
+          <p:nvPr/>
+        </p:nvPicPr>
+        <p:blipFill>
+          <a:blip r:embed="rId4">
+            <a:extLst>
+              <a:ext uri="{28A0092B-C50C-407E-A947-70E740481C1C}">
+                <a14:useLocalDpi xmlns:a14="http://schemas.microsoft.com/office/drawing/2010/main" val="0"/>
+              </a:ext>
+            </a:extLst>
+          </a:blip>
+          <a:stretch>
+            <a:fillRect/>
+          </a:stretch>
+        </p:blipFill>
+        <p:spPr>
+          <a:xfrm>
+            <a:off x="1380460" y="1894989"/>
+            <a:ext cx="3228561" cy="4719055"/>
+          </a:xfrm>
+          <a:prstGeom prst="rect">
+            <a:avLst/>
+          </a:prstGeom>
+          <a:effectLst>
+            <a:outerShdw blurRad="50800" dist="38100" dir="8100000" algn="tr" rotWithShape="0">
+              <a:prstClr val="black">
+                <a:alpha val="40000"/>
+              </a:prstClr>
+            </a:outerShdw>
+          </a:effectLst>
+        </p:spPr>
+      </p:pic>
     </p:spTree>
     <p:extLst>
       <p:ext uri="{BB962C8B-B14F-4D97-AF65-F5344CB8AC3E}">
@@ -38748,7 +38769,7 @@
           <p:nvPr>
             <p:extLst>
               <p:ext uri="{D42A27DB-BD31-4B8C-83A1-F6EECF244321}">
-                <p14:modId xmlns:p14="http://schemas.microsoft.com/office/powerpoint/2010/main" val="3277264401"/>
+                <p14:modId xmlns:p14="http://schemas.microsoft.com/office/powerpoint/2010/main" val="1603680514"/>
               </p:ext>
             </p:extLst>
           </p:nvPr>
@@ -39101,7 +39122,7 @@
                       <a:pPr rtl="1"/>
                       <a:r>
                         <a:rPr lang="en-US" sz="1800" dirty="0"/>
-                        <a:t>Customer site is filling the form with the extracted text that passed by system</a:t>
+                        <a:t>Customer site is filling the field with the extracted text that passed by system</a:t>
                       </a:r>
                       <a:endParaRPr lang="he-IL" sz="1800" dirty="0"/>
                     </a:p>
@@ -39153,7 +39174,7 @@
                       <a:pPr rtl="1"/>
                       <a:r>
                         <a:rPr lang="en-US" sz="1800" dirty="0"/>
-                        <a:t>Customer user tries to fill form by speech input</a:t>
+                        <a:t>Customer user tries to fill field by speech input</a:t>
                       </a:r>
                       <a:endParaRPr lang="he-IL" sz="1800" dirty="0"/>
                     </a:p>
@@ -39288,7 +39309,7 @@
                       </a:pPr>
                       <a:r>
                         <a:rPr lang="en-US" sz="1800" dirty="0"/>
-                        <a:t>Filling Forms</a:t>
+                        <a:t>Filling Fields</a:t>
                       </a:r>
                       <a:endParaRPr lang="he-IL" sz="1800" dirty="0"/>
                     </a:p>
@@ -39403,7 +39424,7 @@
                       <a:pPr rtl="1"/>
                       <a:r>
                         <a:rPr lang="en-US" sz="1800" dirty="0"/>
-                        <a:t>Filling in log file with the content of the extracted command</a:t>
+                        <a:t>Filling in log file with the content of the generated command</a:t>
                       </a:r>
                       <a:endParaRPr lang="he-IL" sz="1800" dirty="0"/>
                     </a:p>

--- a/Capstone Project Phase A-23-1-D-6.pptx
+++ b/Capstone Project Phase A-23-1-D-6.pptx
@@ -210,7 +210,7 @@
           <a:p>
             <a:fld id="{E847F2A2-7CE7-419C-BF6F-95D99019EF58}" type="datetimeFigureOut">
               <a:rPr lang="en-US" smtClean="0"/>
-              <a:t>1/22/2023</a:t>
+              <a:t>1/23/2023</a:t>
             </a:fld>
             <a:endParaRPr lang="en-US"/>
           </a:p>
@@ -1510,7 +1510,7 @@
           <a:p>
             <a:fld id="{2D7F4EDB-1BD7-4CF4-AF3E-2BB929B405AE}" type="datetime1">
               <a:rPr lang="en-US" smtClean="0"/>
-              <a:t>1/22/2023</a:t>
+              <a:t>1/23/2023</a:t>
             </a:fld>
             <a:endParaRPr lang="en-US"/>
           </a:p>
@@ -1936,7 +1936,7 @@
           <a:p>
             <a:fld id="{9EA2C755-6153-439F-92FE-4D0C5312F9CE}" type="datetime1">
               <a:rPr lang="en-US" smtClean="0"/>
-              <a:t>1/22/2023</a:t>
+              <a:t>1/23/2023</a:t>
             </a:fld>
             <a:endParaRPr lang="en-US"/>
           </a:p>
@@ -2285,7 +2285,7 @@
           <a:p>
             <a:fld id="{9EA2C755-6153-439F-92FE-4D0C5312F9CE}" type="datetime1">
               <a:rPr lang="en-US" smtClean="0"/>
-              <a:t>1/22/2023</a:t>
+              <a:t>1/23/2023</a:t>
             </a:fld>
             <a:endParaRPr lang="en-US"/>
           </a:p>
@@ -2703,7 +2703,7 @@
           <a:p>
             <a:fld id="{9EA2C755-6153-439F-92FE-4D0C5312F9CE}" type="datetime1">
               <a:rPr lang="en-US" smtClean="0"/>
-              <a:t>1/22/2023</a:t>
+              <a:t>1/23/2023</a:t>
             </a:fld>
             <a:endParaRPr lang="en-US"/>
           </a:p>
@@ -3284,7 +3284,7 @@
           <a:p>
             <a:fld id="{9EA2C755-6153-439F-92FE-4D0C5312F9CE}" type="datetime1">
               <a:rPr lang="en-US" smtClean="0"/>
-              <a:t>1/22/2023</a:t>
+              <a:t>1/23/2023</a:t>
             </a:fld>
             <a:endParaRPr lang="en-US"/>
           </a:p>
@@ -3978,7 +3978,7 @@
           <a:p>
             <a:fld id="{9EA2C755-6153-439F-92FE-4D0C5312F9CE}" type="datetime1">
               <a:rPr lang="en-US" smtClean="0"/>
-              <a:t>1/22/2023</a:t>
+              <a:t>1/23/2023</a:t>
             </a:fld>
             <a:endParaRPr lang="en-US"/>
           </a:p>
@@ -4904,7 +4904,7 @@
           <a:p>
             <a:fld id="{9EA2C755-6153-439F-92FE-4D0C5312F9CE}" type="datetime1">
               <a:rPr lang="en-US" smtClean="0"/>
-              <a:t>1/22/2023</a:t>
+              <a:t>1/23/2023</a:t>
             </a:fld>
             <a:endParaRPr lang="en-US"/>
           </a:p>
@@ -5230,7 +5230,7 @@
           <a:p>
             <a:fld id="{D8FE9636-AB7E-4F00-A24A-3BA4352B4E84}" type="datetime1">
               <a:rPr lang="en-US" smtClean="0"/>
-              <a:t>1/22/2023</a:t>
+              <a:t>1/23/2023</a:t>
             </a:fld>
             <a:endParaRPr lang="en-US"/>
           </a:p>
@@ -5506,7 +5506,7 @@
           <a:p>
             <a:fld id="{14C8C8C1-4197-461F-B842-95F5A9677C45}" type="datetime1">
               <a:rPr lang="en-US" smtClean="0"/>
-              <a:t>1/22/2023</a:t>
+              <a:t>1/23/2023</a:t>
             </a:fld>
             <a:endParaRPr lang="en-US"/>
           </a:p>
@@ -5867,7 +5867,7 @@
           <a:p>
             <a:fld id="{78ABE3C1-DBE1-495D-B57B-2849774B866A}" type="datetimeFigureOut">
               <a:rPr lang="en-US" dirty="0"/>
-              <a:t>1/22/2023</a:t>
+              <a:t>1/23/2023</a:t>
             </a:fld>
             <a:endParaRPr lang="en-US" dirty="0"/>
           </a:p>
@@ -6193,7 +6193,7 @@
           <a:p>
             <a:fld id="{12DE42F4-6EEF-4EF7-8ED4-2208F0F89A08}" type="datetimeFigureOut">
               <a:rPr lang="en-US" dirty="0"/>
-              <a:t>1/22/2023</a:t>
+              <a:t>1/23/2023</a:t>
             </a:fld>
             <a:endParaRPr lang="en-US" dirty="0"/>
           </a:p>
@@ -6532,7 +6532,7 @@
           <a:p>
             <a:fld id="{2281937C-6156-4165-80EA-9AF749AF8C81}" type="datetime1">
               <a:rPr lang="en-US" smtClean="0"/>
-              <a:t>1/22/2023</a:t>
+              <a:t>1/23/2023</a:t>
             </a:fld>
             <a:endParaRPr lang="en-US"/>
           </a:p>
@@ -6933,7 +6933,7 @@
           <a:p>
             <a:fld id="{30578ACC-22D6-47C1-A373-4FD133E34F3C}" type="datetimeFigureOut">
               <a:rPr lang="en-US" dirty="0"/>
-              <a:t>1/22/2023</a:t>
+              <a:t>1/23/2023</a:t>
             </a:fld>
             <a:endParaRPr lang="en-US" dirty="0"/>
           </a:p>
@@ -7321,7 +7321,7 @@
           <a:p>
             <a:fld id="{4E5A6C69-6797-4E8A-BF37-F2C3751466E9}" type="datetimeFigureOut">
               <a:rPr lang="en-US" dirty="0"/>
-              <a:t>1/22/2023</a:t>
+              <a:t>1/23/2023</a:t>
             </a:fld>
             <a:endParaRPr lang="en-US" dirty="0"/>
           </a:p>
@@ -7839,7 +7839,7 @@
           <a:p>
             <a:fld id="{D82014A1-A632-4878-A0D3-F52BA7563730}" type="datetimeFigureOut">
               <a:rPr lang="en-US" dirty="0"/>
-              <a:t>1/22/2023</a:t>
+              <a:t>1/23/2023</a:t>
             </a:fld>
             <a:endParaRPr lang="en-US" dirty="0"/>
           </a:p>
@@ -8108,7 +8108,7 @@
           <a:p>
             <a:fld id="{CE99F462-093F-4566-844B-4C71F2739DA5}" type="datetimeFigureOut">
               <a:rPr lang="en-US" dirty="0"/>
-              <a:t>1/22/2023</a:t>
+              <a:t>1/23/2023</a:t>
             </a:fld>
             <a:endParaRPr lang="en-US" dirty="0"/>
           </a:p>
@@ -8283,7 +8283,7 @@
           <a:p>
             <a:fld id="{3D24A7AC-904D-4781-85BA-7D10C17ED021}" type="datetimeFigureOut">
               <a:rPr lang="en-US" dirty="0"/>
-              <a:t>1/22/2023</a:t>
+              <a:t>1/23/2023</a:t>
             </a:fld>
             <a:endParaRPr lang="en-US" dirty="0"/>
           </a:p>
@@ -8685,7 +8685,7 @@
           <a:p>
             <a:fld id="{E331444B-B92B-4E27-8C94-BB93EAF5CB18}" type="datetimeFigureOut">
               <a:rPr lang="en-US" dirty="0"/>
-              <a:t>1/22/2023</a:t>
+              <a:t>1/23/2023</a:t>
             </a:fld>
             <a:endParaRPr lang="en-US" dirty="0"/>
           </a:p>
@@ -9106,7 +9106,7 @@
           <a:p>
             <a:fld id="{363EFA5E-FA76-400D-B3DC-F0BA90E6D107}" type="datetimeFigureOut">
               <a:rPr lang="en-US" dirty="0"/>
-              <a:t>1/22/2023</a:t>
+              <a:t>1/23/2023</a:t>
             </a:fld>
             <a:endParaRPr lang="en-US" dirty="0"/>
           </a:p>
@@ -9527,7 +9527,7 @@
           <a:p>
             <a:fld id="{446C117F-5CCF-4837-BE5F-2B92066CAFAF}" type="datetimeFigureOut">
               <a:rPr lang="en-US" dirty="0"/>
-              <a:t>1/22/2023</a:t>
+              <a:t>1/23/2023</a:t>
             </a:fld>
             <a:endParaRPr lang="en-US" dirty="0"/>
           </a:p>
@@ -9875,7 +9875,7 @@
           <a:p>
             <a:fld id="{84EB90BD-B6CE-46B7-997F-7313B992CCDC}" type="datetimeFigureOut">
               <a:rPr lang="en-US" dirty="0"/>
-              <a:t>1/22/2023</a:t>
+              <a:t>1/23/2023</a:t>
             </a:fld>
             <a:endParaRPr lang="en-US" dirty="0"/>
           </a:p>
@@ -10292,7 +10292,7 @@
           <a:p>
             <a:fld id="{CDB9D11F-B188-461D-B23F-39381795C052}" type="datetimeFigureOut">
               <a:rPr lang="en-US" dirty="0"/>
-              <a:t>1/22/2023</a:t>
+              <a:t>1/23/2023</a:t>
             </a:fld>
             <a:endParaRPr lang="en-US" dirty="0"/>
           </a:p>
@@ -10930,7 +10930,7 @@
           <a:p>
             <a:fld id="{BD1E4BF1-159F-425F-97B6-A68E139F3DBC}" type="datetime1">
               <a:rPr lang="en-US" smtClean="0"/>
-              <a:t>1/22/2023</a:t>
+              <a:t>1/23/2023</a:t>
             </a:fld>
             <a:endParaRPr lang="en-US"/>
           </a:p>
@@ -11278,7 +11278,7 @@
           <a:p>
             <a:fld id="{52E6D8D9-55A2-4063-B0F3-121F44549695}" type="datetimeFigureOut">
               <a:rPr lang="en-US" dirty="0"/>
-              <a:t>1/22/2023</a:t>
+              <a:t>1/23/2023</a:t>
             </a:fld>
             <a:endParaRPr lang="en-US" dirty="0"/>
           </a:p>
@@ -11971,7 +11971,7 @@
           <a:p>
             <a:fld id="{D4B24536-994D-4021-A283-9F449C0DB509}" type="datetimeFigureOut">
               <a:rPr lang="en-US" dirty="0"/>
-              <a:t>1/22/2023</a:t>
+              <a:t>1/23/2023</a:t>
             </a:fld>
             <a:endParaRPr lang="en-US" dirty="0"/>
           </a:p>
@@ -12896,7 +12896,7 @@
           <a:p>
             <a:fld id="{3CBBBB78-C96F-47B7-AB17-D852CA960AC9}" type="datetimeFigureOut">
               <a:rPr lang="en-US" dirty="0"/>
-              <a:t>1/22/2023</a:t>
+              <a:t>1/23/2023</a:t>
             </a:fld>
             <a:endParaRPr lang="en-US" dirty="0"/>
           </a:p>
@@ -13221,7 +13221,7 @@
           <a:p>
             <a:fld id="{1FA3F48C-C7C6-4055-9F49-3777875E72AE}" type="datetimeFigureOut">
               <a:rPr lang="en-US" dirty="0"/>
-              <a:t>1/22/2023</a:t>
+              <a:t>1/23/2023</a:t>
             </a:fld>
             <a:endParaRPr lang="en-US" dirty="0"/>
           </a:p>
@@ -13497,7 +13497,7 @@
           <a:p>
             <a:fld id="{6178E61D-D431-422C-9764-11DAFE33AB63}" type="datetimeFigureOut">
               <a:rPr lang="en-US" dirty="0"/>
-              <a:t>1/22/2023</a:t>
+              <a:t>1/23/2023</a:t>
             </a:fld>
             <a:endParaRPr lang="en-US" dirty="0"/>
           </a:p>
@@ -13859,7 +13859,7 @@
           <a:p>
             <a:fld id="{78ABE3C1-DBE1-495D-B57B-2849774B866A}" type="datetimeFigureOut">
               <a:rPr lang="en-US" smtClean="0"/>
-              <a:t>1/22/2023</a:t>
+              <a:t>1/23/2023</a:t>
             </a:fld>
             <a:endParaRPr lang="en-US" dirty="0"/>
           </a:p>
@@ -14185,7 +14185,7 @@
           <a:p>
             <a:fld id="{12DE42F4-6EEF-4EF7-8ED4-2208F0F89A08}" type="datetimeFigureOut">
               <a:rPr lang="en-US" smtClean="0"/>
-              <a:t>1/22/2023</a:t>
+              <a:t>1/23/2023</a:t>
             </a:fld>
             <a:endParaRPr lang="en-US" dirty="0"/>
           </a:p>
@@ -14586,7 +14586,7 @@
           <a:p>
             <a:fld id="{30578ACC-22D6-47C1-A373-4FD133E34F3C}" type="datetimeFigureOut">
               <a:rPr lang="en-US" smtClean="0"/>
-              <a:t>1/22/2023</a:t>
+              <a:t>1/23/2023</a:t>
             </a:fld>
             <a:endParaRPr lang="en-US" dirty="0"/>
           </a:p>
@@ -14974,7 +14974,7 @@
           <a:p>
             <a:fld id="{4E5A6C69-6797-4E8A-BF37-F2C3751466E9}" type="datetimeFigureOut">
               <a:rPr lang="en-US" smtClean="0"/>
-              <a:t>1/22/2023</a:t>
+              <a:t>1/23/2023</a:t>
             </a:fld>
             <a:endParaRPr lang="en-US" dirty="0"/>
           </a:p>
@@ -15492,7 +15492,7 @@
           <a:p>
             <a:fld id="{D82014A1-A632-4878-A0D3-F52BA7563730}" type="datetimeFigureOut">
               <a:rPr lang="en-US" smtClean="0"/>
-              <a:t>1/22/2023</a:t>
+              <a:t>1/23/2023</a:t>
             </a:fld>
             <a:endParaRPr lang="en-US" dirty="0"/>
           </a:p>
@@ -15875,7 +15875,7 @@
           <a:p>
             <a:fld id="{93F3C043-1598-40A9-9E30-6B4023AEB72A}" type="datetime1">
               <a:rPr lang="en-US" smtClean="0"/>
-              <a:t>1/22/2023</a:t>
+              <a:t>1/23/2023</a:t>
             </a:fld>
             <a:endParaRPr lang="en-US"/>
           </a:p>
@@ -16144,7 +16144,7 @@
           <a:p>
             <a:fld id="{CE99F462-093F-4566-844B-4C71F2739DA5}" type="datetimeFigureOut">
               <a:rPr lang="en-US" smtClean="0"/>
-              <a:t>1/22/2023</a:t>
+              <a:t>1/23/2023</a:t>
             </a:fld>
             <a:endParaRPr lang="en-US" dirty="0"/>
           </a:p>
@@ -16319,7 +16319,7 @@
           <a:p>
             <a:fld id="{3D24A7AC-904D-4781-85BA-7D10C17ED021}" type="datetimeFigureOut">
               <a:rPr lang="en-US" smtClean="0"/>
-              <a:t>1/22/2023</a:t>
+              <a:t>1/23/2023</a:t>
             </a:fld>
             <a:endParaRPr lang="en-US" dirty="0"/>
           </a:p>
@@ -16721,7 +16721,7 @@
           <a:p>
             <a:fld id="{E331444B-B92B-4E27-8C94-BB93EAF5CB18}" type="datetimeFigureOut">
               <a:rPr lang="en-US" smtClean="0"/>
-              <a:t>1/22/2023</a:t>
+              <a:t>1/23/2023</a:t>
             </a:fld>
             <a:endParaRPr lang="en-US" dirty="0"/>
           </a:p>
@@ -17142,7 +17142,7 @@
           <a:p>
             <a:fld id="{363EFA5E-FA76-400D-B3DC-F0BA90E6D107}" type="datetimeFigureOut">
               <a:rPr lang="en-US" smtClean="0"/>
-              <a:t>1/22/2023</a:t>
+              <a:t>1/23/2023</a:t>
             </a:fld>
             <a:endParaRPr lang="en-US" dirty="0"/>
           </a:p>
@@ -17563,7 +17563,7 @@
           <a:p>
             <a:fld id="{446C117F-5CCF-4837-BE5F-2B92066CAFAF}" type="datetimeFigureOut">
               <a:rPr lang="en-US" smtClean="0"/>
-              <a:t>1/22/2023</a:t>
+              <a:t>1/23/2023</a:t>
             </a:fld>
             <a:endParaRPr lang="en-US" dirty="0"/>
           </a:p>
@@ -17911,7 +17911,7 @@
           <a:p>
             <a:fld id="{84EB90BD-B6CE-46B7-997F-7313B992CCDC}" type="datetimeFigureOut">
               <a:rPr lang="en-US" smtClean="0"/>
-              <a:t>1/22/2023</a:t>
+              <a:t>1/23/2023</a:t>
             </a:fld>
             <a:endParaRPr lang="en-US" dirty="0"/>
           </a:p>
@@ -18328,7 +18328,7 @@
           <a:p>
             <a:fld id="{CDB9D11F-B188-461D-B23F-39381795C052}" type="datetimeFigureOut">
               <a:rPr lang="en-US" smtClean="0"/>
-              <a:t>1/22/2023</a:t>
+              <a:t>1/23/2023</a:t>
             </a:fld>
             <a:endParaRPr lang="en-US" dirty="0"/>
           </a:p>
@@ -18908,7 +18908,7 @@
           <a:p>
             <a:fld id="{52E6D8D9-55A2-4063-B0F3-121F44549695}" type="datetimeFigureOut">
               <a:rPr lang="en-US" smtClean="0"/>
-              <a:t>1/22/2023</a:t>
+              <a:t>1/23/2023</a:t>
             </a:fld>
             <a:endParaRPr lang="en-US" dirty="0"/>
           </a:p>
@@ -19601,7 +19601,7 @@
           <a:p>
             <a:fld id="{D4B24536-994D-4021-A283-9F449C0DB509}" type="datetimeFigureOut">
               <a:rPr lang="en-US" smtClean="0"/>
-              <a:t>1/22/2023</a:t>
+              <a:t>1/23/2023</a:t>
             </a:fld>
             <a:endParaRPr lang="en-US" dirty="0"/>
           </a:p>
@@ -20526,7 +20526,7 @@
           <a:p>
             <a:fld id="{3CBBBB78-C96F-47B7-AB17-D852CA960AC9}" type="datetimeFigureOut">
               <a:rPr lang="en-US" smtClean="0"/>
-              <a:t>1/22/2023</a:t>
+              <a:t>1/23/2023</a:t>
             </a:fld>
             <a:endParaRPr lang="en-US" dirty="0"/>
           </a:p>
@@ -21044,7 +21044,7 @@
           <a:p>
             <a:fld id="{2F3F64E0-4F65-46C7-9784-6C30E11B0A43}" type="datetime1">
               <a:rPr lang="en-US" smtClean="0"/>
-              <a:t>1/22/2023</a:t>
+              <a:t>1/23/2023</a:t>
             </a:fld>
             <a:endParaRPr lang="en-US"/>
           </a:p>
@@ -21369,7 +21369,7 @@
           <a:p>
             <a:fld id="{1FA3F48C-C7C6-4055-9F49-3777875E72AE}" type="datetimeFigureOut">
               <a:rPr lang="en-US" smtClean="0"/>
-              <a:t>1/22/2023</a:t>
+              <a:t>1/23/2023</a:t>
             </a:fld>
             <a:endParaRPr lang="en-US" dirty="0"/>
           </a:p>
@@ -21645,7 +21645,7 @@
           <a:p>
             <a:fld id="{6178E61D-D431-422C-9764-11DAFE33AB63}" type="datetimeFigureOut">
               <a:rPr lang="en-US" smtClean="0"/>
-              <a:t>1/22/2023</a:t>
+              <a:t>1/23/2023</a:t>
             </a:fld>
             <a:endParaRPr lang="en-US" dirty="0"/>
           </a:p>
@@ -22007,7 +22007,7 @@
           <a:p>
             <a:fld id="{78ABE3C1-DBE1-495D-B57B-2849774B866A}" type="datetimeFigureOut">
               <a:rPr lang="en-US" smtClean="0"/>
-              <a:t>1/22/2023</a:t>
+              <a:t>1/23/2023</a:t>
             </a:fld>
             <a:endParaRPr lang="en-US" dirty="0"/>
           </a:p>
@@ -22333,7 +22333,7 @@
           <a:p>
             <a:fld id="{12DE42F4-6EEF-4EF7-8ED4-2208F0F89A08}" type="datetimeFigureOut">
               <a:rPr lang="en-US" smtClean="0"/>
-              <a:t>1/22/2023</a:t>
+              <a:t>1/23/2023</a:t>
             </a:fld>
             <a:endParaRPr lang="en-US" dirty="0"/>
           </a:p>
@@ -22734,7 +22734,7 @@
           <a:p>
             <a:fld id="{30578ACC-22D6-47C1-A373-4FD133E34F3C}" type="datetimeFigureOut">
               <a:rPr lang="en-US" smtClean="0"/>
-              <a:t>1/22/2023</a:t>
+              <a:t>1/23/2023</a:t>
             </a:fld>
             <a:endParaRPr lang="en-US" dirty="0"/>
           </a:p>
@@ -23122,7 +23122,7 @@
           <a:p>
             <a:fld id="{4E5A6C69-6797-4E8A-BF37-F2C3751466E9}" type="datetimeFigureOut">
               <a:rPr lang="en-US" smtClean="0"/>
-              <a:t>1/22/2023</a:t>
+              <a:t>1/23/2023</a:t>
             </a:fld>
             <a:endParaRPr lang="en-US" dirty="0"/>
           </a:p>
@@ -23640,7 +23640,7 @@
           <a:p>
             <a:fld id="{D82014A1-A632-4878-A0D3-F52BA7563730}" type="datetimeFigureOut">
               <a:rPr lang="en-US" smtClean="0"/>
-              <a:t>1/22/2023</a:t>
+              <a:t>1/23/2023</a:t>
             </a:fld>
             <a:endParaRPr lang="en-US" dirty="0"/>
           </a:p>
@@ -23909,7 +23909,7 @@
           <a:p>
             <a:fld id="{CE99F462-093F-4566-844B-4C71F2739DA5}" type="datetimeFigureOut">
               <a:rPr lang="en-US" smtClean="0"/>
-              <a:t>1/22/2023</a:t>
+              <a:t>1/23/2023</a:t>
             </a:fld>
             <a:endParaRPr lang="en-US" dirty="0"/>
           </a:p>
@@ -24084,7 +24084,7 @@
           <a:p>
             <a:fld id="{3D24A7AC-904D-4781-85BA-7D10C17ED021}" type="datetimeFigureOut">
               <a:rPr lang="en-US" smtClean="0"/>
-              <a:t>1/22/2023</a:t>
+              <a:t>1/23/2023</a:t>
             </a:fld>
             <a:endParaRPr lang="en-US" dirty="0"/>
           </a:p>
@@ -24486,7 +24486,7 @@
           <a:p>
             <a:fld id="{E331444B-B92B-4E27-8C94-BB93EAF5CB18}" type="datetimeFigureOut">
               <a:rPr lang="en-US" smtClean="0"/>
-              <a:t>1/22/2023</a:t>
+              <a:t>1/23/2023</a:t>
             </a:fld>
             <a:endParaRPr lang="en-US" dirty="0"/>
           </a:p>
@@ -24755,7 +24755,7 @@
           <a:p>
             <a:fld id="{5AD1C699-AA64-4BA4-82B8-46CD3C5D6068}" type="datetime1">
               <a:rPr lang="en-US" smtClean="0"/>
-              <a:t>1/22/2023</a:t>
+              <a:t>1/23/2023</a:t>
             </a:fld>
             <a:endParaRPr lang="en-US"/>
           </a:p>
@@ -25176,7 +25176,7 @@
           <a:p>
             <a:fld id="{363EFA5E-FA76-400D-B3DC-F0BA90E6D107}" type="datetimeFigureOut">
               <a:rPr lang="en-US" smtClean="0"/>
-              <a:t>1/22/2023</a:t>
+              <a:t>1/23/2023</a:t>
             </a:fld>
             <a:endParaRPr lang="en-US" dirty="0"/>
           </a:p>
@@ -25597,7 +25597,7 @@
           <a:p>
             <a:fld id="{446C117F-5CCF-4837-BE5F-2B92066CAFAF}" type="datetimeFigureOut">
               <a:rPr lang="en-US" smtClean="0"/>
-              <a:t>1/22/2023</a:t>
+              <a:t>1/23/2023</a:t>
             </a:fld>
             <a:endParaRPr lang="en-US" dirty="0"/>
           </a:p>
@@ -25945,7 +25945,7 @@
           <a:p>
             <a:fld id="{84EB90BD-B6CE-46B7-997F-7313B992CCDC}" type="datetimeFigureOut">
               <a:rPr lang="en-US" smtClean="0"/>
-              <a:t>1/22/2023</a:t>
+              <a:t>1/23/2023</a:t>
             </a:fld>
             <a:endParaRPr lang="en-US" dirty="0"/>
           </a:p>
@@ -26362,7 +26362,7 @@
           <a:p>
             <a:fld id="{CDB9D11F-B188-461D-B23F-39381795C052}" type="datetimeFigureOut">
               <a:rPr lang="en-US" smtClean="0"/>
-              <a:t>1/22/2023</a:t>
+              <a:t>1/23/2023</a:t>
             </a:fld>
             <a:endParaRPr lang="en-US" dirty="0"/>
           </a:p>
@@ -26942,7 +26942,7 @@
           <a:p>
             <a:fld id="{52E6D8D9-55A2-4063-B0F3-121F44549695}" type="datetimeFigureOut">
               <a:rPr lang="en-US" smtClean="0"/>
-              <a:t>1/22/2023</a:t>
+              <a:t>1/23/2023</a:t>
             </a:fld>
             <a:endParaRPr lang="en-US" dirty="0"/>
           </a:p>
@@ -27635,7 +27635,7 @@
           <a:p>
             <a:fld id="{D4B24536-994D-4021-A283-9F449C0DB509}" type="datetimeFigureOut">
               <a:rPr lang="en-US" smtClean="0"/>
-              <a:t>1/22/2023</a:t>
+              <a:t>1/23/2023</a:t>
             </a:fld>
             <a:endParaRPr lang="en-US" dirty="0"/>
           </a:p>
@@ -28560,7 +28560,7 @@
           <a:p>
             <a:fld id="{3CBBBB78-C96F-47B7-AB17-D852CA960AC9}" type="datetimeFigureOut">
               <a:rPr lang="en-US" smtClean="0"/>
-              <a:t>1/22/2023</a:t>
+              <a:t>1/23/2023</a:t>
             </a:fld>
             <a:endParaRPr lang="en-US" dirty="0"/>
           </a:p>
@@ -28885,7 +28885,7 @@
           <a:p>
             <a:fld id="{1FA3F48C-C7C6-4055-9F49-3777875E72AE}" type="datetimeFigureOut">
               <a:rPr lang="en-US" smtClean="0"/>
-              <a:t>1/22/2023</a:t>
+              <a:t>1/23/2023</a:t>
             </a:fld>
             <a:endParaRPr lang="en-US" dirty="0"/>
           </a:p>
@@ -29161,7 +29161,7 @@
           <a:p>
             <a:fld id="{6178E61D-D431-422C-9764-11DAFE33AB63}" type="datetimeFigureOut">
               <a:rPr lang="en-US" smtClean="0"/>
-              <a:t>1/22/2023</a:t>
+              <a:t>1/23/2023</a:t>
             </a:fld>
             <a:endParaRPr lang="en-US" dirty="0"/>
           </a:p>
@@ -29468,7 +29468,7 @@
           <a:p>
             <a:fld id="{78ABE3C1-DBE1-495D-B57B-2849774B866A}" type="datetimeFigureOut">
               <a:rPr lang="en-US" smtClean="0"/>
-              <a:t>1/22/2023</a:t>
+              <a:t>1/23/2023</a:t>
             </a:fld>
             <a:endParaRPr lang="en-US" dirty="0"/>
           </a:p>
@@ -29643,7 +29643,7 @@
           <a:p>
             <a:fld id="{9C0B7BEE-014D-4F4A-A8E0-233FED87051A}" type="datetime1">
               <a:rPr lang="en-US" smtClean="0"/>
-              <a:t>1/22/2023</a:t>
+              <a:t>1/23/2023</a:t>
             </a:fld>
             <a:endParaRPr lang="en-US"/>
           </a:p>
@@ -29898,7 +29898,7 @@
           <a:p>
             <a:fld id="{12DE42F4-6EEF-4EF7-8ED4-2208F0F89A08}" type="datetimeFigureOut">
               <a:rPr lang="en-US" smtClean="0"/>
-              <a:t>1/22/2023</a:t>
+              <a:t>1/23/2023</a:t>
             </a:fld>
             <a:endParaRPr lang="en-US" dirty="0"/>
           </a:p>
@@ -30157,7 +30157,7 @@
           <a:p>
             <a:fld id="{9D6E9DEC-419B-4CC5-A080-3B06BD5A8291}" type="datetimeFigureOut">
               <a:rPr lang="en-US" smtClean="0"/>
-              <a:t>1/22/2023</a:t>
+              <a:t>1/23/2023</a:t>
             </a:fld>
             <a:endParaRPr lang="en-US" dirty="0"/>
           </a:p>
@@ -30404,7 +30404,7 @@
           <a:p>
             <a:fld id="{30578ACC-22D6-47C1-A373-4FD133E34F3C}" type="datetimeFigureOut">
               <a:rPr lang="en-US" smtClean="0"/>
-              <a:t>1/22/2023</a:t>
+              <a:t>1/23/2023</a:t>
             </a:fld>
             <a:endParaRPr lang="en-US" dirty="0"/>
           </a:p>
@@ -30701,7 +30701,7 @@
           <a:p>
             <a:fld id="{4E5A6C69-6797-4E8A-BF37-F2C3751466E9}" type="datetimeFigureOut">
               <a:rPr lang="en-US" smtClean="0"/>
-              <a:t>1/22/2023</a:t>
+              <a:t>1/23/2023</a:t>
             </a:fld>
             <a:endParaRPr lang="en-US" dirty="0"/>
           </a:p>
@@ -31225,7 +31225,7 @@
           <a:p>
             <a:fld id="{D82014A1-A632-4878-A0D3-F52BA7563730}" type="datetimeFigureOut">
               <a:rPr lang="en-US" smtClean="0"/>
-              <a:t>1/22/2023</a:t>
+              <a:t>1/23/2023</a:t>
             </a:fld>
             <a:endParaRPr lang="en-US" dirty="0"/>
           </a:p>
@@ -31354,7 +31354,7 @@
           <a:p>
             <a:fld id="{CE99F462-093F-4566-844B-4C71F2739DA5}" type="datetimeFigureOut">
               <a:rPr lang="en-US" smtClean="0"/>
-              <a:t>1/22/2023</a:t>
+              <a:t>1/23/2023</a:t>
             </a:fld>
             <a:endParaRPr lang="en-US" dirty="0"/>
           </a:p>
@@ -31461,7 +31461,7 @@
           <a:p>
             <a:fld id="{3D24A7AC-904D-4781-85BA-7D10C17ED021}" type="datetimeFigureOut">
               <a:rPr lang="en-US" smtClean="0"/>
-              <a:t>1/22/2023</a:t>
+              <a:t>1/23/2023</a:t>
             </a:fld>
             <a:endParaRPr lang="en-US" dirty="0"/>
           </a:p>
@@ -31748,7 +31748,7 @@
           <a:p>
             <a:fld id="{E331444B-B92B-4E27-8C94-BB93EAF5CB18}" type="datetimeFigureOut">
               <a:rPr lang="en-US" smtClean="0"/>
-              <a:t>1/22/2023</a:t>
+              <a:t>1/23/2023</a:t>
             </a:fld>
             <a:endParaRPr lang="en-US" dirty="0"/>
           </a:p>
@@ -32015,7 +32015,7 @@
           <a:p>
             <a:fld id="{363EFA5E-FA76-400D-B3DC-F0BA90E6D107}" type="datetimeFigureOut">
               <a:rPr lang="en-US" smtClean="0"/>
-              <a:t>1/22/2023</a:t>
+              <a:t>1/23/2023</a:t>
             </a:fld>
             <a:endParaRPr lang="en-US" dirty="0"/>
           </a:p>
@@ -32195,7 +32195,7 @@
           <a:p>
             <a:fld id="{1FA3F48C-C7C6-4055-9F49-3777875E72AE}" type="datetimeFigureOut">
               <a:rPr lang="en-US" smtClean="0"/>
-              <a:t>1/22/2023</a:t>
+              <a:t>1/23/2023</a:t>
             </a:fld>
             <a:endParaRPr lang="en-US" dirty="0"/>
           </a:p>
@@ -32597,7 +32597,7 @@
           <a:p>
             <a:fld id="{66FA656A-BCCE-4CE5-88CE-9E262E733C3F}" type="datetime1">
               <a:rPr lang="en-US" smtClean="0"/>
-              <a:t>1/22/2023</a:t>
+              <a:t>1/23/2023</a:t>
             </a:fld>
             <a:endParaRPr lang="en-US"/>
           </a:p>
@@ -32787,7 +32787,7 @@
           <a:p>
             <a:fld id="{6178E61D-D431-422C-9764-11DAFE33AB63}" type="datetimeFigureOut">
               <a:rPr lang="en-US" smtClean="0"/>
-              <a:t>1/22/2023</a:t>
+              <a:t>1/23/2023</a:t>
             </a:fld>
             <a:endParaRPr lang="en-US" dirty="0"/>
           </a:p>
@@ -33258,7 +33258,7 @@
           <a:p>
             <a:fld id="{A560CD89-3B49-44C5-8D65-1DE9D7EAF8DC}" type="datetime1">
               <a:rPr lang="en-US" smtClean="0"/>
-              <a:t>1/22/2023</a:t>
+              <a:t>1/23/2023</a:t>
             </a:fld>
             <a:endParaRPr lang="en-US"/>
           </a:p>
@@ -33514,7 +33514,7 @@
           <a:p>
             <a:fld id="{9EA2C755-6153-439F-92FE-4D0C5312F9CE}" type="datetime1">
               <a:rPr lang="en-US" smtClean="0"/>
-              <a:t>1/22/2023</a:t>
+              <a:t>1/23/2023</a:t>
             </a:fld>
             <a:endParaRPr lang="en-US"/>
           </a:p>
@@ -34139,7 +34139,7 @@
           <a:p>
             <a:fld id="{9D6E9DEC-419B-4CC5-A080-3B06BD5A8291}" type="datetimeFigureOut">
               <a:rPr lang="en-US" dirty="0"/>
-              <a:t>1/22/2023</a:t>
+              <a:t>1/23/2023</a:t>
             </a:fld>
             <a:endParaRPr lang="en-US" dirty="0"/>
           </a:p>
@@ -34730,7 +34730,7 @@
           <a:p>
             <a:fld id="{9D6E9DEC-419B-4CC5-A080-3B06BD5A8291}" type="datetimeFigureOut">
               <a:rPr lang="en-US" smtClean="0"/>
-              <a:t>1/22/2023</a:t>
+              <a:t>1/23/2023</a:t>
             </a:fld>
             <a:endParaRPr lang="en-US" dirty="0"/>
           </a:p>
@@ -35321,7 +35321,7 @@
           <a:p>
             <a:fld id="{9D6E9DEC-419B-4CC5-A080-3B06BD5A8291}" type="datetimeFigureOut">
               <a:rPr lang="en-US" smtClean="0"/>
-              <a:t>1/22/2023</a:t>
+              <a:t>1/23/2023</a:t>
             </a:fld>
             <a:endParaRPr lang="en-US" dirty="0"/>
           </a:p>
@@ -35888,7 +35888,7 @@
           <a:p>
             <a:fld id="{9EA2C755-6153-439F-92FE-4D0C5312F9CE}" type="datetime1">
               <a:rPr lang="en-US" smtClean="0"/>
-              <a:t>1/22/2023</a:t>
+              <a:t>1/23/2023</a:t>
             </a:fld>
             <a:endParaRPr lang="en-US"/>
           </a:p>
@@ -37387,7 +37387,7 @@
           <a:p>
             <a:r>
               <a:rPr lang="en-US" sz="3000" dirty="0"/>
-              <a:t>The main problem is inconsistency between </a:t>
+              <a:t>The main problem is mismatch between </a:t>
             </a:r>
             <a:r>
               <a:rPr lang="en-US" sz="3000" b="1" dirty="0"/>
